--- a/fall11/slidesF11/slides10w.pptx
+++ b/fall11/slidesF11/slides10w.pptx
@@ -5,10 +5,10 @@
     <p:sldMasterId id="2147483650" r:id="rId1"/>
   </p:sldMasterIdLst>
   <p:notesMasterIdLst>
-    <p:notesMasterId r:id="rId41"/>
+    <p:notesMasterId r:id="rId31"/>
   </p:notesMasterIdLst>
   <p:handoutMasterIdLst>
-    <p:handoutMasterId r:id="rId42"/>
+    <p:handoutMasterId r:id="rId32"/>
   </p:handoutMasterIdLst>
   <p:sldIdLst>
     <p:sldId id="322" r:id="rId2"/>
@@ -39,22 +39,12 @@
     <p:sldId id="472" r:id="rId27"/>
     <p:sldId id="473" r:id="rId28"/>
     <p:sldId id="451" r:id="rId29"/>
-    <p:sldId id="456" r:id="rId30"/>
-    <p:sldId id="457" r:id="rId31"/>
-    <p:sldId id="458" r:id="rId32"/>
-    <p:sldId id="465" r:id="rId33"/>
-    <p:sldId id="459" r:id="rId34"/>
-    <p:sldId id="460" r:id="rId35"/>
-    <p:sldId id="461" r:id="rId36"/>
-    <p:sldId id="462" r:id="rId37"/>
-    <p:sldId id="463" r:id="rId38"/>
-    <p:sldId id="464" r:id="rId39"/>
-    <p:sldId id="467" r:id="rId40"/>
+    <p:sldId id="467" r:id="rId30"/>
   </p:sldIdLst>
   <p:sldSz cx="9144000" cy="6858000" type="screen4x3"/>
   <p:notesSz cx="7315200" cy="9601200"/>
   <p:custDataLst>
-    <p:tags r:id="rId44"/>
+    <p:tags r:id="rId34"/>
   </p:custDataLst>
   <p:defaultTextStyle>
     <a:defPPr>
@@ -2750,33 +2740,52 @@
       </p:grpSpPr>
       <p:sp>
         <p:nvSpPr>
-          <p:cNvPr id="7" name="Rectangle 7"/>
-          <p:cNvSpPr>
+          <p:cNvPr id="95234" name="Text Box 2"/>
+          <p:cNvSpPr txBox="1">
             <a:spLocks noGrp="1" noChangeArrowheads="1"/>
           </p:cNvSpPr>
-          <p:nvPr>
-            <p:ph type="sldNum" sz="quarter" idx="5"/>
-          </p:nvPr>
+          <p:nvPr/>
         </p:nvSpPr>
-        <p:spPr>
-          <a:ln/>
+        <p:spPr bwMode="auto">
+          <a:xfrm>
+            <a:off x="4146550" y="9121775"/>
+            <a:ext cx="3168650" cy="479425"/>
+          </a:xfrm>
+          <a:prstGeom prst="rect">
+            <a:avLst/>
+          </a:prstGeom>
+          <a:noFill/>
+          <a:ln w="9525">
+            <a:noFill/>
+            <a:miter lim="800000"/>
+            <a:headEnd/>
+            <a:tailEnd/>
+          </a:ln>
         </p:spPr>
         <p:txBody>
-          <a:bodyPr/>
+          <a:bodyPr lIns="96653" tIns="48326" rIns="96653" bIns="48326" anchor="b"/>
           <a:lstStyle/>
           <a:p>
-            <a:fld id="{AF2AF15A-25DF-46C2-BE43-83B96B18396C}" type="slidenum">
-              <a:rPr lang="en-US"/>
-              <a:pPr/>
-              <a:t>29</a:t>
-            </a:fld>
-            <a:endParaRPr lang="en-US"/>
+            <a:pPr algn="r" defTabSz="966788" fontAlgn="base">
+              <a:spcBef>
+                <a:spcPct val="0"/>
+              </a:spcBef>
+              <a:spcAft>
+                <a:spcPct val="0"/>
+              </a:spcAft>
+            </a:pPr>
+            <a:r>
+              <a:rPr lang="en-US" sz="1300">
+                <a:latin typeface="Times New Roman" pitchFamily="18" charset="0"/>
+              </a:rPr>
+              <a:t>36</a:t>
+            </a:r>
           </a:p>
         </p:txBody>
       </p:sp>
       <p:sp>
         <p:nvSpPr>
-          <p:cNvPr id="407554" name="Rectangle 2"/>
+          <p:cNvPr id="95235" name="Rectangle 3"/>
           <p:cNvSpPr>
             <a:spLocks noGrp="1" noRot="1" noChangeAspect="1" noChangeArrowheads="1" noTextEdit="1"/>
           </p:cNvSpPr>
@@ -2790,7 +2799,7 @@
       </p:sp>
       <p:sp>
         <p:nvSpPr>
-          <p:cNvPr id="407555" name="Rectangle 3"/>
+          <p:cNvPr id="7173" name="Rectangle 4"/>
           <p:cNvSpPr>
             <a:spLocks noGrp="1" noChangeArrowheads="1"/>
           </p:cNvSpPr>
@@ -2798,11 +2807,41 @@
             <p:ph type="body" idx="1"/>
           </p:nvPr>
         </p:nvSpPr>
+        <p:spPr>
+          <a:noFill/>
+          <a:ln/>
+        </p:spPr>
+        <p:txBody>
+          <a:bodyPr/>
+          <a:lstStyle/>
+          <a:p>
+            <a:pPr eaLnBrk="1" hangingPunct="1"/>
+            <a:endParaRPr lang="en-US"/>
+          </a:p>
+        </p:txBody>
+      </p:sp>
+      <p:sp>
+        <p:nvSpPr>
+          <p:cNvPr id="11" name="Footer Placeholder 10"/>
+          <p:cNvSpPr>
+            <a:spLocks noGrp="1"/>
+          </p:cNvSpPr>
+          <p:nvPr>
+            <p:ph type="ftr" sz="quarter" idx="11"/>
+          </p:nvPr>
+        </p:nvSpPr>
         <p:spPr/>
         <p:txBody>
           <a:bodyPr/>
           <a:lstStyle/>
           <a:p>
+            <a:pPr>
+              <a:defRPr/>
+            </a:pPr>
+            <a:r>
+              <a:rPr lang="en-US" smtClean="0"/>
+              <a:t>4/2/08 2:20PM</a:t>
+            </a:r>
             <a:endParaRPr lang="en-US"/>
           </a:p>
         </p:txBody>
@@ -2901,895 +2940,6 @@
           <a:p>
             <a:pPr eaLnBrk="1" hangingPunct="1"/>
             <a:endParaRPr lang="en-US" smtClean="0"/>
-          </a:p>
-        </p:txBody>
-      </p:sp>
-    </p:spTree>
-  </p:cSld>
-  <p:clrMapOvr>
-    <a:masterClrMapping/>
-  </p:clrMapOvr>
-</p:notes>
-</file>
-
-<file path=ppt/notesSlides/notesSlide30.xml><?xml version="1.0" encoding="utf-8"?>
-<p:notes xmlns:a="http://schemas.openxmlformats.org/drawingml/2006/main" xmlns:r="http://schemas.openxmlformats.org/officeDocument/2006/relationships" xmlns:p="http://schemas.openxmlformats.org/presentationml/2006/main">
-  <p:cSld>
-    <p:spTree>
-      <p:nvGrpSpPr>
-        <p:cNvPr id="1" name=""/>
-        <p:cNvGrpSpPr/>
-        <p:nvPr/>
-      </p:nvGrpSpPr>
-      <p:grpSpPr>
-        <a:xfrm>
-          <a:off x="0" y="0"/>
-          <a:ext cx="0" cy="0"/>
-          <a:chOff x="0" y="0"/>
-          <a:chExt cx="0" cy="0"/>
-        </a:xfrm>
-      </p:grpSpPr>
-      <p:sp>
-        <p:nvSpPr>
-          <p:cNvPr id="7" name="Rectangle 7"/>
-          <p:cNvSpPr>
-            <a:spLocks noGrp="1" noChangeArrowheads="1"/>
-          </p:cNvSpPr>
-          <p:nvPr>
-            <p:ph type="sldNum" sz="quarter" idx="5"/>
-          </p:nvPr>
-        </p:nvSpPr>
-        <p:spPr>
-          <a:ln/>
-        </p:spPr>
-        <p:txBody>
-          <a:bodyPr/>
-          <a:lstStyle/>
-          <a:p>
-            <a:fld id="{AC9BC9AC-6286-42AA-8147-F2962B8A2C09}" type="slidenum">
-              <a:rPr lang="en-US"/>
-              <a:pPr/>
-              <a:t>30</a:t>
-            </a:fld>
-            <a:endParaRPr lang="en-US"/>
-          </a:p>
-        </p:txBody>
-      </p:sp>
-      <p:sp>
-        <p:nvSpPr>
-          <p:cNvPr id="408578" name="Rectangle 2"/>
-          <p:cNvSpPr>
-            <a:spLocks noGrp="1" noRot="1" noChangeAspect="1" noChangeArrowheads="1" noTextEdit="1"/>
-          </p:cNvSpPr>
-          <p:nvPr>
-            <p:ph type="sldImg"/>
-          </p:nvPr>
-        </p:nvSpPr>
-        <p:spPr>
-          <a:ln/>
-        </p:spPr>
-      </p:sp>
-      <p:sp>
-        <p:nvSpPr>
-          <p:cNvPr id="408579" name="Rectangle 3"/>
-          <p:cNvSpPr>
-            <a:spLocks noGrp="1" noChangeArrowheads="1"/>
-          </p:cNvSpPr>
-          <p:nvPr>
-            <p:ph type="body" idx="1"/>
-          </p:nvPr>
-        </p:nvSpPr>
-        <p:spPr/>
-        <p:txBody>
-          <a:bodyPr/>
-          <a:lstStyle/>
-          <a:p>
-            <a:endParaRPr lang="en-US"/>
-          </a:p>
-        </p:txBody>
-      </p:sp>
-    </p:spTree>
-  </p:cSld>
-  <p:clrMapOvr>
-    <a:masterClrMapping/>
-  </p:clrMapOvr>
-</p:notes>
-</file>
-
-<file path=ppt/notesSlides/notesSlide31.xml><?xml version="1.0" encoding="utf-8"?>
-<p:notes xmlns:a="http://schemas.openxmlformats.org/drawingml/2006/main" xmlns:r="http://schemas.openxmlformats.org/officeDocument/2006/relationships" xmlns:p="http://schemas.openxmlformats.org/presentationml/2006/main">
-  <p:cSld>
-    <p:spTree>
-      <p:nvGrpSpPr>
-        <p:cNvPr id="1" name=""/>
-        <p:cNvGrpSpPr/>
-        <p:nvPr/>
-      </p:nvGrpSpPr>
-      <p:grpSpPr>
-        <a:xfrm>
-          <a:off x="0" y="0"/>
-          <a:ext cx="0" cy="0"/>
-          <a:chOff x="0" y="0"/>
-          <a:chExt cx="0" cy="0"/>
-        </a:xfrm>
-      </p:grpSpPr>
-      <p:sp>
-        <p:nvSpPr>
-          <p:cNvPr id="7" name="Rectangle 7"/>
-          <p:cNvSpPr>
-            <a:spLocks noGrp="1" noChangeArrowheads="1"/>
-          </p:cNvSpPr>
-          <p:nvPr>
-            <p:ph type="sldNum" sz="quarter" idx="5"/>
-          </p:nvPr>
-        </p:nvSpPr>
-        <p:spPr>
-          <a:ln/>
-        </p:spPr>
-        <p:txBody>
-          <a:bodyPr/>
-          <a:lstStyle/>
-          <a:p>
-            <a:fld id="{A53AD50B-FD20-4A78-B600-A577649DFECB}" type="slidenum">
-              <a:rPr lang="en-US"/>
-              <a:pPr/>
-              <a:t>31</a:t>
-            </a:fld>
-            <a:endParaRPr lang="en-US"/>
-          </a:p>
-        </p:txBody>
-      </p:sp>
-      <p:sp>
-        <p:nvSpPr>
-          <p:cNvPr id="409602" name="Rectangle 2"/>
-          <p:cNvSpPr>
-            <a:spLocks noGrp="1" noRot="1" noChangeAspect="1" noChangeArrowheads="1" noTextEdit="1"/>
-          </p:cNvSpPr>
-          <p:nvPr>
-            <p:ph type="sldImg"/>
-          </p:nvPr>
-        </p:nvSpPr>
-        <p:spPr>
-          <a:ln/>
-        </p:spPr>
-      </p:sp>
-      <p:sp>
-        <p:nvSpPr>
-          <p:cNvPr id="409603" name="Rectangle 3"/>
-          <p:cNvSpPr>
-            <a:spLocks noGrp="1" noChangeArrowheads="1"/>
-          </p:cNvSpPr>
-          <p:nvPr>
-            <p:ph type="body" idx="1"/>
-          </p:nvPr>
-        </p:nvSpPr>
-        <p:spPr/>
-        <p:txBody>
-          <a:bodyPr/>
-          <a:lstStyle/>
-          <a:p>
-            <a:endParaRPr lang="en-US"/>
-          </a:p>
-        </p:txBody>
-      </p:sp>
-    </p:spTree>
-  </p:cSld>
-  <p:clrMapOvr>
-    <a:masterClrMapping/>
-  </p:clrMapOvr>
-</p:notes>
-</file>
-
-<file path=ppt/notesSlides/notesSlide32.xml><?xml version="1.0" encoding="utf-8"?>
-<p:notes xmlns:a="http://schemas.openxmlformats.org/drawingml/2006/main" xmlns:r="http://schemas.openxmlformats.org/officeDocument/2006/relationships" xmlns:p="http://schemas.openxmlformats.org/presentationml/2006/main">
-  <p:cSld>
-    <p:spTree>
-      <p:nvGrpSpPr>
-        <p:cNvPr id="1" name=""/>
-        <p:cNvGrpSpPr/>
-        <p:nvPr/>
-      </p:nvGrpSpPr>
-      <p:grpSpPr>
-        <a:xfrm>
-          <a:off x="0" y="0"/>
-          <a:ext cx="0" cy="0"/>
-          <a:chOff x="0" y="0"/>
-          <a:chExt cx="0" cy="0"/>
-        </a:xfrm>
-      </p:grpSpPr>
-      <p:sp>
-        <p:nvSpPr>
-          <p:cNvPr id="7" name="Rectangle 7"/>
-          <p:cNvSpPr>
-            <a:spLocks noGrp="1" noChangeArrowheads="1"/>
-          </p:cNvSpPr>
-          <p:nvPr>
-            <p:ph type="sldNum" sz="quarter" idx="5"/>
-          </p:nvPr>
-        </p:nvSpPr>
-        <p:spPr>
-          <a:ln/>
-        </p:spPr>
-        <p:txBody>
-          <a:bodyPr/>
-          <a:lstStyle/>
-          <a:p>
-            <a:fld id="{DCC2CC2B-3770-47CB-96A9-FEF20F5932D7}" type="slidenum">
-              <a:rPr lang="en-US"/>
-              <a:pPr/>
-              <a:t>32</a:t>
-            </a:fld>
-            <a:endParaRPr lang="en-US"/>
-          </a:p>
-        </p:txBody>
-      </p:sp>
-      <p:sp>
-        <p:nvSpPr>
-          <p:cNvPr id="416770" name="Rectangle 2"/>
-          <p:cNvSpPr>
-            <a:spLocks noGrp="1" noRot="1" noChangeAspect="1" noChangeArrowheads="1" noTextEdit="1"/>
-          </p:cNvSpPr>
-          <p:nvPr>
-            <p:ph type="sldImg"/>
-          </p:nvPr>
-        </p:nvSpPr>
-        <p:spPr>
-          <a:ln/>
-        </p:spPr>
-      </p:sp>
-      <p:sp>
-        <p:nvSpPr>
-          <p:cNvPr id="416771" name="Rectangle 3"/>
-          <p:cNvSpPr>
-            <a:spLocks noGrp="1" noChangeArrowheads="1"/>
-          </p:cNvSpPr>
-          <p:nvPr>
-            <p:ph type="body" idx="1"/>
-          </p:nvPr>
-        </p:nvSpPr>
-        <p:spPr/>
-        <p:txBody>
-          <a:bodyPr/>
-          <a:lstStyle/>
-          <a:p>
-            <a:endParaRPr lang="en-US"/>
-          </a:p>
-        </p:txBody>
-      </p:sp>
-    </p:spTree>
-  </p:cSld>
-  <p:clrMapOvr>
-    <a:masterClrMapping/>
-  </p:clrMapOvr>
-</p:notes>
-</file>
-
-<file path=ppt/notesSlides/notesSlide33.xml><?xml version="1.0" encoding="utf-8"?>
-<p:notes xmlns:a="http://schemas.openxmlformats.org/drawingml/2006/main" xmlns:r="http://schemas.openxmlformats.org/officeDocument/2006/relationships" xmlns:p="http://schemas.openxmlformats.org/presentationml/2006/main">
-  <p:cSld>
-    <p:spTree>
-      <p:nvGrpSpPr>
-        <p:cNvPr id="1" name=""/>
-        <p:cNvGrpSpPr/>
-        <p:nvPr/>
-      </p:nvGrpSpPr>
-      <p:grpSpPr>
-        <a:xfrm>
-          <a:off x="0" y="0"/>
-          <a:ext cx="0" cy="0"/>
-          <a:chOff x="0" y="0"/>
-          <a:chExt cx="0" cy="0"/>
-        </a:xfrm>
-      </p:grpSpPr>
-      <p:sp>
-        <p:nvSpPr>
-          <p:cNvPr id="7" name="Rectangle 7"/>
-          <p:cNvSpPr>
-            <a:spLocks noGrp="1" noChangeArrowheads="1"/>
-          </p:cNvSpPr>
-          <p:nvPr>
-            <p:ph type="sldNum" sz="quarter" idx="5"/>
-          </p:nvPr>
-        </p:nvSpPr>
-        <p:spPr>
-          <a:ln/>
-        </p:spPr>
-        <p:txBody>
-          <a:bodyPr/>
-          <a:lstStyle/>
-          <a:p>
-            <a:fld id="{57DB25B3-9541-431B-AAF2-445E632C6F9E}" type="slidenum">
-              <a:rPr lang="en-US"/>
-              <a:pPr/>
-              <a:t>33</a:t>
-            </a:fld>
-            <a:endParaRPr lang="en-US"/>
-          </a:p>
-        </p:txBody>
-      </p:sp>
-      <p:sp>
-        <p:nvSpPr>
-          <p:cNvPr id="410626" name="Rectangle 2"/>
-          <p:cNvSpPr>
-            <a:spLocks noGrp="1" noRot="1" noChangeAspect="1" noChangeArrowheads="1" noTextEdit="1"/>
-          </p:cNvSpPr>
-          <p:nvPr>
-            <p:ph type="sldImg"/>
-          </p:nvPr>
-        </p:nvSpPr>
-        <p:spPr>
-          <a:ln/>
-        </p:spPr>
-      </p:sp>
-      <p:sp>
-        <p:nvSpPr>
-          <p:cNvPr id="410627" name="Rectangle 3"/>
-          <p:cNvSpPr>
-            <a:spLocks noGrp="1" noChangeArrowheads="1"/>
-          </p:cNvSpPr>
-          <p:nvPr>
-            <p:ph type="body" idx="1"/>
-          </p:nvPr>
-        </p:nvSpPr>
-        <p:spPr/>
-        <p:txBody>
-          <a:bodyPr/>
-          <a:lstStyle/>
-          <a:p>
-            <a:endParaRPr lang="en-US"/>
-          </a:p>
-        </p:txBody>
-      </p:sp>
-    </p:spTree>
-  </p:cSld>
-  <p:clrMapOvr>
-    <a:masterClrMapping/>
-  </p:clrMapOvr>
-</p:notes>
-</file>
-
-<file path=ppt/notesSlides/notesSlide34.xml><?xml version="1.0" encoding="utf-8"?>
-<p:notes xmlns:a="http://schemas.openxmlformats.org/drawingml/2006/main" xmlns:r="http://schemas.openxmlformats.org/officeDocument/2006/relationships" xmlns:p="http://schemas.openxmlformats.org/presentationml/2006/main">
-  <p:cSld>
-    <p:spTree>
-      <p:nvGrpSpPr>
-        <p:cNvPr id="1" name=""/>
-        <p:cNvGrpSpPr/>
-        <p:nvPr/>
-      </p:nvGrpSpPr>
-      <p:grpSpPr>
-        <a:xfrm>
-          <a:off x="0" y="0"/>
-          <a:ext cx="0" cy="0"/>
-          <a:chOff x="0" y="0"/>
-          <a:chExt cx="0" cy="0"/>
-        </a:xfrm>
-      </p:grpSpPr>
-      <p:sp>
-        <p:nvSpPr>
-          <p:cNvPr id="7" name="Rectangle 7"/>
-          <p:cNvSpPr>
-            <a:spLocks noGrp="1" noChangeArrowheads="1"/>
-          </p:cNvSpPr>
-          <p:nvPr>
-            <p:ph type="sldNum" sz="quarter" idx="5"/>
-          </p:nvPr>
-        </p:nvSpPr>
-        <p:spPr>
-          <a:ln/>
-        </p:spPr>
-        <p:txBody>
-          <a:bodyPr/>
-          <a:lstStyle/>
-          <a:p>
-            <a:fld id="{384F8CCC-91FE-409C-B929-439212CD1E34}" type="slidenum">
-              <a:rPr lang="en-US"/>
-              <a:pPr/>
-              <a:t>34</a:t>
-            </a:fld>
-            <a:endParaRPr lang="en-US"/>
-          </a:p>
-        </p:txBody>
-      </p:sp>
-      <p:sp>
-        <p:nvSpPr>
-          <p:cNvPr id="411650" name="Rectangle 2"/>
-          <p:cNvSpPr>
-            <a:spLocks noGrp="1" noRot="1" noChangeAspect="1" noChangeArrowheads="1" noTextEdit="1"/>
-          </p:cNvSpPr>
-          <p:nvPr>
-            <p:ph type="sldImg"/>
-          </p:nvPr>
-        </p:nvSpPr>
-        <p:spPr>
-          <a:ln/>
-        </p:spPr>
-      </p:sp>
-      <p:sp>
-        <p:nvSpPr>
-          <p:cNvPr id="411651" name="Rectangle 3"/>
-          <p:cNvSpPr>
-            <a:spLocks noGrp="1" noChangeArrowheads="1"/>
-          </p:cNvSpPr>
-          <p:nvPr>
-            <p:ph type="body" idx="1"/>
-          </p:nvPr>
-        </p:nvSpPr>
-        <p:spPr/>
-        <p:txBody>
-          <a:bodyPr/>
-          <a:lstStyle/>
-          <a:p>
-            <a:endParaRPr lang="en-US"/>
-          </a:p>
-        </p:txBody>
-      </p:sp>
-    </p:spTree>
-  </p:cSld>
-  <p:clrMapOvr>
-    <a:masterClrMapping/>
-  </p:clrMapOvr>
-</p:notes>
-</file>
-
-<file path=ppt/notesSlides/notesSlide35.xml><?xml version="1.0" encoding="utf-8"?>
-<p:notes xmlns:a="http://schemas.openxmlformats.org/drawingml/2006/main" xmlns:r="http://schemas.openxmlformats.org/officeDocument/2006/relationships" xmlns:p="http://schemas.openxmlformats.org/presentationml/2006/main">
-  <p:cSld>
-    <p:spTree>
-      <p:nvGrpSpPr>
-        <p:cNvPr id="1" name=""/>
-        <p:cNvGrpSpPr/>
-        <p:nvPr/>
-      </p:nvGrpSpPr>
-      <p:grpSpPr>
-        <a:xfrm>
-          <a:off x="0" y="0"/>
-          <a:ext cx="0" cy="0"/>
-          <a:chOff x="0" y="0"/>
-          <a:chExt cx="0" cy="0"/>
-        </a:xfrm>
-      </p:grpSpPr>
-      <p:sp>
-        <p:nvSpPr>
-          <p:cNvPr id="7" name="Rectangle 7"/>
-          <p:cNvSpPr>
-            <a:spLocks noGrp="1" noChangeArrowheads="1"/>
-          </p:cNvSpPr>
-          <p:nvPr>
-            <p:ph type="sldNum" sz="quarter" idx="5"/>
-          </p:nvPr>
-        </p:nvSpPr>
-        <p:spPr>
-          <a:ln/>
-        </p:spPr>
-        <p:txBody>
-          <a:bodyPr/>
-          <a:lstStyle/>
-          <a:p>
-            <a:fld id="{981861B7-D797-4E0E-A2B4-58A985E5EA23}" type="slidenum">
-              <a:rPr lang="en-US"/>
-              <a:pPr/>
-              <a:t>35</a:t>
-            </a:fld>
-            <a:endParaRPr lang="en-US"/>
-          </a:p>
-        </p:txBody>
-      </p:sp>
-      <p:sp>
-        <p:nvSpPr>
-          <p:cNvPr id="412674" name="Rectangle 2"/>
-          <p:cNvSpPr>
-            <a:spLocks noGrp="1" noRot="1" noChangeAspect="1" noChangeArrowheads="1" noTextEdit="1"/>
-          </p:cNvSpPr>
-          <p:nvPr>
-            <p:ph type="sldImg"/>
-          </p:nvPr>
-        </p:nvSpPr>
-        <p:spPr>
-          <a:ln/>
-        </p:spPr>
-      </p:sp>
-      <p:sp>
-        <p:nvSpPr>
-          <p:cNvPr id="412675" name="Rectangle 3"/>
-          <p:cNvSpPr>
-            <a:spLocks noGrp="1" noChangeArrowheads="1"/>
-          </p:cNvSpPr>
-          <p:nvPr>
-            <p:ph type="body" idx="1"/>
-          </p:nvPr>
-        </p:nvSpPr>
-        <p:spPr/>
-        <p:txBody>
-          <a:bodyPr/>
-          <a:lstStyle/>
-          <a:p>
-            <a:endParaRPr lang="en-US"/>
-          </a:p>
-        </p:txBody>
-      </p:sp>
-    </p:spTree>
-  </p:cSld>
-  <p:clrMapOvr>
-    <a:masterClrMapping/>
-  </p:clrMapOvr>
-</p:notes>
-</file>
-
-<file path=ppt/notesSlides/notesSlide36.xml><?xml version="1.0" encoding="utf-8"?>
-<p:notes xmlns:a="http://schemas.openxmlformats.org/drawingml/2006/main" xmlns:r="http://schemas.openxmlformats.org/officeDocument/2006/relationships" xmlns:p="http://schemas.openxmlformats.org/presentationml/2006/main">
-  <p:cSld>
-    <p:spTree>
-      <p:nvGrpSpPr>
-        <p:cNvPr id="1" name=""/>
-        <p:cNvGrpSpPr/>
-        <p:nvPr/>
-      </p:nvGrpSpPr>
-      <p:grpSpPr>
-        <a:xfrm>
-          <a:off x="0" y="0"/>
-          <a:ext cx="0" cy="0"/>
-          <a:chOff x="0" y="0"/>
-          <a:chExt cx="0" cy="0"/>
-        </a:xfrm>
-      </p:grpSpPr>
-      <p:sp>
-        <p:nvSpPr>
-          <p:cNvPr id="7" name="Rectangle 7"/>
-          <p:cNvSpPr>
-            <a:spLocks noGrp="1" noChangeArrowheads="1"/>
-          </p:cNvSpPr>
-          <p:nvPr>
-            <p:ph type="sldNum" sz="quarter" idx="5"/>
-          </p:nvPr>
-        </p:nvSpPr>
-        <p:spPr>
-          <a:ln/>
-        </p:spPr>
-        <p:txBody>
-          <a:bodyPr/>
-          <a:lstStyle/>
-          <a:p>
-            <a:fld id="{7A4244CD-1BD1-459D-8CE0-8EF58DD1AD27}" type="slidenum">
-              <a:rPr lang="en-US"/>
-              <a:pPr/>
-              <a:t>36</a:t>
-            </a:fld>
-            <a:endParaRPr lang="en-US"/>
-          </a:p>
-        </p:txBody>
-      </p:sp>
-      <p:sp>
-        <p:nvSpPr>
-          <p:cNvPr id="413698" name="Rectangle 2"/>
-          <p:cNvSpPr>
-            <a:spLocks noGrp="1" noRot="1" noChangeAspect="1" noChangeArrowheads="1" noTextEdit="1"/>
-          </p:cNvSpPr>
-          <p:nvPr>
-            <p:ph type="sldImg"/>
-          </p:nvPr>
-        </p:nvSpPr>
-        <p:spPr>
-          <a:ln/>
-        </p:spPr>
-      </p:sp>
-      <p:sp>
-        <p:nvSpPr>
-          <p:cNvPr id="413699" name="Rectangle 3"/>
-          <p:cNvSpPr>
-            <a:spLocks noGrp="1" noChangeArrowheads="1"/>
-          </p:cNvSpPr>
-          <p:nvPr>
-            <p:ph type="body" idx="1"/>
-          </p:nvPr>
-        </p:nvSpPr>
-        <p:spPr/>
-        <p:txBody>
-          <a:bodyPr/>
-          <a:lstStyle/>
-          <a:p>
-            <a:endParaRPr lang="en-US"/>
-          </a:p>
-        </p:txBody>
-      </p:sp>
-    </p:spTree>
-  </p:cSld>
-  <p:clrMapOvr>
-    <a:masterClrMapping/>
-  </p:clrMapOvr>
-</p:notes>
-</file>
-
-<file path=ppt/notesSlides/notesSlide37.xml><?xml version="1.0" encoding="utf-8"?>
-<p:notes xmlns:a="http://schemas.openxmlformats.org/drawingml/2006/main" xmlns:r="http://schemas.openxmlformats.org/officeDocument/2006/relationships" xmlns:p="http://schemas.openxmlformats.org/presentationml/2006/main">
-  <p:cSld>
-    <p:spTree>
-      <p:nvGrpSpPr>
-        <p:cNvPr id="1" name=""/>
-        <p:cNvGrpSpPr/>
-        <p:nvPr/>
-      </p:nvGrpSpPr>
-      <p:grpSpPr>
-        <a:xfrm>
-          <a:off x="0" y="0"/>
-          <a:ext cx="0" cy="0"/>
-          <a:chOff x="0" y="0"/>
-          <a:chExt cx="0" cy="0"/>
-        </a:xfrm>
-      </p:grpSpPr>
-      <p:sp>
-        <p:nvSpPr>
-          <p:cNvPr id="7" name="Rectangle 7"/>
-          <p:cNvSpPr>
-            <a:spLocks noGrp="1" noChangeArrowheads="1"/>
-          </p:cNvSpPr>
-          <p:nvPr>
-            <p:ph type="sldNum" sz="quarter" idx="5"/>
-          </p:nvPr>
-        </p:nvSpPr>
-        <p:spPr>
-          <a:ln/>
-        </p:spPr>
-        <p:txBody>
-          <a:bodyPr/>
-          <a:lstStyle/>
-          <a:p>
-            <a:fld id="{DF990428-D1E5-4BCF-96B1-6B7AF5DA08ED}" type="slidenum">
-              <a:rPr lang="en-US"/>
-              <a:pPr/>
-              <a:t>37</a:t>
-            </a:fld>
-            <a:endParaRPr lang="en-US"/>
-          </a:p>
-        </p:txBody>
-      </p:sp>
-      <p:sp>
-        <p:nvSpPr>
-          <p:cNvPr id="414722" name="Rectangle 2"/>
-          <p:cNvSpPr>
-            <a:spLocks noGrp="1" noRot="1" noChangeAspect="1" noChangeArrowheads="1" noTextEdit="1"/>
-          </p:cNvSpPr>
-          <p:nvPr>
-            <p:ph type="sldImg"/>
-          </p:nvPr>
-        </p:nvSpPr>
-        <p:spPr>
-          <a:ln/>
-        </p:spPr>
-      </p:sp>
-      <p:sp>
-        <p:nvSpPr>
-          <p:cNvPr id="414723" name="Rectangle 3"/>
-          <p:cNvSpPr>
-            <a:spLocks noGrp="1" noChangeArrowheads="1"/>
-          </p:cNvSpPr>
-          <p:nvPr>
-            <p:ph type="body" idx="1"/>
-          </p:nvPr>
-        </p:nvSpPr>
-        <p:spPr/>
-        <p:txBody>
-          <a:bodyPr/>
-          <a:lstStyle/>
-          <a:p>
-            <a:endParaRPr lang="en-US"/>
-          </a:p>
-        </p:txBody>
-      </p:sp>
-    </p:spTree>
-  </p:cSld>
-  <p:clrMapOvr>
-    <a:masterClrMapping/>
-  </p:clrMapOvr>
-</p:notes>
-</file>
-
-<file path=ppt/notesSlides/notesSlide38.xml><?xml version="1.0" encoding="utf-8"?>
-<p:notes xmlns:a="http://schemas.openxmlformats.org/drawingml/2006/main" xmlns:r="http://schemas.openxmlformats.org/officeDocument/2006/relationships" xmlns:p="http://schemas.openxmlformats.org/presentationml/2006/main">
-  <p:cSld>
-    <p:spTree>
-      <p:nvGrpSpPr>
-        <p:cNvPr id="1" name=""/>
-        <p:cNvGrpSpPr/>
-        <p:nvPr/>
-      </p:nvGrpSpPr>
-      <p:grpSpPr>
-        <a:xfrm>
-          <a:off x="0" y="0"/>
-          <a:ext cx="0" cy="0"/>
-          <a:chOff x="0" y="0"/>
-          <a:chExt cx="0" cy="0"/>
-        </a:xfrm>
-      </p:grpSpPr>
-      <p:sp>
-        <p:nvSpPr>
-          <p:cNvPr id="7" name="Rectangle 7"/>
-          <p:cNvSpPr>
-            <a:spLocks noGrp="1" noChangeArrowheads="1"/>
-          </p:cNvSpPr>
-          <p:nvPr>
-            <p:ph type="sldNum" sz="quarter" idx="5"/>
-          </p:nvPr>
-        </p:nvSpPr>
-        <p:spPr>
-          <a:ln/>
-        </p:spPr>
-        <p:txBody>
-          <a:bodyPr/>
-          <a:lstStyle/>
-          <a:p>
-            <a:fld id="{3F3054FE-070D-4E9A-966C-223CF8EAE0AB}" type="slidenum">
-              <a:rPr lang="en-US"/>
-              <a:pPr/>
-              <a:t>38</a:t>
-            </a:fld>
-            <a:endParaRPr lang="en-US"/>
-          </a:p>
-        </p:txBody>
-      </p:sp>
-      <p:sp>
-        <p:nvSpPr>
-          <p:cNvPr id="415746" name="Rectangle 2"/>
-          <p:cNvSpPr>
-            <a:spLocks noGrp="1" noRot="1" noChangeAspect="1" noChangeArrowheads="1" noTextEdit="1"/>
-          </p:cNvSpPr>
-          <p:nvPr>
-            <p:ph type="sldImg"/>
-          </p:nvPr>
-        </p:nvSpPr>
-        <p:spPr>
-          <a:ln/>
-        </p:spPr>
-      </p:sp>
-      <p:sp>
-        <p:nvSpPr>
-          <p:cNvPr id="415747" name="Rectangle 3"/>
-          <p:cNvSpPr>
-            <a:spLocks noGrp="1" noChangeArrowheads="1"/>
-          </p:cNvSpPr>
-          <p:nvPr>
-            <p:ph type="body" idx="1"/>
-          </p:nvPr>
-        </p:nvSpPr>
-        <p:spPr/>
-        <p:txBody>
-          <a:bodyPr/>
-          <a:lstStyle/>
-          <a:p>
-            <a:endParaRPr lang="en-US"/>
-          </a:p>
-        </p:txBody>
-      </p:sp>
-    </p:spTree>
-  </p:cSld>
-  <p:clrMapOvr>
-    <a:masterClrMapping/>
-  </p:clrMapOvr>
-</p:notes>
-</file>
-
-<file path=ppt/notesSlides/notesSlide39.xml><?xml version="1.0" encoding="utf-8"?>
-<p:notes xmlns:a="http://schemas.openxmlformats.org/drawingml/2006/main" xmlns:r="http://schemas.openxmlformats.org/officeDocument/2006/relationships" xmlns:p="http://schemas.openxmlformats.org/presentationml/2006/main">
-  <p:cSld>
-    <p:spTree>
-      <p:nvGrpSpPr>
-        <p:cNvPr id="1" name=""/>
-        <p:cNvGrpSpPr/>
-        <p:nvPr/>
-      </p:nvGrpSpPr>
-      <p:grpSpPr>
-        <a:xfrm>
-          <a:off x="0" y="0"/>
-          <a:ext cx="0" cy="0"/>
-          <a:chOff x="0" y="0"/>
-          <a:chExt cx="0" cy="0"/>
-        </a:xfrm>
-      </p:grpSpPr>
-      <p:sp>
-        <p:nvSpPr>
-          <p:cNvPr id="95234" name="Text Box 2"/>
-          <p:cNvSpPr txBox="1">
-            <a:spLocks noGrp="1" noChangeArrowheads="1"/>
-          </p:cNvSpPr>
-          <p:nvPr/>
-        </p:nvSpPr>
-        <p:spPr bwMode="auto">
-          <a:xfrm>
-            <a:off x="4146550" y="9121775"/>
-            <a:ext cx="3168650" cy="479425"/>
-          </a:xfrm>
-          <a:prstGeom prst="rect">
-            <a:avLst/>
-          </a:prstGeom>
-          <a:noFill/>
-          <a:ln w="9525">
-            <a:noFill/>
-            <a:miter lim="800000"/>
-            <a:headEnd/>
-            <a:tailEnd/>
-          </a:ln>
-        </p:spPr>
-        <p:txBody>
-          <a:bodyPr lIns="96653" tIns="48326" rIns="96653" bIns="48326" anchor="b"/>
-          <a:lstStyle/>
-          <a:p>
-            <a:pPr algn="r" defTabSz="966788" fontAlgn="base">
-              <a:spcBef>
-                <a:spcPct val="0"/>
-              </a:spcBef>
-              <a:spcAft>
-                <a:spcPct val="0"/>
-              </a:spcAft>
-            </a:pPr>
-            <a:r>
-              <a:rPr lang="en-US" sz="1300">
-                <a:latin typeface="Times New Roman" pitchFamily="18" charset="0"/>
-              </a:rPr>
-              <a:t>36</a:t>
-            </a:r>
-          </a:p>
-        </p:txBody>
-      </p:sp>
-      <p:sp>
-        <p:nvSpPr>
-          <p:cNvPr id="95235" name="Rectangle 3"/>
-          <p:cNvSpPr>
-            <a:spLocks noGrp="1" noRot="1" noChangeAspect="1" noChangeArrowheads="1" noTextEdit="1"/>
-          </p:cNvSpPr>
-          <p:nvPr>
-            <p:ph type="sldImg"/>
-          </p:nvPr>
-        </p:nvSpPr>
-        <p:spPr>
-          <a:ln/>
-        </p:spPr>
-      </p:sp>
-      <p:sp>
-        <p:nvSpPr>
-          <p:cNvPr id="7173" name="Rectangle 4"/>
-          <p:cNvSpPr>
-            <a:spLocks noGrp="1" noChangeArrowheads="1"/>
-          </p:cNvSpPr>
-          <p:nvPr>
-            <p:ph type="body" idx="1"/>
-          </p:nvPr>
-        </p:nvSpPr>
-        <p:spPr>
-          <a:noFill/>
-          <a:ln/>
-        </p:spPr>
-        <p:txBody>
-          <a:bodyPr/>
-          <a:lstStyle/>
-          <a:p>
-            <a:pPr eaLnBrk="1" hangingPunct="1"/>
-            <a:endParaRPr lang="en-US"/>
-          </a:p>
-        </p:txBody>
-      </p:sp>
-      <p:sp>
-        <p:nvSpPr>
-          <p:cNvPr id="11" name="Footer Placeholder 10"/>
-          <p:cNvSpPr>
-            <a:spLocks noGrp="1"/>
-          </p:cNvSpPr>
-          <p:nvPr>
-            <p:ph type="ftr" sz="quarter" idx="11"/>
-          </p:nvPr>
-        </p:nvSpPr>
-        <p:spPr/>
-        <p:txBody>
-          <a:bodyPr/>
-          <a:lstStyle/>
-          <a:p>
-            <a:pPr>
-              <a:defRPr/>
-            </a:pPr>
-            <a:r>
-              <a:rPr lang="en-US" smtClean="0"/>
-              <a:t>4/2/08 2:20PM</a:t>
-            </a:r>
-            <a:endParaRPr lang="en-US"/>
           </a:p>
         </p:txBody>
       </p:sp>
@@ -4478,11 +3628,7 @@
             </a:r>
             <a:r>
               <a:rPr lang="en-US" dirty="0" smtClean="0"/>
-              <a:t> </a:t>
-            </a:r>
-            <a:r>
-              <a:rPr lang="en-US" dirty="0" smtClean="0"/>
-              <a:t>10W.</a:t>
+              <a:t> 10W.</a:t>
             </a:r>
             <a:fld id="{59D30190-4BB1-492F-A407-3062FE93FA34}" type="slidenum">
               <a:rPr lang="en-US" smtClean="0"/>
@@ -4730,11 +3876,7 @@
             </a:r>
             <a:r>
               <a:rPr lang="en-US" dirty="0" smtClean="0"/>
-              <a:t> </a:t>
-            </a:r>
-            <a:r>
-              <a:rPr lang="en-US" dirty="0" smtClean="0"/>
-              <a:t>10W.</a:t>
+              <a:t> 10W.</a:t>
             </a:r>
             <a:fld id="{830A9B50-708D-4A44-9DE6-5809C42CA602}" type="slidenum">
               <a:rPr lang="en-US" smtClean="0"/>
@@ -4809,11 +3951,7 @@
             </a:r>
             <a:r>
               <a:rPr lang="en-US" dirty="0" smtClean="0"/>
-              <a:t> </a:t>
-            </a:r>
-            <a:r>
-              <a:rPr lang="en-US" dirty="0" smtClean="0"/>
-              <a:t>10W.</a:t>
+              <a:t> 10W.</a:t>
             </a:r>
             <a:fld id="{28A8D130-5471-470D-8B41-5C7B9362E373}" type="slidenum">
               <a:rPr lang="en-US" smtClean="0"/>
@@ -5032,11 +4170,7 @@
             </a:r>
             <a:r>
               <a:rPr lang="en-US" dirty="0" smtClean="0"/>
-              <a:t> </a:t>
-            </a:r>
-            <a:r>
-              <a:rPr lang="en-US" dirty="0" smtClean="0"/>
-              <a:t>10W.</a:t>
+              <a:t> 10W.</a:t>
             </a:r>
             <a:fld id="{69D5B163-A3FA-4490-BF47-D2D4336659F3}" type="slidenum">
               <a:rPr lang="en-US" smtClean="0"/>
@@ -5132,37 +4266,7 @@
                 <a:uFillTx/>
                 <a:latin typeface="Comic Sans MS" pitchFamily="66" charset="0"/>
               </a:rPr>
-              <a:t>Albert R Meyer,           </a:t>
-            </a:r>
-            <a:r>
-              <a:rPr kumimoji="0" lang="en-US" sz="1200" b="0" i="0" u="none" strike="noStrike" kern="1200" cap="none" spc="0" normalizeH="0" baseline="0" noProof="0" dirty="0" smtClean="0">
-                <a:ln>
-                  <a:noFill/>
-                </a:ln>
-                <a:solidFill>
-                  <a:schemeClr val="tx1"/>
-                </a:solidFill>
-                <a:effectLst/>
-                <a:uLnTx/>
-                <a:uFillTx/>
-                <a:latin typeface="Comic Sans MS" pitchFamily="66" charset="0"/>
-              </a:rPr>
-              <a:t>November 9. </a:t>
-            </a:r>
-            <a:r>
-              <a:rPr kumimoji="0" lang="en-US" sz="1200" b="0" i="0" u="none" strike="noStrike" kern="1200" cap="none" spc="0" normalizeH="0" baseline="0" noProof="0" dirty="0" smtClean="0">
-                <a:ln>
-                  <a:noFill/>
-                </a:ln>
-                <a:solidFill>
-                  <a:schemeClr val="tx1"/>
-                </a:solidFill>
-                <a:effectLst/>
-                <a:uLnTx/>
-                <a:uFillTx/>
-                <a:latin typeface="Comic Sans MS" pitchFamily="66" charset="0"/>
-              </a:rPr>
-              <a:t>2011</a:t>
+              <a:t>Albert R Meyer,           November 9. 2011</a:t>
             </a:r>
             <a:endParaRPr kumimoji="0" lang="en-US" sz="1200" b="0" i="0" u="none" strike="noStrike" kern="1200" cap="none" spc="0" normalizeH="0" baseline="0" noProof="0" dirty="0">
               <a:ln>
@@ -5629,11 +4733,7 @@
             </a:r>
             <a:r>
               <a:rPr lang="en-US" dirty="0" smtClean="0"/>
-              <a:t> </a:t>
-            </a:r>
-            <a:r>
-              <a:rPr lang="en-US" dirty="0" smtClean="0"/>
-              <a:t>10W.</a:t>
+              <a:t> 10W.</a:t>
             </a:r>
             <a:fld id="{199EA383-E516-4FE7-9763-1F26AED9E102}" type="slidenum">
               <a:rPr lang="en-US" smtClean="0"/>
@@ -5841,11 +4941,7 @@
             </a:r>
             <a:r>
               <a:rPr lang="en-US" dirty="0" smtClean="0"/>
-              <a:t> </a:t>
-            </a:r>
-            <a:r>
-              <a:rPr lang="en-US" dirty="0" smtClean="0"/>
-              <a:t>10W.</a:t>
+              <a:t> 10W.</a:t>
             </a:r>
             <a:fld id="{8B71D960-922B-4182-A13A-308B16B6BF9A}" type="slidenum">
               <a:rPr lang="en-US" smtClean="0"/>
@@ -6205,11 +5301,7 @@
             </a:r>
             <a:r>
               <a:rPr lang="en-US" dirty="0" smtClean="0"/>
-              <a:t> </a:t>
-            </a:r>
-            <a:r>
-              <a:rPr lang="en-US" dirty="0" smtClean="0"/>
-              <a:t>10W.</a:t>
+              <a:t> 10W.</a:t>
             </a:r>
             <a:fld id="{0B793104-15DC-4977-B8C6-AEC36393E5F5}" type="slidenum">
               <a:rPr lang="en-US" smtClean="0"/>
@@ -7531,11 +6623,7 @@
             </a:r>
             <a:r>
               <a:rPr lang="en-US" dirty="0" smtClean="0"/>
-              <a:t> </a:t>
-            </a:r>
-            <a:r>
-              <a:rPr lang="en-US" dirty="0" smtClean="0"/>
-              <a:t>10W.</a:t>
+              <a:t> 10W.</a:t>
             </a:r>
             <a:fld id="{9ACAA9E8-60E9-4E1B-A2A5-A12F742B4431}" type="slidenum">
               <a:rPr lang="en-US" smtClean="0"/>
@@ -7851,13 +6939,13 @@
   <p:clrMapOvr>
     <a:masterClrMapping/>
   </p:clrMapOvr>
-  <mc:AlternateContent xmlns:mc="http://schemas.openxmlformats.org/markup-compatibility/2006">
-    <mc:Choice xmlns:p14="http://schemas.microsoft.com/office/powerpoint/2010/main" Requires="p14">
+  <mc:AlternateContent xmlns:mc="http://schemas.openxmlformats.org/markup-compatibility/2006" xmlns:p14="http://schemas.microsoft.com/office/powerpoint/2010/main">
+    <mc:Choice Requires="p14">
       <p:transition spd="med" p14:dur="700">
         <p:fade/>
       </p:transition>
     </mc:Choice>
-    <mc:Fallback>
+    <mc:Fallback xmlns="">
       <p:transition xmlns:p14="http://schemas.microsoft.com/office/powerpoint/2010/main" spd="med">
         <p:fade/>
       </p:transition>
@@ -8083,11 +7171,7 @@
             </a:r>
             <a:r>
               <a:rPr lang="en-US" dirty="0" smtClean="0"/>
-              <a:t> </a:t>
-            </a:r>
-            <a:r>
-              <a:rPr lang="en-US" dirty="0" smtClean="0"/>
-              <a:t>10W.</a:t>
+              <a:t> 10W.</a:t>
             </a:r>
             <a:fld id="{C13265DF-BEC1-47FC-A2D4-BDF328E75674}" type="slidenum">
               <a:rPr lang="en-US" smtClean="0"/>
@@ -8574,11 +7658,7 @@
             </a:r>
             <a:r>
               <a:rPr lang="en-US" dirty="0" smtClean="0"/>
-              <a:t> </a:t>
-            </a:r>
-            <a:r>
-              <a:rPr lang="en-US" dirty="0" smtClean="0"/>
-              <a:t>10W.</a:t>
+              <a:t> 10W.</a:t>
             </a:r>
             <a:fld id="{D976DC80-1CD7-4100-A55E-2DD559440D8D}" type="slidenum">
               <a:rPr lang="en-US" smtClean="0"/>
@@ -9060,11 +8140,7 @@
             </a:r>
             <a:r>
               <a:rPr lang="en-US" dirty="0" smtClean="0"/>
-              <a:t> </a:t>
-            </a:r>
-            <a:r>
-              <a:rPr lang="en-US" dirty="0" smtClean="0"/>
-              <a:t>10W.</a:t>
+              <a:t> 10W.</a:t>
             </a:r>
             <a:fld id="{F53D1246-CE8C-4802-BF7B-CC4A005CA925}" type="slidenum">
               <a:rPr lang="en-US" smtClean="0"/>
@@ -9343,13 +8419,13 @@
   <p:clrMapOvr>
     <a:masterClrMapping/>
   </p:clrMapOvr>
-  <mc:AlternateContent xmlns:mc="http://schemas.openxmlformats.org/markup-compatibility/2006">
-    <mc:Choice xmlns:p14="http://schemas.microsoft.com/office/powerpoint/2010/main" Requires="p14">
+  <mc:AlternateContent xmlns:mc="http://schemas.openxmlformats.org/markup-compatibility/2006" xmlns:p14="http://schemas.microsoft.com/office/powerpoint/2010/main">
+    <mc:Choice Requires="p14">
       <p:transition spd="med" p14:dur="700">
         <p:fade/>
       </p:transition>
     </mc:Choice>
-    <mc:Fallback>
+    <mc:Fallback xmlns="">
       <p:transition xmlns:p14="http://schemas.microsoft.com/office/powerpoint/2010/main" spd="med">
         <p:fade/>
       </p:transition>
@@ -9825,11 +8901,7 @@
             </a:r>
             <a:r>
               <a:rPr lang="en-US" dirty="0" smtClean="0"/>
-              <a:t> </a:t>
-            </a:r>
-            <a:r>
-              <a:rPr lang="en-US" dirty="0" smtClean="0"/>
-              <a:t>10W.</a:t>
+              <a:t> 10W.</a:t>
             </a:r>
             <a:fld id="{98B0E1D1-22E3-4CC1-B6FA-DF55DA8E78AC}" type="slidenum">
               <a:rPr lang="en-US" smtClean="0"/>
@@ -10098,11 +9170,7 @@
             </a:r>
             <a:r>
               <a:rPr lang="en-US" dirty="0" smtClean="0"/>
-              <a:t> </a:t>
-            </a:r>
-            <a:r>
-              <a:rPr lang="en-US" dirty="0" smtClean="0"/>
-              <a:t>10W.</a:t>
+              <a:t> 10W.</a:t>
             </a:r>
             <a:fld id="{1A5D8267-F4DE-41EB-BB46-259FBFEC12C3}" type="slidenum">
               <a:rPr lang="en-US" smtClean="0"/>
@@ -10785,11 +9853,7 @@
             </a:r>
             <a:r>
               <a:rPr lang="en-US" dirty="0" smtClean="0"/>
-              <a:t> </a:t>
-            </a:r>
-            <a:r>
-              <a:rPr lang="en-US" dirty="0" smtClean="0"/>
-              <a:t>10W.</a:t>
+              <a:t> 10W.</a:t>
             </a:r>
             <a:fld id="{32131BEB-8BF7-42C4-8263-F9F58D3D34B8}" type="slidenum">
               <a:rPr lang="en-US" smtClean="0"/>
@@ -11793,11 +10857,7 @@
             </a:r>
             <a:r>
               <a:rPr lang="en-US" dirty="0" smtClean="0"/>
-              <a:t> </a:t>
-            </a:r>
-            <a:r>
-              <a:rPr lang="en-US" dirty="0" smtClean="0"/>
-              <a:t>10W.</a:t>
+              <a:t> 10W.</a:t>
             </a:r>
             <a:fld id="{758C4126-0672-4A74-9D17-7F72C919EF15}" type="slidenum">
               <a:rPr lang="en-US" smtClean="0"/>
@@ -12334,11 +11394,7 @@
             </a:r>
             <a:r>
               <a:rPr lang="en-US" dirty="0" smtClean="0"/>
-              <a:t> </a:t>
-            </a:r>
-            <a:r>
-              <a:rPr lang="en-US" dirty="0" smtClean="0"/>
-              <a:t>10W.</a:t>
+              <a:t> 10W.</a:t>
             </a:r>
             <a:fld id="{C083AF42-063C-498D-8321-ACCF1AA5BDC8}" type="slidenum">
               <a:rPr lang="en-US" smtClean="0"/>
@@ -12462,7 +11518,6 @@
               <a:rPr lang="en-US" sz="4400" dirty="0" smtClean="0"/>
               <a:t> of a pair </a:t>
             </a:r>
-            <a:endParaRPr lang="en-US" sz="4400" dirty="0" smtClean="0"/>
           </a:p>
           <a:p>
             <a:pPr marL="0" indent="0" eaLnBrk="1" hangingPunct="1">
@@ -12475,15 +11530,7 @@
             </a:r>
             <a:r>
               <a:rPr lang="en-US" sz="4400" dirty="0" smtClean="0"/>
-              <a:t> </a:t>
-            </a:r>
-            <a:r>
-              <a:rPr lang="en-US" sz="4400" dirty="0" smtClean="0"/>
-              <a:t>of </a:t>
-            </a:r>
-            <a:r>
-              <a:rPr lang="en-US" sz="4400" dirty="0" smtClean="0"/>
-              <a:t>Jacks)</a:t>
+              <a:t> of Jacks)</a:t>
             </a:r>
           </a:p>
         </p:txBody>
@@ -12525,13 +11572,13 @@
   <p:clrMapOvr>
     <a:masterClrMapping/>
   </p:clrMapOvr>
-  <mc:AlternateContent xmlns:mc="http://schemas.openxmlformats.org/markup-compatibility/2006">
-    <mc:Choice xmlns:p14="http://schemas.microsoft.com/office/powerpoint/2010/main" Requires="p14">
+  <mc:AlternateContent xmlns:mc="http://schemas.openxmlformats.org/markup-compatibility/2006" xmlns:p14="http://schemas.microsoft.com/office/powerpoint/2010/main">
+    <mc:Choice Requires="p14">
       <p:transition spd="med" p14:dur="700">
         <p:fade/>
       </p:transition>
     </mc:Choice>
-    <mc:Fallback>
+    <mc:Fallback xmlns="">
       <p:transition xmlns:p14="http://schemas.microsoft.com/office/powerpoint/2010/main" spd="med">
         <p:fade/>
       </p:transition>
@@ -12865,11 +11912,7 @@
             </a:r>
             <a:r>
               <a:rPr lang="en-US" dirty="0" smtClean="0"/>
-              <a:t> </a:t>
-            </a:r>
-            <a:r>
-              <a:rPr lang="en-US" dirty="0" smtClean="0"/>
-              <a:t>10W.</a:t>
+              <a:t> 10W.</a:t>
             </a:r>
             <a:fld id="{3A1BEF78-D25F-4A13-A70B-7C8237869960}" type="slidenum">
               <a:rPr lang="en-US" smtClean="0"/>
@@ -14180,11 +13223,7 @@
             </a:r>
             <a:r>
               <a:rPr lang="en-US" dirty="0" smtClean="0"/>
-              <a:t> </a:t>
-            </a:r>
-            <a:r>
-              <a:rPr lang="en-US" dirty="0" smtClean="0"/>
-              <a:t>10W.</a:t>
+              <a:t> 10W.</a:t>
             </a:r>
             <a:fld id="{0E51962D-A185-4D99-A828-C299A0E68EB8}" type="slidenum">
               <a:rPr lang="en-US" smtClean="0"/>
@@ -14984,7 +14023,7 @@
           <a:graphicData uri="http://schemas.openxmlformats.org/presentationml/2006/ole">
             <mc:AlternateContent xmlns:mc="http://schemas.openxmlformats.org/markup-compatibility/2006">
               <mc:Choice xmlns:v="urn:schemas-microsoft-com:vml" Requires="v">
-                <p:oleObj spid="_x0000_s8199" name="Equation" r:id="rId4" imgW="1320800" imgH="533400" progId="Equation.3">
+                <p:oleObj spid="_x0000_s8202" name="Equation" r:id="rId4" imgW="1320800" imgH="533400" progId="Equation.3">
                   <p:embed/>
                 </p:oleObj>
               </mc:Choice>
@@ -15059,11 +14098,7 @@
             </a:r>
             <a:r>
               <a:rPr lang="en-US" dirty="0" smtClean="0"/>
-              <a:t> </a:t>
-            </a:r>
-            <a:r>
-              <a:rPr lang="en-US" dirty="0" smtClean="0"/>
-              <a:t>10W.</a:t>
+              <a:t> 10W.</a:t>
             </a:r>
             <a:fld id="{2CE45375-A98A-46BD-BCF3-2BE85CEECAA3}" type="slidenum">
               <a:rPr lang="en-US" smtClean="0"/>
@@ -16086,11 +15121,7 @@
             </a:r>
             <a:r>
               <a:rPr lang="en-US" dirty="0" smtClean="0"/>
-              <a:t> </a:t>
-            </a:r>
-            <a:r>
-              <a:rPr lang="en-US" dirty="0" smtClean="0"/>
-              <a:t>10W.</a:t>
+              <a:t> 10W.</a:t>
             </a:r>
             <a:fld id="{2CE45375-A98A-46BD-BCF3-2BE85CEECAA3}" type="slidenum">
               <a:rPr lang="en-US" smtClean="0"/>
@@ -16299,11 +15330,7 @@
             </a:r>
             <a:r>
               <a:rPr lang="en-US" sz="1050" dirty="0" smtClean="0"/>
-              <a:t> </a:t>
-            </a:r>
-            <a:r>
-              <a:rPr lang="en-US" sz="1050" dirty="0" smtClean="0"/>
-              <a:t>10W.</a:t>
+              <a:t> 10W.</a:t>
             </a:r>
             <a:fld id="{E53DAB80-C578-4077-948A-EA14497F2876}" type="slidenum">
               <a:rPr lang="en-US" sz="1050" smtClean="0"/>
@@ -16561,7 +15588,7 @@
             <a:graphicData uri="http://schemas.openxmlformats.org/presentationml/2006/ole">
               <mc:AlternateContent xmlns:mc="http://schemas.openxmlformats.org/markup-compatibility/2006">
                 <mc:Choice xmlns:v="urn:schemas-microsoft-com:vml" Requires="v">
-                  <p:oleObj spid="_x0000_s9232" name="Equation" r:id="rId4" imgW="1943100" imgH="457200" progId="Equation.DSMT4">
+                  <p:oleObj spid="_x0000_s9235" name="Equation" r:id="rId4" imgW="1943100" imgH="457200" progId="Equation.DSMT4">
                     <p:embed/>
                   </p:oleObj>
                 </mc:Choice>
@@ -16924,7 +15951,7 @@
           <a:graphicData uri="http://schemas.openxmlformats.org/presentationml/2006/ole">
             <mc:AlternateContent xmlns:mc="http://schemas.openxmlformats.org/markup-compatibility/2006">
               <mc:Choice xmlns:v="urn:schemas-microsoft-com:vml" Requires="v">
-                <p:oleObj spid="_x0000_s95242" name="Equation" r:id="rId4" imgW="1943100" imgH="457200" progId="Equation.DSMT4">
+                <p:oleObj spid="_x0000_s95245" name="Equation" r:id="rId4" imgW="1943100" imgH="457200" progId="Equation.DSMT4">
                   <p:embed/>
                 </p:oleObj>
               </mc:Choice>
@@ -17001,11 +16028,7 @@
             </a:r>
             <a:r>
               <a:rPr lang="en-US" dirty="0" smtClean="0"/>
-              <a:t> </a:t>
-            </a:r>
-            <a:r>
-              <a:rPr lang="en-US" dirty="0" smtClean="0"/>
-              <a:t>10W.</a:t>
+              <a:t> 10W.</a:t>
             </a:r>
             <a:fld id="{AEBBE140-696B-4ED3-9F77-625F9EBC9681}" type="slidenum">
               <a:rPr lang="en-US" smtClean="0"/>
@@ -17653,7 +16676,7 @@
           <a:graphicData uri="http://schemas.openxmlformats.org/presentationml/2006/ole">
             <mc:AlternateContent xmlns:mc="http://schemas.openxmlformats.org/markup-compatibility/2006">
               <mc:Choice xmlns:v="urn:schemas-microsoft-com:vml" Requires="v">
-                <p:oleObj spid="_x0000_s119817" name="Equation" r:id="rId4" imgW="1943100" imgH="457200" progId="Equation.DSMT4">
+                <p:oleObj spid="_x0000_s119820" name="Equation" r:id="rId4" imgW="1943100" imgH="457200" progId="Equation.DSMT4">
                   <p:embed/>
                 </p:oleObj>
               </mc:Choice>
@@ -18152,11 +17175,7 @@
             </a:r>
             <a:r>
               <a:rPr lang="en-US" dirty="0" smtClean="0"/>
-              <a:t> </a:t>
-            </a:r>
-            <a:r>
-              <a:rPr lang="en-US" dirty="0" smtClean="0"/>
-              <a:t>10W.</a:t>
+              <a:t> 10W.</a:t>
             </a:r>
             <a:fld id="{AEBBE140-696B-4ED3-9F77-625F9EBC9681}" type="slidenum">
               <a:rPr lang="en-US" smtClean="0"/>
@@ -18499,11 +17518,7 @@
             </a:r>
             <a:r>
               <a:rPr lang="en-US" dirty="0" smtClean="0"/>
-              <a:t> </a:t>
-            </a:r>
-            <a:r>
-              <a:rPr lang="en-US" dirty="0" smtClean="0"/>
-              <a:t>10W.</a:t>
+              <a:t> 10W.</a:t>
             </a:r>
             <a:fld id="{AEBBE140-696B-4ED3-9F77-625F9EBC9681}" type="slidenum">
               <a:rPr lang="en-US" smtClean="0"/>
@@ -18636,7 +17651,7 @@
           <a:graphicData uri="http://schemas.openxmlformats.org/presentationml/2006/ole">
             <mc:AlternateContent xmlns:mc="http://schemas.openxmlformats.org/markup-compatibility/2006">
               <mc:Choice xmlns:v="urn:schemas-microsoft-com:vml" Requires="v">
-                <p:oleObj spid="_x0000_s144397" name="Equation" r:id="rId4" imgW="1943100" imgH="457200" progId="Equation.DSMT4">
+                <p:oleObj spid="_x0000_s144400" name="Equation" r:id="rId4" imgW="1943100" imgH="457200" progId="Equation.DSMT4">
                   <p:embed/>
                 </p:oleObj>
               </mc:Choice>
@@ -19513,11 +18528,7 @@
             </a:r>
             <a:r>
               <a:rPr lang="en-US" dirty="0" smtClean="0"/>
-              <a:t> </a:t>
-            </a:r>
-            <a:r>
-              <a:rPr lang="en-US" dirty="0" smtClean="0"/>
-              <a:t>10W.</a:t>
+              <a:t> 10W.</a:t>
             </a:r>
             <a:fld id="{F6382285-46B9-4638-A756-AEAB0B54955F}" type="slidenum">
               <a:rPr lang="en-US" smtClean="0"/>
@@ -19859,7 +18870,7 @@
           <a:graphicData uri="http://schemas.openxmlformats.org/presentationml/2006/ole">
             <mc:AlternateContent xmlns:mc="http://schemas.openxmlformats.org/markup-compatibility/2006">
               <mc:Choice xmlns:v="urn:schemas-microsoft-com:vml" Requires="v">
-                <p:oleObj spid="_x0000_s11271" name="Equation" r:id="rId4" imgW="469800" imgH="253800" progId="Equation.DSMT4">
+                <p:oleObj spid="_x0000_s11274" name="Equation" r:id="rId4" imgW="469800" imgH="253800" progId="Equation.DSMT4">
                   <p:embed/>
                 </p:oleObj>
               </mc:Choice>
@@ -20175,7 +19186,7 @@
 </file>
 
 <file path=ppt/slides/slide29.xml><?xml version="1.0" encoding="utf-8"?>
-<p:sld xmlns:a="http://schemas.openxmlformats.org/drawingml/2006/main" xmlns:r="http://schemas.openxmlformats.org/officeDocument/2006/relationships" xmlns:p="http://schemas.openxmlformats.org/presentationml/2006/main" show="0">
+<p:sld xmlns:a="http://schemas.openxmlformats.org/drawingml/2006/main" xmlns:r="http://schemas.openxmlformats.org/officeDocument/2006/relationships" xmlns:p="http://schemas.openxmlformats.org/presentationml/2006/main">
   <p:cSld>
     <p:spTree>
       <p:nvGrpSpPr>
@@ -20193,12 +19204,12 @@
       </p:grpSpPr>
       <p:sp>
         <p:nvSpPr>
-          <p:cNvPr id="6" name="Slide Number Placeholder 3"/>
+          <p:cNvPr id="61442" name="Rectangle 2"/>
           <p:cNvSpPr>
-            <a:spLocks noGrp="1"/>
+            <a:spLocks noGrp="1" noChangeArrowheads="1"/>
           </p:cNvSpPr>
           <p:nvPr>
-            <p:ph type="sldNum" sz="quarter" idx="10"/>
+            <p:ph type="title" idx="4294967295"/>
           </p:nvPr>
         </p:nvSpPr>
         <p:spPr/>
@@ -20206,348 +19217,122 @@
           <a:bodyPr/>
           <a:lstStyle/>
           <a:p>
-            <a:r>
-              <a:rPr lang="en-US" dirty="0" err="1" smtClean="0"/>
-              <a:t>lec</a:t>
-            </a:r>
-            <a:r>
-              <a:rPr lang="en-US" dirty="0" smtClean="0"/>
-              <a:t> </a:t>
-            </a:r>
-            <a:r>
-              <a:rPr lang="en-US" dirty="0" smtClean="0"/>
-              <a:t>10W.</a:t>
-            </a:r>
-            <a:fld id="{617C8E69-851E-4C8D-9C42-AE5C16D8F86B}" type="slidenum">
-              <a:rPr lang="en-US" smtClean="0"/>
-              <a:pPr/>
-              <a:t>29</a:t>
-            </a:fld>
-            <a:endParaRPr lang="en-US" dirty="0"/>
+            <a:pPr eaLnBrk="1" hangingPunct="1"/>
+            <a:r>
+              <a:rPr lang="en-US" sz="4800"/>
+              <a:t>Team Problems</a:t>
+            </a:r>
           </a:p>
         </p:txBody>
       </p:sp>
       <p:sp>
         <p:nvSpPr>
-          <p:cNvPr id="385026" name="Rectangle 2"/>
+          <p:cNvPr id="61443" name="Rectangle 3"/>
           <p:cNvSpPr>
             <a:spLocks noGrp="1" noChangeArrowheads="1"/>
           </p:cNvSpPr>
           <p:nvPr>
-            <p:ph type="title"/>
-          </p:nvPr>
-        </p:nvSpPr>
-        <p:spPr/>
-        <p:txBody>
-          <a:bodyPr/>
-          <a:lstStyle/>
-          <a:p>
-            <a:r>
-              <a:rPr lang="en-US" dirty="0">
-                <a:solidFill>
-                  <a:schemeClr val="tx1"/>
-                </a:solidFill>
-              </a:rPr>
-              <a:t>Pigeonhole</a:t>
-            </a:r>
-            <a:r>
-              <a:rPr lang="en-US" dirty="0"/>
-              <a:t> Principle</a:t>
-            </a:r>
-          </a:p>
-        </p:txBody>
-      </p:sp>
-      <p:sp>
-        <p:nvSpPr>
-          <p:cNvPr id="385027" name="Rectangle 3"/>
-          <p:cNvSpPr>
-            <a:spLocks noGrp="1" noChangeArrowheads="1"/>
-          </p:cNvSpPr>
-          <p:nvPr>
-            <p:ph type="body" idx="1"/>
+            <p:ph type="body" idx="4294967295"/>
           </p:nvPr>
         </p:nvSpPr>
         <p:spPr>
           <a:xfrm>
-            <a:off x="152400" y="1676400"/>
-            <a:ext cx="8991600" cy="3657600"/>
+            <a:off x="228600" y="1752600"/>
+            <a:ext cx="8610600" cy="4343400"/>
           </a:xfrm>
         </p:spPr>
         <p:txBody>
           <a:bodyPr/>
           <a:lstStyle/>
           <a:p>
-            <a:pPr>
-              <a:buFontTx/>
-              <a:buNone/>
-            </a:pPr>
-            <a:r>
-              <a:rPr lang="en-US" sz="4000" dirty="0"/>
-              <a:t>Mapping Rule</a:t>
-            </a:r>
-            <a:r>
-              <a:rPr lang="en-US" sz="4000" dirty="0" smtClean="0"/>
-              <a:t>: total </a:t>
-            </a:r>
-            <a:r>
-              <a:rPr lang="en-US" sz="4400" dirty="0" smtClean="0">
-                <a:solidFill>
-                  <a:srgbClr val="008000"/>
-                </a:solidFill>
-              </a:rPr>
-              <a:t>injection</a:t>
-            </a:r>
-            <a:r>
-              <a:rPr lang="en-US" sz="4400" dirty="0" smtClean="0"/>
-              <a:t> from </a:t>
-            </a:r>
-          </a:p>
-          <a:p>
-            <a:pPr>
-              <a:buFontTx/>
-              <a:buNone/>
-            </a:pPr>
-            <a:r>
-              <a:rPr lang="en-US" sz="4400" dirty="0" smtClean="0">
-                <a:solidFill>
-                  <a:srgbClr val="0033CC"/>
-                </a:solidFill>
-              </a:rPr>
-              <a:t>A</a:t>
-            </a:r>
-            <a:r>
-              <a:rPr lang="en-US" sz="4400" dirty="0" smtClean="0"/>
-              <a:t> </a:t>
-            </a:r>
-            <a:r>
-              <a:rPr lang="en-US" sz="4400" dirty="0"/>
-              <a:t>to </a:t>
-            </a:r>
-            <a:r>
-              <a:rPr lang="en-US" sz="4400" dirty="0" smtClean="0">
-                <a:solidFill>
-                  <a:srgbClr val="0033CC"/>
-                </a:solidFill>
-              </a:rPr>
-              <a:t>B</a:t>
-            </a:r>
-            <a:r>
-              <a:rPr lang="en-US" sz="4400" dirty="0" smtClean="0"/>
-              <a:t> implies </a:t>
-            </a:r>
-            <a:r>
-              <a:rPr lang="en-US" sz="4400" dirty="0"/>
-              <a:t>|</a:t>
-            </a:r>
-            <a:r>
-              <a:rPr lang="en-US" sz="4400" dirty="0">
-                <a:solidFill>
-                  <a:srgbClr val="0033CC"/>
-                </a:solidFill>
-              </a:rPr>
-              <a:t>A</a:t>
-            </a:r>
-            <a:r>
-              <a:rPr lang="en-US" sz="4400" dirty="0" smtClean="0"/>
-              <a:t>|</a:t>
-            </a:r>
-            <a:r>
-              <a:rPr lang="en-US" sz="4400" b="1" dirty="0" smtClean="0">
-                <a:latin typeface="cmsy10" pitchFamily="34" charset="0"/>
-              </a:rPr>
-              <a:t>·</a:t>
-            </a:r>
-            <a:r>
-              <a:rPr lang="en-US" sz="4400" dirty="0" smtClean="0"/>
-              <a:t>|</a:t>
-            </a:r>
-            <a:r>
-              <a:rPr lang="en-US" sz="4400" dirty="0">
-                <a:solidFill>
-                  <a:srgbClr val="0033CC"/>
-                </a:solidFill>
-              </a:rPr>
-              <a:t>B</a:t>
-            </a:r>
-            <a:r>
-              <a:rPr lang="en-US" sz="4400" dirty="0" smtClean="0"/>
-              <a:t>|</a:t>
-            </a:r>
-            <a:r>
-              <a:rPr lang="en-US" sz="4800" dirty="0" smtClean="0"/>
-              <a:t>.   </a:t>
-            </a:r>
-            <a:endParaRPr lang="en-US" sz="4800" dirty="0"/>
-          </a:p>
-          <a:p>
-            <a:pPr>
-              <a:buFontTx/>
-              <a:buNone/>
-            </a:pPr>
-            <a:r>
-              <a:rPr lang="en-US" sz="4800" dirty="0"/>
-              <a:t>     </a:t>
-            </a:r>
-            <a:r>
-              <a:rPr lang="en-US" sz="4800" dirty="0" smtClean="0"/>
-              <a:t>If  </a:t>
-            </a:r>
-            <a:r>
-              <a:rPr lang="en-US" sz="4800" dirty="0"/>
-              <a:t>|</a:t>
-            </a:r>
-            <a:r>
-              <a:rPr lang="en-US" sz="4800" dirty="0">
-                <a:solidFill>
-                  <a:srgbClr val="0033CC"/>
-                </a:solidFill>
-              </a:rPr>
-              <a:t>A</a:t>
-            </a:r>
-            <a:r>
-              <a:rPr lang="en-US" sz="4800" dirty="0"/>
-              <a:t>|</a:t>
-            </a:r>
-            <a:r>
-              <a:rPr lang="en-US" sz="4800" b="1" dirty="0" smtClean="0">
+            <a:pPr algn="ctr" eaLnBrk="1" hangingPunct="1"/>
+            <a:r>
+              <a:rPr lang="en-US" sz="10600" dirty="0"/>
+              <a:t>Problems</a:t>
+            </a:r>
+          </a:p>
+          <a:p>
+            <a:pPr algn="ctr" eaLnBrk="1" hangingPunct="1"/>
+            <a:r>
+              <a:rPr lang="en-US" sz="10600" smtClean="0"/>
+              <a:t>1</a:t>
+            </a:r>
+            <a:r>
+              <a:rPr lang="en-US" sz="10600" b="1" smtClean="0">
                 <a:latin typeface="Euclid Symbol" charset="2"/>
                 <a:cs typeface="Euclid Symbol" charset="2"/>
-              </a:rPr>
-              <a:t> &gt;</a:t>
-            </a:r>
-            <a:r>
-              <a:rPr lang="en-US" sz="4800" dirty="0" smtClean="0"/>
-              <a:t> </a:t>
-            </a:r>
-            <a:r>
-              <a:rPr lang="en-US" sz="4800" dirty="0"/>
-              <a:t>|</a:t>
-            </a:r>
-            <a:r>
-              <a:rPr lang="en-US" sz="4800" dirty="0">
-                <a:solidFill>
-                  <a:srgbClr val="0033CC"/>
-                </a:solidFill>
-              </a:rPr>
-              <a:t>B</a:t>
-            </a:r>
-            <a:r>
-              <a:rPr lang="en-US" sz="4800" dirty="0"/>
-              <a:t>| , then</a:t>
-            </a:r>
-          </a:p>
-          <a:p>
-            <a:pPr algn="ctr">
-              <a:buFontTx/>
-              <a:buNone/>
-            </a:pPr>
-            <a:r>
-              <a:rPr lang="en-US" sz="4800" dirty="0">
-                <a:solidFill>
-                  <a:schemeClr val="accent2"/>
-                </a:solidFill>
-              </a:rPr>
-              <a:t>no injection</a:t>
-            </a:r>
-            <a:r>
-              <a:rPr lang="en-US" sz="4800" dirty="0">
-                <a:solidFill>
-                  <a:srgbClr val="008000"/>
-                </a:solidFill>
-              </a:rPr>
-              <a:t> </a:t>
-            </a:r>
-            <a:r>
-              <a:rPr lang="en-US" sz="4800" dirty="0"/>
-              <a:t>from </a:t>
-            </a:r>
-            <a:r>
-              <a:rPr lang="en-US" sz="4800" dirty="0">
-                <a:solidFill>
-                  <a:srgbClr val="0033CC"/>
-                </a:solidFill>
-              </a:rPr>
-              <a:t>A</a:t>
-            </a:r>
-            <a:r>
-              <a:rPr lang="en-US" sz="4800" dirty="0"/>
-              <a:t> to </a:t>
-            </a:r>
-            <a:r>
-              <a:rPr lang="en-US" sz="4800" dirty="0">
-                <a:solidFill>
-                  <a:srgbClr val="0033CC"/>
-                </a:solidFill>
-              </a:rPr>
-              <a:t>B</a:t>
-            </a:r>
-            <a:r>
-              <a:rPr lang="en-US" sz="4800" dirty="0"/>
-              <a:t>.</a:t>
-            </a:r>
+                <a:sym typeface="Euclid Symbol" pitchFamily="18" charset="2"/>
+              </a:rPr>
+              <a:t>−</a:t>
+            </a:r>
+            <a:r>
+              <a:rPr lang="en-US" sz="10600" smtClean="0">
+                <a:sym typeface="Euclid Symbol" pitchFamily="18" charset="2"/>
+              </a:rPr>
+              <a:t>4</a:t>
+            </a:r>
+            <a:endParaRPr lang="en-US" sz="10600" dirty="0"/>
           </a:p>
         </p:txBody>
       </p:sp>
       <p:sp>
         <p:nvSpPr>
-          <p:cNvPr id="7" name="Rectangle 6"/>
-          <p:cNvSpPr/>
+          <p:cNvPr id="61444" name="Text Box 4"/>
+          <p:cNvSpPr txBox="1">
+            <a:spLocks noGrp="1"/>
+          </p:cNvSpPr>
           <p:nvPr/>
         </p:nvSpPr>
         <p:spPr bwMode="auto">
           <a:xfrm>
-            <a:off x="762000" y="3429000"/>
-            <a:ext cx="7772400" cy="1676400"/>
+            <a:off x="7772400" y="6553200"/>
+            <a:ext cx="1295400" cy="304800"/>
           </a:xfrm>
           <a:prstGeom prst="rect">
             <a:avLst/>
           </a:prstGeom>
           <a:noFill/>
-          <a:ln w="38100" cap="flat" cmpd="sng" algn="ctr">
-            <a:solidFill>
-              <a:srgbClr val="FF00FF"/>
-            </a:solidFill>
-            <a:prstDash val="solid"/>
-            <a:round/>
-            <a:headEnd type="none" w="med" len="med"/>
-            <a:tailEnd type="none" w="med" len="med"/>
+          <a:ln w="9525">
+            <a:noFill/>
+            <a:miter lim="800000"/>
+            <a:headEnd/>
+            <a:tailEnd/>
           </a:ln>
-          <a:effectLst/>
         </p:spPr>
         <p:txBody>
-          <a:bodyPr vert="horz" wrap="square" lIns="91440" tIns="45720" rIns="91440" bIns="45720" numCol="1" rtlCol="0" anchor="t" anchorCtr="0" compatLnSpc="1">
-            <a:prstTxWarp prst="textNoShape">
-              <a:avLst/>
-            </a:prstTxWarp>
+          <a:bodyPr>
             <a:spAutoFit/>
           </a:bodyPr>
           <a:lstStyle/>
           <a:p>
-            <a:pPr marL="342900" marR="0" indent="-342900" algn="l" defTabSz="914400" rtl="0" eaLnBrk="1" fontAlgn="base" latinLnBrk="0" hangingPunct="1">
-              <a:lnSpc>
-                <a:spcPct val="100000"/>
-              </a:lnSpc>
+            <a:pPr algn="r" fontAlgn="base">
               <a:spcBef>
-                <a:spcPct val="20000"/>
+                <a:spcPct val="0"/>
               </a:spcBef>
               <a:spcAft>
                 <a:spcPct val="0"/>
               </a:spcAft>
-              <a:buClrTx/>
-              <a:buSzTx/>
-              <a:buFontTx/>
-              <a:buNone/>
-              <a:tabLst/>
             </a:pPr>
-            <a:endParaRPr kumimoji="0" lang="en-US" sz="3200" b="0" i="0" u="none" strike="noStrike" cap="none" normalizeH="0" baseline="0" smtClean="0">
-              <a:ln>
-                <a:noFill/>
-              </a:ln>
-              <a:solidFill>
-                <a:schemeClr val="tx1"/>
-              </a:solidFill>
-              <a:effectLst/>
-              <a:latin typeface="Times New Roman" pitchFamily="18" charset="0"/>
+            <a:r>
+              <a:rPr lang="en-US" sz="1400" dirty="0" err="1" smtClean="0">
+                <a:latin typeface="Comic Sans MS" pitchFamily="66" charset="0"/>
+              </a:rPr>
+              <a:t>lec</a:t>
+            </a:r>
+            <a:r>
+              <a:rPr lang="en-US" sz="1400" dirty="0" smtClean="0">
+                <a:latin typeface="Comic Sans MS" pitchFamily="66" charset="0"/>
+              </a:rPr>
+              <a:t> 10W.</a:t>
+            </a:r>
+            <a:r>
+              <a:rPr lang="en-US" sz="1200" dirty="0" smtClean="0">
+                <a:latin typeface="Comic Sans MS" pitchFamily="66" charset="0"/>
+              </a:rPr>
+              <a:t>36</a:t>
+            </a:r>
+            <a:endParaRPr lang="en-US" sz="1200" dirty="0">
+              <a:latin typeface="Comic Sans MS" pitchFamily="66" charset="0"/>
             </a:endParaRPr>
           </a:p>
         </p:txBody>
@@ -20561,159 +19346,9 @@
   <p:timing>
     <p:tnLst>
       <p:par>
-        <p:cTn xmlns:p14="http://schemas.microsoft.com/office/powerpoint/2010/main" id="1" dur="indefinite" restart="never" nodeType="tmRoot">
-          <p:childTnLst>
-            <p:seq concurrent="1" nextAc="seek">
-              <p:cTn id="2" dur="indefinite" nodeType="mainSeq">
-                <p:childTnLst>
-                  <p:par>
-                    <p:cTn id="3" fill="hold">
-                      <p:stCondLst>
-                        <p:cond delay="indefinite"/>
-                      </p:stCondLst>
-                      <p:childTnLst>
-                        <p:par>
-                          <p:cTn id="4" fill="hold">
-                            <p:stCondLst>
-                              <p:cond delay="0"/>
-                            </p:stCondLst>
-                            <p:childTnLst>
-                              <p:par>
-                                <p:cTn id="5" presetID="1" presetClass="entr" presetSubtype="0" fill="hold" nodeType="clickEffect">
-                                  <p:stCondLst>
-                                    <p:cond delay="0"/>
-                                  </p:stCondLst>
-                                  <p:childTnLst>
-                                    <p:set>
-                                      <p:cBhvr>
-                                        <p:cTn id="6" dur="1" fill="hold">
-                                          <p:stCondLst>
-                                            <p:cond delay="0"/>
-                                          </p:stCondLst>
-                                        </p:cTn>
-                                        <p:tgtEl>
-                                          <p:spTgt spid="385027">
-                                            <p:txEl>
-                                              <p:pRg st="2" end="2"/>
-                                            </p:txEl>
-                                          </p:spTgt>
-                                        </p:tgtEl>
-                                        <p:attrNameLst>
-                                          <p:attrName>style.visibility</p:attrName>
-                                        </p:attrNameLst>
-                                      </p:cBhvr>
-                                      <p:to>
-                                        <p:strVal val="visible"/>
-                                      </p:to>
-                                    </p:set>
-                                  </p:childTnLst>
-                                </p:cTn>
-                              </p:par>
-                              <p:par>
-                                <p:cTn id="7" presetID="1" presetClass="entr" presetSubtype="0" fill="hold" nodeType="withEffect">
-                                  <p:stCondLst>
-                                    <p:cond delay="0"/>
-                                  </p:stCondLst>
-                                  <p:childTnLst>
-                                    <p:set>
-                                      <p:cBhvr>
-                                        <p:cTn id="8" dur="1" fill="hold">
-                                          <p:stCondLst>
-                                            <p:cond delay="0"/>
-                                          </p:stCondLst>
-                                        </p:cTn>
-                                        <p:tgtEl>
-                                          <p:spTgt spid="385027">
-                                            <p:txEl>
-                                              <p:pRg st="3" end="3"/>
-                                            </p:txEl>
-                                          </p:spTgt>
-                                        </p:tgtEl>
-                                        <p:attrNameLst>
-                                          <p:attrName>style.visibility</p:attrName>
-                                        </p:attrNameLst>
-                                      </p:cBhvr>
-                                      <p:to>
-                                        <p:strVal val="visible"/>
-                                      </p:to>
-                                    </p:set>
-                                  </p:childTnLst>
-                                </p:cTn>
-                              </p:par>
-                            </p:childTnLst>
-                          </p:cTn>
-                        </p:par>
-                        <p:par>
-                          <p:cTn id="9" fill="hold">
-                            <p:stCondLst>
-                              <p:cond delay="0"/>
-                            </p:stCondLst>
-                            <p:childTnLst>
-                              <p:par>
-                                <p:cTn id="10" presetID="9" presetClass="entr" presetSubtype="0" fill="hold" grpId="0" nodeType="afterEffect">
-                                  <p:stCondLst>
-                                    <p:cond delay="500"/>
-                                  </p:stCondLst>
-                                  <p:childTnLst>
-                                    <p:set>
-                                      <p:cBhvr>
-                                        <p:cTn id="11" dur="1" fill="hold">
-                                          <p:stCondLst>
-                                            <p:cond delay="0"/>
-                                          </p:stCondLst>
-                                        </p:cTn>
-                                        <p:tgtEl>
-                                          <p:spTgt spid="7"/>
-                                        </p:tgtEl>
-                                        <p:attrNameLst>
-                                          <p:attrName>style.visibility</p:attrName>
-                                        </p:attrNameLst>
-                                      </p:cBhvr>
-                                      <p:to>
-                                        <p:strVal val="visible"/>
-                                      </p:to>
-                                    </p:set>
-                                    <p:animEffect transition="in" filter="dissolve">
-                                      <p:cBhvr>
-                                        <p:cTn id="12" dur="500"/>
-                                        <p:tgtEl>
-                                          <p:spTgt spid="7"/>
-                                        </p:tgtEl>
-                                      </p:cBhvr>
-                                    </p:animEffect>
-                                  </p:childTnLst>
-                                </p:cTn>
-                              </p:par>
-                            </p:childTnLst>
-                          </p:cTn>
-                        </p:par>
-                      </p:childTnLst>
-                    </p:cTn>
-                  </p:par>
-                </p:childTnLst>
-              </p:cTn>
-              <p:prevCondLst>
-                <p:cond evt="onPrev" delay="0">
-                  <p:tgtEl>
-                    <p:sldTgt/>
-                  </p:tgtEl>
-                </p:cond>
-              </p:prevCondLst>
-              <p:nextCondLst>
-                <p:cond evt="onNext" delay="0">
-                  <p:tgtEl>
-                    <p:sldTgt/>
-                  </p:tgtEl>
-                </p:cond>
-              </p:nextCondLst>
-            </p:seq>
-          </p:childTnLst>
-        </p:cTn>
+        <p:cTn xmlns:p14="http://schemas.microsoft.com/office/powerpoint/2010/main" id="1" dur="indefinite" restart="never" nodeType="tmRoot"/>
       </p:par>
     </p:tnLst>
-    <p:bldLst>
-      <p:bldP spid="7" grpId="0" animBg="1"/>
-    </p:bldLst>
   </p:timing>
 </p:sld>
 </file>
@@ -20762,11 +19397,7 @@
             </a:r>
             <a:r>
               <a:rPr lang="en-US" sz="1100" dirty="0" smtClean="0"/>
-              <a:t> </a:t>
-            </a:r>
-            <a:r>
-              <a:rPr lang="en-US" sz="1100" dirty="0" smtClean="0"/>
-              <a:t>10W.</a:t>
+              <a:t> 10W.</a:t>
             </a:r>
             <a:fld id="{8F3B4E78-0FD9-4D6D-9794-087966C32840}" type="slidenum">
               <a:rPr lang="en-US" sz="1100" smtClean="0"/>
@@ -21183,6916 +19814,6 @@
 </p:sld>
 </file>
 
-<file path=ppt/slides/slide30.xml><?xml version="1.0" encoding="utf-8"?>
-<p:sld xmlns:a="http://schemas.openxmlformats.org/drawingml/2006/main" xmlns:r="http://schemas.openxmlformats.org/officeDocument/2006/relationships" xmlns:p="http://schemas.openxmlformats.org/presentationml/2006/main" show="0">
-  <p:cSld>
-    <p:spTree>
-      <p:nvGrpSpPr>
-        <p:cNvPr id="1" name=""/>
-        <p:cNvGrpSpPr/>
-        <p:nvPr/>
-      </p:nvGrpSpPr>
-      <p:grpSpPr>
-        <a:xfrm>
-          <a:off x="0" y="0"/>
-          <a:ext cx="0" cy="0"/>
-          <a:chOff x="0" y="0"/>
-          <a:chExt cx="0" cy="0"/>
-        </a:xfrm>
-      </p:grpSpPr>
-      <p:sp>
-        <p:nvSpPr>
-          <p:cNvPr id="27" name="Slide Number Placeholder 3"/>
-          <p:cNvSpPr>
-            <a:spLocks noGrp="1"/>
-          </p:cNvSpPr>
-          <p:nvPr>
-            <p:ph type="sldNum" sz="quarter" idx="10"/>
-          </p:nvPr>
-        </p:nvSpPr>
-        <p:spPr/>
-        <p:txBody>
-          <a:bodyPr/>
-          <a:lstStyle/>
-          <a:p>
-            <a:r>
-              <a:rPr lang="en-US" dirty="0" err="1" smtClean="0"/>
-              <a:t>lec</a:t>
-            </a:r>
-            <a:r>
-              <a:rPr lang="en-US" dirty="0" smtClean="0"/>
-              <a:t> </a:t>
-            </a:r>
-            <a:r>
-              <a:rPr lang="en-US" dirty="0" smtClean="0"/>
-              <a:t>10W.</a:t>
-            </a:r>
-            <a:fld id="{845CA0E0-B8FA-42CB-A503-BCBE39D9C5FE}" type="slidenum">
-              <a:rPr lang="en-US" smtClean="0"/>
-              <a:pPr/>
-              <a:t>30</a:t>
-            </a:fld>
-            <a:endParaRPr lang="en-US" dirty="0"/>
-          </a:p>
-        </p:txBody>
-      </p:sp>
-      <p:sp>
-        <p:nvSpPr>
-          <p:cNvPr id="369666" name="Rectangle 2"/>
-          <p:cNvSpPr>
-            <a:spLocks noGrp="1" noChangeArrowheads="1"/>
-          </p:cNvSpPr>
-          <p:nvPr>
-            <p:ph type="title"/>
-          </p:nvPr>
-        </p:nvSpPr>
-        <p:spPr/>
-        <p:txBody>
-          <a:bodyPr/>
-          <a:lstStyle/>
-          <a:p>
-            <a:r>
-              <a:rPr lang="en-US"/>
-              <a:t>Pigeonhole Principle</a:t>
-            </a:r>
-          </a:p>
-        </p:txBody>
-      </p:sp>
-      <p:sp>
-        <p:nvSpPr>
-          <p:cNvPr id="369667" name="Rectangle 3"/>
-          <p:cNvSpPr>
-            <a:spLocks noGrp="1" noChangeArrowheads="1"/>
-          </p:cNvSpPr>
-          <p:nvPr>
-            <p:ph type="body" idx="1"/>
-          </p:nvPr>
-        </p:nvSpPr>
-        <p:spPr>
-          <a:xfrm>
-            <a:off x="412750" y="1447800"/>
-            <a:ext cx="7905750" cy="3886200"/>
-          </a:xfrm>
-        </p:spPr>
-        <p:txBody>
-          <a:bodyPr/>
-          <a:lstStyle/>
-          <a:p>
-            <a:pPr>
-              <a:buFontTx/>
-              <a:buNone/>
-            </a:pPr>
-            <a:r>
-              <a:rPr lang="en-US" sz="5400"/>
-              <a:t>If </a:t>
-            </a:r>
-            <a:r>
-              <a:rPr lang="en-US" sz="5400">
-                <a:solidFill>
-                  <a:srgbClr val="3333CC"/>
-                </a:solidFill>
-              </a:rPr>
-              <a:t>more</a:t>
-            </a:r>
-            <a:r>
-              <a:rPr lang="en-US" sz="5400" i="1"/>
-              <a:t> </a:t>
-            </a:r>
-            <a:r>
-              <a:rPr lang="en-US" sz="5400"/>
-              <a:t>pigeons</a:t>
-            </a:r>
-          </a:p>
-          <a:p>
-            <a:pPr>
-              <a:buFontTx/>
-              <a:buNone/>
-            </a:pPr>
-            <a:endParaRPr lang="en-US" sz="4800"/>
-          </a:p>
-          <a:p>
-            <a:pPr>
-              <a:buFontTx/>
-              <a:buNone/>
-            </a:pPr>
-            <a:r>
-              <a:rPr lang="en-US" sz="5400"/>
-              <a:t>than pigeonholes,</a:t>
-            </a:r>
-          </a:p>
-          <a:p>
-            <a:pPr>
-              <a:buFontTx/>
-              <a:buNone/>
-            </a:pPr>
-            <a:endParaRPr lang="en-US" sz="5400"/>
-          </a:p>
-        </p:txBody>
-      </p:sp>
-      <p:grpSp>
-        <p:nvGrpSpPr>
-          <p:cNvPr id="2" name="Group 4"/>
-          <p:cNvGrpSpPr>
-            <a:grpSpLocks/>
-          </p:cNvGrpSpPr>
-          <p:nvPr/>
-        </p:nvGrpSpPr>
-        <p:grpSpPr bwMode="auto">
-          <a:xfrm>
-            <a:off x="412750" y="2590800"/>
-            <a:ext cx="8489950" cy="800100"/>
-            <a:chOff x="260" y="1712"/>
-            <a:chExt cx="5348" cy="504"/>
-          </a:xfrm>
-        </p:grpSpPr>
-        <p:pic>
-          <p:nvPicPr>
-            <p:cNvPr id="369669" name="Picture 5" descr="j0109541[1]"/>
-            <p:cNvPicPr>
-              <a:picLocks noChangeAspect="1" noChangeArrowheads="1"/>
-            </p:cNvPicPr>
-            <p:nvPr/>
-          </p:nvPicPr>
-          <p:blipFill>
-            <a:blip r:embed="rId3"/>
-            <a:srcRect/>
-            <a:stretch>
-              <a:fillRect/>
-            </a:stretch>
-          </p:blipFill>
-          <p:spPr bwMode="auto">
-            <a:xfrm>
-              <a:off x="260" y="1712"/>
-              <a:ext cx="1005" cy="504"/>
-            </a:xfrm>
-            <a:prstGeom prst="rect">
-              <a:avLst/>
-            </a:prstGeom>
-            <a:noFill/>
-          </p:spPr>
-        </p:pic>
-        <p:pic>
-          <p:nvPicPr>
-            <p:cNvPr id="369670" name="Picture 6" descr="j0109541[1]"/>
-            <p:cNvPicPr>
-              <a:picLocks noChangeAspect="1" noChangeArrowheads="1"/>
-            </p:cNvPicPr>
-            <p:nvPr/>
-          </p:nvPicPr>
-          <p:blipFill>
-            <a:blip r:embed="rId3"/>
-            <a:srcRect/>
-            <a:stretch>
-              <a:fillRect/>
-            </a:stretch>
-          </p:blipFill>
-          <p:spPr bwMode="auto">
-            <a:xfrm>
-              <a:off x="1340" y="1712"/>
-              <a:ext cx="1005" cy="504"/>
-            </a:xfrm>
-            <a:prstGeom prst="rect">
-              <a:avLst/>
-            </a:prstGeom>
-            <a:noFill/>
-          </p:spPr>
-        </p:pic>
-        <p:pic>
-          <p:nvPicPr>
-            <p:cNvPr id="369671" name="Picture 7" descr="j0109541[1]"/>
-            <p:cNvPicPr>
-              <a:picLocks noChangeAspect="1" noChangeArrowheads="1"/>
-            </p:cNvPicPr>
-            <p:nvPr/>
-          </p:nvPicPr>
-          <p:blipFill>
-            <a:blip r:embed="rId3"/>
-            <a:srcRect/>
-            <a:stretch>
-              <a:fillRect/>
-            </a:stretch>
-          </p:blipFill>
-          <p:spPr bwMode="auto">
-            <a:xfrm>
-              <a:off x="2444" y="1712"/>
-              <a:ext cx="1005" cy="504"/>
-            </a:xfrm>
-            <a:prstGeom prst="rect">
-              <a:avLst/>
-            </a:prstGeom>
-            <a:noFill/>
-          </p:spPr>
-        </p:pic>
-        <p:pic>
-          <p:nvPicPr>
-            <p:cNvPr id="369672" name="Picture 8" descr="j0109541[1]"/>
-            <p:cNvPicPr>
-              <a:picLocks noChangeAspect="1" noChangeArrowheads="1"/>
-            </p:cNvPicPr>
-            <p:nvPr/>
-          </p:nvPicPr>
-          <p:blipFill>
-            <a:blip r:embed="rId3"/>
-            <a:srcRect/>
-            <a:stretch>
-              <a:fillRect/>
-            </a:stretch>
-          </p:blipFill>
-          <p:spPr bwMode="auto">
-            <a:xfrm>
-              <a:off x="3532" y="1712"/>
-              <a:ext cx="1005" cy="504"/>
-            </a:xfrm>
-            <a:prstGeom prst="rect">
-              <a:avLst/>
-            </a:prstGeom>
-            <a:noFill/>
-          </p:spPr>
-        </p:pic>
-        <p:pic>
-          <p:nvPicPr>
-            <p:cNvPr id="369673" name="Picture 9" descr="j0109541[1]"/>
-            <p:cNvPicPr>
-              <a:picLocks noChangeAspect="1" noChangeArrowheads="1"/>
-            </p:cNvPicPr>
-            <p:nvPr/>
-          </p:nvPicPr>
-          <p:blipFill>
-            <a:blip r:embed="rId3"/>
-            <a:srcRect/>
-            <a:stretch>
-              <a:fillRect/>
-            </a:stretch>
-          </p:blipFill>
-          <p:spPr bwMode="auto">
-            <a:xfrm>
-              <a:off x="4603" y="1712"/>
-              <a:ext cx="1005" cy="504"/>
-            </a:xfrm>
-            <a:prstGeom prst="rect">
-              <a:avLst/>
-            </a:prstGeom>
-            <a:noFill/>
-          </p:spPr>
-        </p:pic>
-      </p:grpSp>
-      <p:grpSp>
-        <p:nvGrpSpPr>
-          <p:cNvPr id="3" name="Group 10"/>
-          <p:cNvGrpSpPr>
-            <a:grpSpLocks/>
-          </p:cNvGrpSpPr>
-          <p:nvPr/>
-        </p:nvGrpSpPr>
-        <p:grpSpPr bwMode="auto">
-          <a:xfrm>
-            <a:off x="635000" y="4495800"/>
-            <a:ext cx="7823200" cy="1117600"/>
-            <a:chOff x="616" y="3136"/>
-            <a:chExt cx="4928" cy="704"/>
-          </a:xfrm>
-        </p:grpSpPr>
-        <p:grpSp>
-          <p:nvGrpSpPr>
-            <p:cNvPr id="4" name="Group 11"/>
-            <p:cNvGrpSpPr>
-              <a:grpSpLocks/>
-            </p:cNvGrpSpPr>
-            <p:nvPr/>
-          </p:nvGrpSpPr>
-          <p:grpSpPr bwMode="auto">
-            <a:xfrm>
-              <a:off x="616" y="3144"/>
-              <a:ext cx="1088" cy="696"/>
-              <a:chOff x="768" y="3328"/>
-              <a:chExt cx="504" cy="496"/>
-            </a:xfrm>
-          </p:grpSpPr>
-          <p:sp>
-            <p:nvSpPr>
-              <p:cNvPr id="369676" name="Line 12"/>
-              <p:cNvSpPr>
-                <a:spLocks noChangeShapeType="1"/>
-              </p:cNvSpPr>
-              <p:nvPr/>
-            </p:nvSpPr>
-            <p:spPr bwMode="auto">
-              <a:xfrm>
-                <a:off x="768" y="3336"/>
-                <a:ext cx="0" cy="464"/>
-              </a:xfrm>
-              <a:prstGeom prst="line">
-                <a:avLst/>
-              </a:prstGeom>
-              <a:noFill/>
-              <a:ln w="76200">
-                <a:solidFill>
-                  <a:srgbClr val="008000"/>
-                </a:solidFill>
-                <a:round/>
-                <a:headEnd/>
-                <a:tailEnd type="none" w="lg" len="lg"/>
-              </a:ln>
-              <a:effectLst/>
-            </p:spPr>
-            <p:txBody>
-              <a:bodyPr/>
-              <a:lstStyle/>
-              <a:p>
-                <a:endParaRPr lang="en-US"/>
-              </a:p>
-            </p:txBody>
-          </p:sp>
-          <p:sp>
-            <p:nvSpPr>
-              <p:cNvPr id="369677" name="Line 13"/>
-              <p:cNvSpPr>
-                <a:spLocks noChangeShapeType="1"/>
-              </p:cNvSpPr>
-              <p:nvPr/>
-            </p:nvSpPr>
-            <p:spPr bwMode="auto">
-              <a:xfrm>
-                <a:off x="1272" y="3328"/>
-                <a:ext cx="0" cy="464"/>
-              </a:xfrm>
-              <a:prstGeom prst="line">
-                <a:avLst/>
-              </a:prstGeom>
-              <a:noFill/>
-              <a:ln w="76200">
-                <a:solidFill>
-                  <a:srgbClr val="008000"/>
-                </a:solidFill>
-                <a:round/>
-                <a:headEnd/>
-                <a:tailEnd type="none" w="lg" len="lg"/>
-              </a:ln>
-              <a:effectLst/>
-            </p:spPr>
-            <p:txBody>
-              <a:bodyPr/>
-              <a:lstStyle/>
-              <a:p>
-                <a:endParaRPr lang="en-US"/>
-              </a:p>
-            </p:txBody>
-          </p:sp>
-          <p:cxnSp>
-            <p:nvCxnSpPr>
-              <p:cNvPr id="369678" name="AutoShape 14"/>
-              <p:cNvCxnSpPr>
-                <a:cxnSpLocks noChangeShapeType="1"/>
-                <a:stCxn id="369676" idx="1"/>
-                <a:endCxn id="369677" idx="1"/>
-              </p:cNvCxnSpPr>
-              <p:nvPr/>
-            </p:nvCxnSpPr>
-            <p:spPr bwMode="auto">
-              <a:xfrm flipV="1">
-                <a:off x="768" y="3816"/>
-                <a:ext cx="504" cy="8"/>
-              </a:xfrm>
-              <a:prstGeom prst="straightConnector1">
-                <a:avLst/>
-              </a:prstGeom>
-              <a:noFill/>
-              <a:ln w="76200">
-                <a:solidFill>
-                  <a:srgbClr val="008000"/>
-                </a:solidFill>
-                <a:round/>
-                <a:headEnd/>
-                <a:tailEnd type="none" w="lg" len="lg"/>
-              </a:ln>
-              <a:effectLst/>
-            </p:spPr>
-          </p:cxnSp>
-        </p:grpSp>
-        <p:grpSp>
-          <p:nvGrpSpPr>
-            <p:cNvPr id="5" name="Group 15"/>
-            <p:cNvGrpSpPr>
-              <a:grpSpLocks/>
-            </p:cNvGrpSpPr>
-            <p:nvPr/>
-          </p:nvGrpSpPr>
-          <p:grpSpPr bwMode="auto">
-            <a:xfrm>
-              <a:off x="1896" y="3144"/>
-              <a:ext cx="1088" cy="696"/>
-              <a:chOff x="768" y="3328"/>
-              <a:chExt cx="504" cy="496"/>
-            </a:xfrm>
-          </p:grpSpPr>
-          <p:sp>
-            <p:nvSpPr>
-              <p:cNvPr id="369680" name="Line 16"/>
-              <p:cNvSpPr>
-                <a:spLocks noChangeShapeType="1"/>
-              </p:cNvSpPr>
-              <p:nvPr/>
-            </p:nvSpPr>
-            <p:spPr bwMode="auto">
-              <a:xfrm>
-                <a:off x="768" y="3336"/>
-                <a:ext cx="0" cy="464"/>
-              </a:xfrm>
-              <a:prstGeom prst="line">
-                <a:avLst/>
-              </a:prstGeom>
-              <a:noFill/>
-              <a:ln w="76200">
-                <a:solidFill>
-                  <a:srgbClr val="008000"/>
-                </a:solidFill>
-                <a:round/>
-                <a:headEnd/>
-                <a:tailEnd type="none" w="lg" len="lg"/>
-              </a:ln>
-              <a:effectLst/>
-            </p:spPr>
-            <p:txBody>
-              <a:bodyPr/>
-              <a:lstStyle/>
-              <a:p>
-                <a:endParaRPr lang="en-US"/>
-              </a:p>
-            </p:txBody>
-          </p:sp>
-          <p:sp>
-            <p:nvSpPr>
-              <p:cNvPr id="369681" name="Line 17"/>
-              <p:cNvSpPr>
-                <a:spLocks noChangeShapeType="1"/>
-              </p:cNvSpPr>
-              <p:nvPr/>
-            </p:nvSpPr>
-            <p:spPr bwMode="auto">
-              <a:xfrm>
-                <a:off x="1272" y="3328"/>
-                <a:ext cx="0" cy="464"/>
-              </a:xfrm>
-              <a:prstGeom prst="line">
-                <a:avLst/>
-              </a:prstGeom>
-              <a:noFill/>
-              <a:ln w="76200">
-                <a:solidFill>
-                  <a:srgbClr val="008000"/>
-                </a:solidFill>
-                <a:round/>
-                <a:headEnd/>
-                <a:tailEnd type="none" w="lg" len="lg"/>
-              </a:ln>
-              <a:effectLst/>
-            </p:spPr>
-            <p:txBody>
-              <a:bodyPr/>
-              <a:lstStyle/>
-              <a:p>
-                <a:endParaRPr lang="en-US"/>
-              </a:p>
-            </p:txBody>
-          </p:sp>
-          <p:cxnSp>
-            <p:nvCxnSpPr>
-              <p:cNvPr id="369682" name="AutoShape 18"/>
-              <p:cNvCxnSpPr>
-                <a:cxnSpLocks noChangeShapeType="1"/>
-                <a:stCxn id="369680" idx="1"/>
-                <a:endCxn id="369681" idx="1"/>
-              </p:cNvCxnSpPr>
-              <p:nvPr/>
-            </p:nvCxnSpPr>
-            <p:spPr bwMode="auto">
-              <a:xfrm flipV="1">
-                <a:off x="768" y="3816"/>
-                <a:ext cx="504" cy="8"/>
-              </a:xfrm>
-              <a:prstGeom prst="straightConnector1">
-                <a:avLst/>
-              </a:prstGeom>
-              <a:noFill/>
-              <a:ln w="76200">
-                <a:solidFill>
-                  <a:srgbClr val="008000"/>
-                </a:solidFill>
-                <a:round/>
-                <a:headEnd/>
-                <a:tailEnd type="none" w="lg" len="lg"/>
-              </a:ln>
-              <a:effectLst/>
-            </p:spPr>
-          </p:cxnSp>
-        </p:grpSp>
-        <p:grpSp>
-          <p:nvGrpSpPr>
-            <p:cNvPr id="6" name="Group 19"/>
-            <p:cNvGrpSpPr>
-              <a:grpSpLocks/>
-            </p:cNvGrpSpPr>
-            <p:nvPr/>
-          </p:nvGrpSpPr>
-          <p:grpSpPr bwMode="auto">
-            <a:xfrm>
-              <a:off x="3160" y="3136"/>
-              <a:ext cx="1088" cy="696"/>
-              <a:chOff x="768" y="3328"/>
-              <a:chExt cx="504" cy="496"/>
-            </a:xfrm>
-          </p:grpSpPr>
-          <p:sp>
-            <p:nvSpPr>
-              <p:cNvPr id="369684" name="Line 20"/>
-              <p:cNvSpPr>
-                <a:spLocks noChangeShapeType="1"/>
-              </p:cNvSpPr>
-              <p:nvPr/>
-            </p:nvSpPr>
-            <p:spPr bwMode="auto">
-              <a:xfrm>
-                <a:off x="768" y="3336"/>
-                <a:ext cx="0" cy="464"/>
-              </a:xfrm>
-              <a:prstGeom prst="line">
-                <a:avLst/>
-              </a:prstGeom>
-              <a:noFill/>
-              <a:ln w="76200">
-                <a:solidFill>
-                  <a:srgbClr val="008000"/>
-                </a:solidFill>
-                <a:round/>
-                <a:headEnd/>
-                <a:tailEnd type="none" w="lg" len="lg"/>
-              </a:ln>
-              <a:effectLst/>
-            </p:spPr>
-            <p:txBody>
-              <a:bodyPr/>
-              <a:lstStyle/>
-              <a:p>
-                <a:endParaRPr lang="en-US"/>
-              </a:p>
-            </p:txBody>
-          </p:sp>
-          <p:sp>
-            <p:nvSpPr>
-              <p:cNvPr id="369685" name="Line 21"/>
-              <p:cNvSpPr>
-                <a:spLocks noChangeShapeType="1"/>
-              </p:cNvSpPr>
-              <p:nvPr/>
-            </p:nvSpPr>
-            <p:spPr bwMode="auto">
-              <a:xfrm>
-                <a:off x="1272" y="3328"/>
-                <a:ext cx="0" cy="464"/>
-              </a:xfrm>
-              <a:prstGeom prst="line">
-                <a:avLst/>
-              </a:prstGeom>
-              <a:noFill/>
-              <a:ln w="76200">
-                <a:solidFill>
-                  <a:srgbClr val="008000"/>
-                </a:solidFill>
-                <a:round/>
-                <a:headEnd/>
-                <a:tailEnd type="none" w="lg" len="lg"/>
-              </a:ln>
-              <a:effectLst/>
-            </p:spPr>
-            <p:txBody>
-              <a:bodyPr/>
-              <a:lstStyle/>
-              <a:p>
-                <a:endParaRPr lang="en-US"/>
-              </a:p>
-            </p:txBody>
-          </p:sp>
-          <p:cxnSp>
-            <p:nvCxnSpPr>
-              <p:cNvPr id="369686" name="AutoShape 22"/>
-              <p:cNvCxnSpPr>
-                <a:cxnSpLocks noChangeShapeType="1"/>
-                <a:stCxn id="369684" idx="1"/>
-                <a:endCxn id="369685" idx="1"/>
-              </p:cNvCxnSpPr>
-              <p:nvPr/>
-            </p:nvCxnSpPr>
-            <p:spPr bwMode="auto">
-              <a:xfrm flipV="1">
-                <a:off x="768" y="3816"/>
-                <a:ext cx="504" cy="8"/>
-              </a:xfrm>
-              <a:prstGeom prst="straightConnector1">
-                <a:avLst/>
-              </a:prstGeom>
-              <a:noFill/>
-              <a:ln w="76200">
-                <a:solidFill>
-                  <a:srgbClr val="008000"/>
-                </a:solidFill>
-                <a:round/>
-                <a:headEnd/>
-                <a:tailEnd type="none" w="lg" len="lg"/>
-              </a:ln>
-              <a:effectLst/>
-            </p:spPr>
-          </p:cxnSp>
-        </p:grpSp>
-        <p:grpSp>
-          <p:nvGrpSpPr>
-            <p:cNvPr id="7" name="Group 23"/>
-            <p:cNvGrpSpPr>
-              <a:grpSpLocks/>
-            </p:cNvGrpSpPr>
-            <p:nvPr/>
-          </p:nvGrpSpPr>
-          <p:grpSpPr bwMode="auto">
-            <a:xfrm>
-              <a:off x="4456" y="3144"/>
-              <a:ext cx="1088" cy="696"/>
-              <a:chOff x="768" y="3328"/>
-              <a:chExt cx="504" cy="496"/>
-            </a:xfrm>
-          </p:grpSpPr>
-          <p:sp>
-            <p:nvSpPr>
-              <p:cNvPr id="369688" name="Line 24"/>
-              <p:cNvSpPr>
-                <a:spLocks noChangeShapeType="1"/>
-              </p:cNvSpPr>
-              <p:nvPr/>
-            </p:nvSpPr>
-            <p:spPr bwMode="auto">
-              <a:xfrm>
-                <a:off x="768" y="3336"/>
-                <a:ext cx="0" cy="464"/>
-              </a:xfrm>
-              <a:prstGeom prst="line">
-                <a:avLst/>
-              </a:prstGeom>
-              <a:noFill/>
-              <a:ln w="76200">
-                <a:solidFill>
-                  <a:srgbClr val="008000"/>
-                </a:solidFill>
-                <a:round/>
-                <a:headEnd/>
-                <a:tailEnd type="none" w="lg" len="lg"/>
-              </a:ln>
-              <a:effectLst/>
-            </p:spPr>
-            <p:txBody>
-              <a:bodyPr/>
-              <a:lstStyle/>
-              <a:p>
-                <a:endParaRPr lang="en-US"/>
-              </a:p>
-            </p:txBody>
-          </p:sp>
-          <p:sp>
-            <p:nvSpPr>
-              <p:cNvPr id="369689" name="Line 25"/>
-              <p:cNvSpPr>
-                <a:spLocks noChangeShapeType="1"/>
-              </p:cNvSpPr>
-              <p:nvPr/>
-            </p:nvSpPr>
-            <p:spPr bwMode="auto">
-              <a:xfrm>
-                <a:off x="1272" y="3328"/>
-                <a:ext cx="0" cy="464"/>
-              </a:xfrm>
-              <a:prstGeom prst="line">
-                <a:avLst/>
-              </a:prstGeom>
-              <a:noFill/>
-              <a:ln w="76200">
-                <a:solidFill>
-                  <a:srgbClr val="008000"/>
-                </a:solidFill>
-                <a:round/>
-                <a:headEnd/>
-                <a:tailEnd type="none" w="lg" len="lg"/>
-              </a:ln>
-              <a:effectLst/>
-            </p:spPr>
-            <p:txBody>
-              <a:bodyPr/>
-              <a:lstStyle/>
-              <a:p>
-                <a:endParaRPr lang="en-US"/>
-              </a:p>
-            </p:txBody>
-          </p:sp>
-          <p:cxnSp>
-            <p:nvCxnSpPr>
-              <p:cNvPr id="369690" name="AutoShape 26"/>
-              <p:cNvCxnSpPr>
-                <a:cxnSpLocks noChangeShapeType="1"/>
-                <a:stCxn id="369688" idx="1"/>
-                <a:endCxn id="369689" idx="1"/>
-              </p:cNvCxnSpPr>
-              <p:nvPr/>
-            </p:nvCxnSpPr>
-            <p:spPr bwMode="auto">
-              <a:xfrm flipV="1">
-                <a:off x="768" y="3816"/>
-                <a:ext cx="504" cy="8"/>
-              </a:xfrm>
-              <a:prstGeom prst="straightConnector1">
-                <a:avLst/>
-              </a:prstGeom>
-              <a:noFill/>
-              <a:ln w="76200">
-                <a:solidFill>
-                  <a:srgbClr val="008000"/>
-                </a:solidFill>
-                <a:round/>
-                <a:headEnd/>
-                <a:tailEnd type="none" w="lg" len="lg"/>
-              </a:ln>
-              <a:effectLst/>
-            </p:spPr>
-          </p:cxnSp>
-        </p:grpSp>
-      </p:grpSp>
-    </p:spTree>
-  </p:cSld>
-  <p:clrMapOvr>
-    <a:masterClrMapping/>
-  </p:clrMapOvr>
-  <p:transition xmlns:p14="http://schemas.microsoft.com/office/powerpoint/2010/main"/>
-  <p:timing>
-    <p:tnLst>
-      <p:par>
-        <p:cTn xmlns:p14="http://schemas.microsoft.com/office/powerpoint/2010/main" id="1" dur="indefinite" restart="never" nodeType="tmRoot"/>
-      </p:par>
-    </p:tnLst>
-  </p:timing>
-</p:sld>
-</file>
-
-<file path=ppt/slides/slide31.xml><?xml version="1.0" encoding="utf-8"?>
-<p:sld xmlns:a="http://schemas.openxmlformats.org/drawingml/2006/main" xmlns:r="http://schemas.openxmlformats.org/officeDocument/2006/relationships" xmlns:p="http://schemas.openxmlformats.org/presentationml/2006/main" show="0">
-  <p:cSld>
-    <p:spTree>
-      <p:nvGrpSpPr>
-        <p:cNvPr id="1" name=""/>
-        <p:cNvGrpSpPr/>
-        <p:nvPr/>
-      </p:nvGrpSpPr>
-      <p:grpSpPr>
-        <a:xfrm>
-          <a:off x="0" y="0"/>
-          <a:ext cx="0" cy="0"/>
-          <a:chOff x="0" y="0"/>
-          <a:chExt cx="0" cy="0"/>
-        </a:xfrm>
-      </p:grpSpPr>
-      <p:sp>
-        <p:nvSpPr>
-          <p:cNvPr id="26" name="Slide Number Placeholder 3"/>
-          <p:cNvSpPr>
-            <a:spLocks noGrp="1"/>
-          </p:cNvSpPr>
-          <p:nvPr>
-            <p:ph type="sldNum" sz="quarter" idx="10"/>
-          </p:nvPr>
-        </p:nvSpPr>
-        <p:spPr/>
-        <p:txBody>
-          <a:bodyPr/>
-          <a:lstStyle/>
-          <a:p>
-            <a:r>
-              <a:rPr lang="en-US" dirty="0" err="1" smtClean="0"/>
-              <a:t>lec</a:t>
-            </a:r>
-            <a:r>
-              <a:rPr lang="en-US" dirty="0" smtClean="0"/>
-              <a:t> </a:t>
-            </a:r>
-            <a:r>
-              <a:rPr lang="en-US" dirty="0" smtClean="0"/>
-              <a:t>10W.</a:t>
-            </a:r>
-            <a:fld id="{64FB21FE-007D-46D2-81F9-0E7997E4EF8F}" type="slidenum">
-              <a:rPr lang="en-US" smtClean="0"/>
-              <a:pPr/>
-              <a:t>31</a:t>
-            </a:fld>
-            <a:endParaRPr lang="en-US" dirty="0"/>
-          </a:p>
-        </p:txBody>
-      </p:sp>
-      <p:sp>
-        <p:nvSpPr>
-          <p:cNvPr id="370690" name="Rectangle 2"/>
-          <p:cNvSpPr>
-            <a:spLocks noGrp="1" noChangeArrowheads="1"/>
-          </p:cNvSpPr>
-          <p:nvPr>
-            <p:ph type="title"/>
-          </p:nvPr>
-        </p:nvSpPr>
-        <p:spPr/>
-        <p:txBody>
-          <a:bodyPr/>
-          <a:lstStyle/>
-          <a:p>
-            <a:r>
-              <a:rPr lang="en-US"/>
-              <a:t>Pigeonhole Principle</a:t>
-            </a:r>
-          </a:p>
-        </p:txBody>
-      </p:sp>
-      <p:sp>
-        <p:nvSpPr>
-          <p:cNvPr id="370691" name="Rectangle 3"/>
-          <p:cNvSpPr>
-            <a:spLocks noGrp="1" noChangeArrowheads="1"/>
-          </p:cNvSpPr>
-          <p:nvPr>
-            <p:ph type="body" idx="1"/>
-          </p:nvPr>
-        </p:nvSpPr>
-        <p:spPr>
-          <a:xfrm>
-            <a:off x="533399" y="1447800"/>
-            <a:ext cx="8153401" cy="2362200"/>
-          </a:xfrm>
-        </p:spPr>
-        <p:txBody>
-          <a:bodyPr/>
-          <a:lstStyle/>
-          <a:p>
-            <a:pPr>
-              <a:buFontTx/>
-              <a:buNone/>
-            </a:pPr>
-            <a:r>
-              <a:rPr lang="en-US" sz="6000" dirty="0"/>
-              <a:t>then </a:t>
-            </a:r>
-            <a:r>
-              <a:rPr lang="en-US" sz="6000" dirty="0">
-                <a:solidFill>
-                  <a:srgbClr val="3333CC"/>
-                </a:solidFill>
-              </a:rPr>
-              <a:t>some hole </a:t>
-            </a:r>
-            <a:r>
-              <a:rPr lang="en-US" sz="6000" dirty="0"/>
-              <a:t>must have</a:t>
-            </a:r>
-            <a:r>
-              <a:rPr lang="en-US" sz="6000" dirty="0" smtClean="0"/>
-              <a:t> </a:t>
-            </a:r>
-            <a:r>
-              <a:rPr lang="en-US" sz="6000" b="1" dirty="0" smtClean="0">
-                <a:solidFill>
-                  <a:srgbClr val="008000"/>
-                </a:solidFill>
-                <a:latin typeface="Euclid Symbol" charset="2"/>
-                <a:cs typeface="Euclid Symbol" charset="2"/>
-              </a:rPr>
-              <a:t>≥</a:t>
-            </a:r>
-            <a:r>
-              <a:rPr lang="en-US" sz="6000" dirty="0" smtClean="0"/>
-              <a:t> </a:t>
-            </a:r>
-            <a:r>
-              <a:rPr lang="en-US" sz="6000" dirty="0">
-                <a:solidFill>
-                  <a:srgbClr val="008000"/>
-                </a:solidFill>
-              </a:rPr>
-              <a:t>two</a:t>
-            </a:r>
-            <a:r>
-              <a:rPr lang="en-US" sz="6000" dirty="0"/>
-              <a:t> pigeons!</a:t>
-            </a:r>
-          </a:p>
-        </p:txBody>
-      </p:sp>
-      <p:grpSp>
-        <p:nvGrpSpPr>
-          <p:cNvPr id="2" name="Group 4"/>
-          <p:cNvGrpSpPr>
-            <a:grpSpLocks/>
-          </p:cNvGrpSpPr>
-          <p:nvPr/>
-        </p:nvGrpSpPr>
-        <p:grpSpPr bwMode="auto">
-          <a:xfrm>
-            <a:off x="635000" y="3937000"/>
-            <a:ext cx="7823200" cy="1625600"/>
-            <a:chOff x="616" y="2744"/>
-            <a:chExt cx="4928" cy="1024"/>
-          </a:xfrm>
-        </p:grpSpPr>
-        <p:grpSp>
-          <p:nvGrpSpPr>
-            <p:cNvPr id="3" name="Group 5"/>
-            <p:cNvGrpSpPr>
-              <a:grpSpLocks/>
-            </p:cNvGrpSpPr>
-            <p:nvPr/>
-          </p:nvGrpSpPr>
-          <p:grpSpPr bwMode="auto">
-            <a:xfrm>
-              <a:off x="616" y="3072"/>
-              <a:ext cx="1088" cy="696"/>
-              <a:chOff x="768" y="3328"/>
-              <a:chExt cx="504" cy="496"/>
-            </a:xfrm>
-          </p:grpSpPr>
-          <p:sp>
-            <p:nvSpPr>
-              <p:cNvPr id="370694" name="Line 6"/>
-              <p:cNvSpPr>
-                <a:spLocks noChangeShapeType="1"/>
-              </p:cNvSpPr>
-              <p:nvPr/>
-            </p:nvSpPr>
-            <p:spPr bwMode="auto">
-              <a:xfrm>
-                <a:off x="768" y="3336"/>
-                <a:ext cx="0" cy="464"/>
-              </a:xfrm>
-              <a:prstGeom prst="line">
-                <a:avLst/>
-              </a:prstGeom>
-              <a:noFill/>
-              <a:ln w="76200">
-                <a:solidFill>
-                  <a:srgbClr val="008000"/>
-                </a:solidFill>
-                <a:round/>
-                <a:headEnd/>
-                <a:tailEnd type="none" w="lg" len="lg"/>
-              </a:ln>
-              <a:effectLst/>
-            </p:spPr>
-            <p:txBody>
-              <a:bodyPr/>
-              <a:lstStyle/>
-              <a:p>
-                <a:endParaRPr lang="en-US"/>
-              </a:p>
-            </p:txBody>
-          </p:sp>
-          <p:sp>
-            <p:nvSpPr>
-              <p:cNvPr id="370695" name="Line 7"/>
-              <p:cNvSpPr>
-                <a:spLocks noChangeShapeType="1"/>
-              </p:cNvSpPr>
-              <p:nvPr/>
-            </p:nvSpPr>
-            <p:spPr bwMode="auto">
-              <a:xfrm>
-                <a:off x="1272" y="3328"/>
-                <a:ext cx="0" cy="464"/>
-              </a:xfrm>
-              <a:prstGeom prst="line">
-                <a:avLst/>
-              </a:prstGeom>
-              <a:noFill/>
-              <a:ln w="76200">
-                <a:solidFill>
-                  <a:srgbClr val="008000"/>
-                </a:solidFill>
-                <a:round/>
-                <a:headEnd/>
-                <a:tailEnd type="none" w="lg" len="lg"/>
-              </a:ln>
-              <a:effectLst/>
-            </p:spPr>
-            <p:txBody>
-              <a:bodyPr/>
-              <a:lstStyle/>
-              <a:p>
-                <a:endParaRPr lang="en-US"/>
-              </a:p>
-            </p:txBody>
-          </p:sp>
-          <p:cxnSp>
-            <p:nvCxnSpPr>
-              <p:cNvPr id="370696" name="AutoShape 8"/>
-              <p:cNvCxnSpPr>
-                <a:cxnSpLocks noChangeShapeType="1"/>
-                <a:stCxn id="370694" idx="1"/>
-                <a:endCxn id="370695" idx="1"/>
-              </p:cNvCxnSpPr>
-              <p:nvPr/>
-            </p:nvCxnSpPr>
-            <p:spPr bwMode="auto">
-              <a:xfrm flipV="1">
-                <a:off x="768" y="3816"/>
-                <a:ext cx="504" cy="8"/>
-              </a:xfrm>
-              <a:prstGeom prst="straightConnector1">
-                <a:avLst/>
-              </a:prstGeom>
-              <a:noFill/>
-              <a:ln w="76200">
-                <a:solidFill>
-                  <a:srgbClr val="008000"/>
-                </a:solidFill>
-                <a:round/>
-                <a:headEnd/>
-                <a:tailEnd type="none" w="lg" len="lg"/>
-              </a:ln>
-              <a:effectLst/>
-            </p:spPr>
-          </p:cxnSp>
-        </p:grpSp>
-        <p:grpSp>
-          <p:nvGrpSpPr>
-            <p:cNvPr id="4" name="Group 9"/>
-            <p:cNvGrpSpPr>
-              <a:grpSpLocks/>
-            </p:cNvGrpSpPr>
-            <p:nvPr/>
-          </p:nvGrpSpPr>
-          <p:grpSpPr bwMode="auto">
-            <a:xfrm>
-              <a:off x="1896" y="3072"/>
-              <a:ext cx="1088" cy="696"/>
-              <a:chOff x="768" y="3328"/>
-              <a:chExt cx="504" cy="496"/>
-            </a:xfrm>
-          </p:grpSpPr>
-          <p:sp>
-            <p:nvSpPr>
-              <p:cNvPr id="370698" name="Line 10"/>
-              <p:cNvSpPr>
-                <a:spLocks noChangeShapeType="1"/>
-              </p:cNvSpPr>
-              <p:nvPr/>
-            </p:nvSpPr>
-            <p:spPr bwMode="auto">
-              <a:xfrm>
-                <a:off x="768" y="3336"/>
-                <a:ext cx="0" cy="464"/>
-              </a:xfrm>
-              <a:prstGeom prst="line">
-                <a:avLst/>
-              </a:prstGeom>
-              <a:noFill/>
-              <a:ln w="76200">
-                <a:solidFill>
-                  <a:srgbClr val="008000"/>
-                </a:solidFill>
-                <a:round/>
-                <a:headEnd/>
-                <a:tailEnd type="none" w="lg" len="lg"/>
-              </a:ln>
-              <a:effectLst/>
-            </p:spPr>
-            <p:txBody>
-              <a:bodyPr/>
-              <a:lstStyle/>
-              <a:p>
-                <a:endParaRPr lang="en-US"/>
-              </a:p>
-            </p:txBody>
-          </p:sp>
-          <p:sp>
-            <p:nvSpPr>
-              <p:cNvPr id="370699" name="Line 11"/>
-              <p:cNvSpPr>
-                <a:spLocks noChangeShapeType="1"/>
-              </p:cNvSpPr>
-              <p:nvPr/>
-            </p:nvSpPr>
-            <p:spPr bwMode="auto">
-              <a:xfrm>
-                <a:off x="1272" y="3328"/>
-                <a:ext cx="0" cy="464"/>
-              </a:xfrm>
-              <a:prstGeom prst="line">
-                <a:avLst/>
-              </a:prstGeom>
-              <a:noFill/>
-              <a:ln w="76200">
-                <a:solidFill>
-                  <a:srgbClr val="008000"/>
-                </a:solidFill>
-                <a:round/>
-                <a:headEnd/>
-                <a:tailEnd type="none" w="lg" len="lg"/>
-              </a:ln>
-              <a:effectLst/>
-            </p:spPr>
-            <p:txBody>
-              <a:bodyPr/>
-              <a:lstStyle/>
-              <a:p>
-                <a:endParaRPr lang="en-US"/>
-              </a:p>
-            </p:txBody>
-          </p:sp>
-          <p:cxnSp>
-            <p:nvCxnSpPr>
-              <p:cNvPr id="370700" name="AutoShape 12"/>
-              <p:cNvCxnSpPr>
-                <a:cxnSpLocks noChangeShapeType="1"/>
-                <a:stCxn id="370698" idx="1"/>
-                <a:endCxn id="370699" idx="1"/>
-              </p:cNvCxnSpPr>
-              <p:nvPr/>
-            </p:nvCxnSpPr>
-            <p:spPr bwMode="auto">
-              <a:xfrm flipV="1">
-                <a:off x="768" y="3816"/>
-                <a:ext cx="504" cy="8"/>
-              </a:xfrm>
-              <a:prstGeom prst="straightConnector1">
-                <a:avLst/>
-              </a:prstGeom>
-              <a:noFill/>
-              <a:ln w="76200">
-                <a:solidFill>
-                  <a:srgbClr val="008000"/>
-                </a:solidFill>
-                <a:round/>
-                <a:headEnd/>
-                <a:tailEnd type="none" w="lg" len="lg"/>
-              </a:ln>
-              <a:effectLst/>
-            </p:spPr>
-          </p:cxnSp>
-        </p:grpSp>
-        <p:grpSp>
-          <p:nvGrpSpPr>
-            <p:cNvPr id="5" name="Group 13"/>
-            <p:cNvGrpSpPr>
-              <a:grpSpLocks/>
-            </p:cNvGrpSpPr>
-            <p:nvPr/>
-          </p:nvGrpSpPr>
-          <p:grpSpPr bwMode="auto">
-            <a:xfrm>
-              <a:off x="3160" y="3064"/>
-              <a:ext cx="1088" cy="696"/>
-              <a:chOff x="768" y="3328"/>
-              <a:chExt cx="504" cy="496"/>
-            </a:xfrm>
-          </p:grpSpPr>
-          <p:sp>
-            <p:nvSpPr>
-              <p:cNvPr id="370702" name="Line 14"/>
-              <p:cNvSpPr>
-                <a:spLocks noChangeShapeType="1"/>
-              </p:cNvSpPr>
-              <p:nvPr/>
-            </p:nvSpPr>
-            <p:spPr bwMode="auto">
-              <a:xfrm>
-                <a:off x="768" y="3336"/>
-                <a:ext cx="0" cy="464"/>
-              </a:xfrm>
-              <a:prstGeom prst="line">
-                <a:avLst/>
-              </a:prstGeom>
-              <a:noFill/>
-              <a:ln w="76200">
-                <a:solidFill>
-                  <a:srgbClr val="008000"/>
-                </a:solidFill>
-                <a:round/>
-                <a:headEnd/>
-                <a:tailEnd type="none" w="lg" len="lg"/>
-              </a:ln>
-              <a:effectLst/>
-            </p:spPr>
-            <p:txBody>
-              <a:bodyPr/>
-              <a:lstStyle/>
-              <a:p>
-                <a:endParaRPr lang="en-US"/>
-              </a:p>
-            </p:txBody>
-          </p:sp>
-          <p:sp>
-            <p:nvSpPr>
-              <p:cNvPr id="370703" name="Line 15"/>
-              <p:cNvSpPr>
-                <a:spLocks noChangeShapeType="1"/>
-              </p:cNvSpPr>
-              <p:nvPr/>
-            </p:nvSpPr>
-            <p:spPr bwMode="auto">
-              <a:xfrm>
-                <a:off x="1272" y="3328"/>
-                <a:ext cx="0" cy="464"/>
-              </a:xfrm>
-              <a:prstGeom prst="line">
-                <a:avLst/>
-              </a:prstGeom>
-              <a:noFill/>
-              <a:ln w="76200">
-                <a:solidFill>
-                  <a:srgbClr val="008000"/>
-                </a:solidFill>
-                <a:round/>
-                <a:headEnd/>
-                <a:tailEnd type="none" w="lg" len="lg"/>
-              </a:ln>
-              <a:effectLst/>
-            </p:spPr>
-            <p:txBody>
-              <a:bodyPr/>
-              <a:lstStyle/>
-              <a:p>
-                <a:endParaRPr lang="en-US"/>
-              </a:p>
-            </p:txBody>
-          </p:sp>
-          <p:cxnSp>
-            <p:nvCxnSpPr>
-              <p:cNvPr id="370704" name="AutoShape 16"/>
-              <p:cNvCxnSpPr>
-                <a:cxnSpLocks noChangeShapeType="1"/>
-                <a:stCxn id="370702" idx="1"/>
-                <a:endCxn id="370703" idx="1"/>
-              </p:cNvCxnSpPr>
-              <p:nvPr/>
-            </p:nvCxnSpPr>
-            <p:spPr bwMode="auto">
-              <a:xfrm flipV="1">
-                <a:off x="768" y="3816"/>
-                <a:ext cx="504" cy="8"/>
-              </a:xfrm>
-              <a:prstGeom prst="straightConnector1">
-                <a:avLst/>
-              </a:prstGeom>
-              <a:noFill/>
-              <a:ln w="76200">
-                <a:solidFill>
-                  <a:srgbClr val="008000"/>
-                </a:solidFill>
-                <a:round/>
-                <a:headEnd/>
-                <a:tailEnd type="none" w="lg" len="lg"/>
-              </a:ln>
-              <a:effectLst/>
-            </p:spPr>
-          </p:cxnSp>
-        </p:grpSp>
-        <p:grpSp>
-          <p:nvGrpSpPr>
-            <p:cNvPr id="6" name="Group 17"/>
-            <p:cNvGrpSpPr>
-              <a:grpSpLocks/>
-            </p:cNvGrpSpPr>
-            <p:nvPr/>
-          </p:nvGrpSpPr>
-          <p:grpSpPr bwMode="auto">
-            <a:xfrm>
-              <a:off x="4456" y="3072"/>
-              <a:ext cx="1088" cy="696"/>
-              <a:chOff x="768" y="3328"/>
-              <a:chExt cx="504" cy="496"/>
-            </a:xfrm>
-          </p:grpSpPr>
-          <p:sp>
-            <p:nvSpPr>
-              <p:cNvPr id="370706" name="Line 18"/>
-              <p:cNvSpPr>
-                <a:spLocks noChangeShapeType="1"/>
-              </p:cNvSpPr>
-              <p:nvPr/>
-            </p:nvSpPr>
-            <p:spPr bwMode="auto">
-              <a:xfrm>
-                <a:off x="768" y="3336"/>
-                <a:ext cx="0" cy="464"/>
-              </a:xfrm>
-              <a:prstGeom prst="line">
-                <a:avLst/>
-              </a:prstGeom>
-              <a:noFill/>
-              <a:ln w="76200">
-                <a:solidFill>
-                  <a:srgbClr val="008000"/>
-                </a:solidFill>
-                <a:round/>
-                <a:headEnd/>
-                <a:tailEnd type="none" w="lg" len="lg"/>
-              </a:ln>
-              <a:effectLst/>
-            </p:spPr>
-            <p:txBody>
-              <a:bodyPr/>
-              <a:lstStyle/>
-              <a:p>
-                <a:endParaRPr lang="en-US"/>
-              </a:p>
-            </p:txBody>
-          </p:sp>
-          <p:sp>
-            <p:nvSpPr>
-              <p:cNvPr id="370707" name="Line 19"/>
-              <p:cNvSpPr>
-                <a:spLocks noChangeShapeType="1"/>
-              </p:cNvSpPr>
-              <p:nvPr/>
-            </p:nvSpPr>
-            <p:spPr bwMode="auto">
-              <a:xfrm>
-                <a:off x="1272" y="3328"/>
-                <a:ext cx="0" cy="464"/>
-              </a:xfrm>
-              <a:prstGeom prst="line">
-                <a:avLst/>
-              </a:prstGeom>
-              <a:noFill/>
-              <a:ln w="76200">
-                <a:solidFill>
-                  <a:srgbClr val="008000"/>
-                </a:solidFill>
-                <a:round/>
-                <a:headEnd/>
-                <a:tailEnd type="none" w="lg" len="lg"/>
-              </a:ln>
-              <a:effectLst/>
-            </p:spPr>
-            <p:txBody>
-              <a:bodyPr/>
-              <a:lstStyle/>
-              <a:p>
-                <a:endParaRPr lang="en-US"/>
-              </a:p>
-            </p:txBody>
-          </p:sp>
-          <p:cxnSp>
-            <p:nvCxnSpPr>
-              <p:cNvPr id="370708" name="AutoShape 20"/>
-              <p:cNvCxnSpPr>
-                <a:cxnSpLocks noChangeShapeType="1"/>
-                <a:stCxn id="370706" idx="1"/>
-                <a:endCxn id="370707" idx="1"/>
-              </p:cNvCxnSpPr>
-              <p:nvPr/>
-            </p:nvCxnSpPr>
-            <p:spPr bwMode="auto">
-              <a:xfrm flipV="1">
-                <a:off x="768" y="3816"/>
-                <a:ext cx="504" cy="8"/>
-              </a:xfrm>
-              <a:prstGeom prst="straightConnector1">
-                <a:avLst/>
-              </a:prstGeom>
-              <a:noFill/>
-              <a:ln w="76200">
-                <a:solidFill>
-                  <a:srgbClr val="008000"/>
-                </a:solidFill>
-                <a:round/>
-                <a:headEnd/>
-                <a:tailEnd type="none" w="lg" len="lg"/>
-              </a:ln>
-              <a:effectLst/>
-            </p:spPr>
-          </p:cxnSp>
-        </p:grpSp>
-        <p:pic>
-          <p:nvPicPr>
-            <p:cNvPr id="370709" name="Picture 21" descr="j0109541[1]"/>
-            <p:cNvPicPr>
-              <a:picLocks noChangeAspect="1" noChangeArrowheads="1"/>
-            </p:cNvPicPr>
-            <p:nvPr/>
-          </p:nvPicPr>
-          <p:blipFill>
-            <a:blip r:embed="rId3"/>
-            <a:srcRect/>
-            <a:stretch>
-              <a:fillRect/>
-            </a:stretch>
-          </p:blipFill>
-          <p:spPr bwMode="auto">
-            <a:xfrm>
-              <a:off x="660" y="3216"/>
-              <a:ext cx="1005" cy="504"/>
-            </a:xfrm>
-            <a:prstGeom prst="rect">
-              <a:avLst/>
-            </a:prstGeom>
-            <a:noFill/>
-          </p:spPr>
-        </p:pic>
-        <p:pic>
-          <p:nvPicPr>
-            <p:cNvPr id="370710" name="Picture 22" descr="j0109541[1]"/>
-            <p:cNvPicPr>
-              <a:picLocks noChangeAspect="1" noChangeArrowheads="1"/>
-            </p:cNvPicPr>
-            <p:nvPr/>
-          </p:nvPicPr>
-          <p:blipFill>
-            <a:blip r:embed="rId3"/>
-            <a:srcRect/>
-            <a:stretch>
-              <a:fillRect/>
-            </a:stretch>
-          </p:blipFill>
-          <p:spPr bwMode="auto">
-            <a:xfrm>
-              <a:off x="1932" y="3232"/>
-              <a:ext cx="1005" cy="504"/>
-            </a:xfrm>
-            <a:prstGeom prst="rect">
-              <a:avLst/>
-            </a:prstGeom>
-            <a:noFill/>
-          </p:spPr>
-        </p:pic>
-        <p:pic>
-          <p:nvPicPr>
-            <p:cNvPr id="370711" name="Picture 23" descr="j0109541[1]"/>
-            <p:cNvPicPr>
-              <a:picLocks noChangeAspect="1" noChangeArrowheads="1"/>
-            </p:cNvPicPr>
-            <p:nvPr/>
-          </p:nvPicPr>
-          <p:blipFill>
-            <a:blip r:embed="rId3"/>
-            <a:srcRect/>
-            <a:stretch>
-              <a:fillRect/>
-            </a:stretch>
-          </p:blipFill>
-          <p:spPr bwMode="auto">
-            <a:xfrm>
-              <a:off x="1932" y="2744"/>
-              <a:ext cx="1005" cy="504"/>
-            </a:xfrm>
-            <a:prstGeom prst="rect">
-              <a:avLst/>
-            </a:prstGeom>
-            <a:noFill/>
-          </p:spPr>
-        </p:pic>
-        <p:pic>
-          <p:nvPicPr>
-            <p:cNvPr id="370712" name="Picture 24" descr="j0109541[1]"/>
-            <p:cNvPicPr>
-              <a:picLocks noChangeAspect="1" noChangeArrowheads="1"/>
-            </p:cNvPicPr>
-            <p:nvPr/>
-          </p:nvPicPr>
-          <p:blipFill>
-            <a:blip r:embed="rId3"/>
-            <a:srcRect/>
-            <a:stretch>
-              <a:fillRect/>
-            </a:stretch>
-          </p:blipFill>
-          <p:spPr bwMode="auto">
-            <a:xfrm>
-              <a:off x="3212" y="3168"/>
-              <a:ext cx="1005" cy="504"/>
-            </a:xfrm>
-            <a:prstGeom prst="rect">
-              <a:avLst/>
-            </a:prstGeom>
-            <a:noFill/>
-          </p:spPr>
-        </p:pic>
-        <p:pic>
-          <p:nvPicPr>
-            <p:cNvPr id="370713" name="Picture 25" descr="j0109541[1]"/>
-            <p:cNvPicPr>
-              <a:picLocks noChangeAspect="1" noChangeArrowheads="1"/>
-            </p:cNvPicPr>
-            <p:nvPr/>
-          </p:nvPicPr>
-          <p:blipFill>
-            <a:blip r:embed="rId3"/>
-            <a:srcRect/>
-            <a:stretch>
-              <a:fillRect/>
-            </a:stretch>
-          </p:blipFill>
-          <p:spPr bwMode="auto">
-            <a:xfrm>
-              <a:off x="4491" y="3200"/>
-              <a:ext cx="1005" cy="504"/>
-            </a:xfrm>
-            <a:prstGeom prst="rect">
-              <a:avLst/>
-            </a:prstGeom>
-            <a:noFill/>
-          </p:spPr>
-        </p:pic>
-      </p:grpSp>
-    </p:spTree>
-  </p:cSld>
-  <p:clrMapOvr>
-    <a:masterClrMapping/>
-  </p:clrMapOvr>
-  <p:transition xmlns:p14="http://schemas.microsoft.com/office/powerpoint/2010/main">
-    <p:fade/>
-  </p:transition>
-  <p:timing>
-    <p:tnLst>
-      <p:par>
-        <p:cTn xmlns:p14="http://schemas.microsoft.com/office/powerpoint/2010/main" id="1" dur="indefinite" restart="never" nodeType="tmRoot">
-          <p:childTnLst>
-            <p:seq concurrent="1" nextAc="seek">
-              <p:cTn id="2" dur="indefinite" nodeType="mainSeq">
-                <p:childTnLst>
-                  <p:par>
-                    <p:cTn id="3" fill="hold">
-                      <p:stCondLst>
-                        <p:cond delay="indefinite"/>
-                        <p:cond evt="onBegin" delay="0">
-                          <p:tn val="2"/>
-                        </p:cond>
-                      </p:stCondLst>
-                      <p:childTnLst>
-                        <p:par>
-                          <p:cTn id="4" fill="hold">
-                            <p:stCondLst>
-                              <p:cond delay="0"/>
-                            </p:stCondLst>
-                            <p:childTnLst>
-                              <p:par>
-                                <p:cTn id="5" presetID="9" presetClass="entr" presetSubtype="0" fill="hold" nodeType="afterEffect">
-                                  <p:stCondLst>
-                                    <p:cond delay="500"/>
-                                  </p:stCondLst>
-                                  <p:childTnLst>
-                                    <p:set>
-                                      <p:cBhvr>
-                                        <p:cTn id="6" dur="1" fill="hold">
-                                          <p:stCondLst>
-                                            <p:cond delay="0"/>
-                                          </p:stCondLst>
-                                        </p:cTn>
-                                        <p:tgtEl>
-                                          <p:spTgt spid="2"/>
-                                        </p:tgtEl>
-                                        <p:attrNameLst>
-                                          <p:attrName>style.visibility</p:attrName>
-                                        </p:attrNameLst>
-                                      </p:cBhvr>
-                                      <p:to>
-                                        <p:strVal val="visible"/>
-                                      </p:to>
-                                    </p:set>
-                                    <p:animEffect transition="in" filter="dissolve">
-                                      <p:cBhvr>
-                                        <p:cTn id="7" dur="500"/>
-                                        <p:tgtEl>
-                                          <p:spTgt spid="2"/>
-                                        </p:tgtEl>
-                                      </p:cBhvr>
-                                    </p:animEffect>
-                                  </p:childTnLst>
-                                </p:cTn>
-                              </p:par>
-                            </p:childTnLst>
-                          </p:cTn>
-                        </p:par>
-                      </p:childTnLst>
-                    </p:cTn>
-                  </p:par>
-                </p:childTnLst>
-              </p:cTn>
-              <p:prevCondLst>
-                <p:cond evt="onPrev" delay="0">
-                  <p:tgtEl>
-                    <p:sldTgt/>
-                  </p:tgtEl>
-                </p:cond>
-              </p:prevCondLst>
-              <p:nextCondLst>
-                <p:cond evt="onNext" delay="0">
-                  <p:tgtEl>
-                    <p:sldTgt/>
-                  </p:tgtEl>
-                </p:cond>
-              </p:nextCondLst>
-            </p:seq>
-          </p:childTnLst>
-        </p:cTn>
-      </p:par>
-    </p:tnLst>
-  </p:timing>
-</p:sld>
-</file>
-
-<file path=ppt/slides/slide32.xml><?xml version="1.0" encoding="utf-8"?>
-<p:sld xmlns:a="http://schemas.openxmlformats.org/drawingml/2006/main" xmlns:r="http://schemas.openxmlformats.org/officeDocument/2006/relationships" xmlns:p="http://schemas.openxmlformats.org/presentationml/2006/main" showMasterPhAnim="0" show="0">
-  <p:cSld>
-    <p:spTree>
-      <p:nvGrpSpPr>
-        <p:cNvPr id="1" name=""/>
-        <p:cNvGrpSpPr/>
-        <p:nvPr/>
-      </p:nvGrpSpPr>
-      <p:grpSpPr>
-        <a:xfrm>
-          <a:off x="0" y="0"/>
-          <a:ext cx="0" cy="0"/>
-          <a:chOff x="0" y="0"/>
-          <a:chExt cx="0" cy="0"/>
-        </a:xfrm>
-      </p:grpSpPr>
-      <p:sp>
-        <p:nvSpPr>
-          <p:cNvPr id="41" name="Slide Number Placeholder 3"/>
-          <p:cNvSpPr>
-            <a:spLocks noGrp="1"/>
-          </p:cNvSpPr>
-          <p:nvPr>
-            <p:ph type="sldNum" sz="quarter" idx="10"/>
-          </p:nvPr>
-        </p:nvSpPr>
-        <p:spPr/>
-        <p:txBody>
-          <a:bodyPr/>
-          <a:lstStyle/>
-          <a:p>
-            <a:r>
-              <a:rPr lang="en-US" dirty="0" err="1" smtClean="0"/>
-              <a:t>lec</a:t>
-            </a:r>
-            <a:r>
-              <a:rPr lang="en-US" dirty="0" smtClean="0"/>
-              <a:t> </a:t>
-            </a:r>
-            <a:r>
-              <a:rPr lang="en-US" dirty="0" smtClean="0"/>
-              <a:t>10W.</a:t>
-            </a:r>
-            <a:fld id="{0696654E-63A2-45A9-8B2E-517C6AD3CD9A}" type="slidenum">
-              <a:rPr lang="en-US" smtClean="0"/>
-              <a:pPr/>
-              <a:t>32</a:t>
-            </a:fld>
-            <a:endParaRPr lang="en-US" dirty="0"/>
-          </a:p>
-        </p:txBody>
-      </p:sp>
-      <p:sp>
-        <p:nvSpPr>
-          <p:cNvPr id="377858" name="Rectangle 2"/>
-          <p:cNvSpPr>
-            <a:spLocks noGrp="1" noChangeArrowheads="1"/>
-          </p:cNvSpPr>
-          <p:nvPr>
-            <p:ph type="title"/>
-          </p:nvPr>
-        </p:nvSpPr>
-        <p:spPr/>
-        <p:txBody>
-          <a:bodyPr/>
-          <a:lstStyle/>
-          <a:p>
-            <a:r>
-              <a:rPr lang="en-US" dirty="0" smtClean="0"/>
-              <a:t>earlier colored graph claim</a:t>
-            </a:r>
-            <a:endParaRPr lang="en-US" dirty="0"/>
-          </a:p>
-        </p:txBody>
-      </p:sp>
-      <p:sp>
-        <p:nvSpPr>
-          <p:cNvPr id="377859" name="Rectangle 3"/>
-          <p:cNvSpPr>
-            <a:spLocks noGrp="1" noChangeArrowheads="1"/>
-          </p:cNvSpPr>
-          <p:nvPr>
-            <p:ph type="body" idx="1"/>
-          </p:nvPr>
-        </p:nvSpPr>
-        <p:spPr>
-          <a:xfrm>
-            <a:off x="228600" y="1371600"/>
-            <a:ext cx="8623300" cy="2336800"/>
-          </a:xfrm>
-        </p:spPr>
-        <p:txBody>
-          <a:bodyPr/>
-          <a:lstStyle/>
-          <a:p>
-            <a:pPr>
-              <a:buFontTx/>
-              <a:buNone/>
-            </a:pPr>
-            <a:r>
-              <a:rPr lang="en-US" sz="4400" dirty="0" smtClean="0"/>
-              <a:t>graph </a:t>
-            </a:r>
-            <a:r>
-              <a:rPr lang="en-US" sz="4400" dirty="0"/>
-              <a:t>with </a:t>
-            </a:r>
-            <a:r>
-              <a:rPr lang="en-US" sz="4400" dirty="0" smtClean="0"/>
-              <a:t>edges colored </a:t>
-            </a:r>
-            <a:r>
-              <a:rPr lang="en-US" sz="4400" dirty="0">
-                <a:solidFill>
-                  <a:srgbClr val="C00000"/>
-                </a:solidFill>
-              </a:rPr>
-              <a:t>red</a:t>
-            </a:r>
-            <a:r>
-              <a:rPr lang="en-US" sz="4400" dirty="0"/>
-              <a:t> </a:t>
-            </a:r>
-            <a:endParaRPr lang="en-US" sz="4400" dirty="0" smtClean="0"/>
-          </a:p>
-          <a:p>
-            <a:pPr>
-              <a:buFontTx/>
-              <a:buNone/>
-            </a:pPr>
-            <a:r>
-              <a:rPr lang="en-US" sz="4400" dirty="0" smtClean="0"/>
-              <a:t>or </a:t>
-            </a:r>
-            <a:r>
-              <a:rPr lang="en-US" sz="4400" dirty="0" smtClean="0">
-                <a:solidFill>
-                  <a:schemeClr val="accent1">
-                    <a:lumMod val="50000"/>
-                  </a:schemeClr>
-                </a:solidFill>
-              </a:rPr>
-              <a:t>blue</a:t>
-            </a:r>
-            <a:r>
-              <a:rPr lang="en-US" sz="4400" dirty="0" smtClean="0"/>
-              <a:t>.  degree 5 vertex must</a:t>
-            </a:r>
-          </a:p>
-          <a:p>
-            <a:pPr>
-              <a:buFontTx/>
-              <a:buNone/>
-            </a:pPr>
-            <a:r>
-              <a:rPr lang="en-US" sz="4400" dirty="0" smtClean="0"/>
-              <a:t>have </a:t>
-            </a:r>
-            <a:r>
-              <a:rPr lang="en-US" sz="4400" dirty="0" smtClean="0">
-                <a:solidFill>
-                  <a:srgbClr val="FF00FF"/>
-                </a:solidFill>
-              </a:rPr>
-              <a:t>3</a:t>
-            </a:r>
-            <a:r>
-              <a:rPr lang="en-US" sz="4400" dirty="0" smtClean="0">
-                <a:solidFill>
-                  <a:schemeClr val="accent1">
-                    <a:lumMod val="50000"/>
-                  </a:schemeClr>
-                </a:solidFill>
-              </a:rPr>
-              <a:t> </a:t>
-            </a:r>
-            <a:r>
-              <a:rPr lang="en-US" sz="4400" dirty="0" smtClean="0"/>
-              <a:t>edges of the same color </a:t>
-            </a:r>
-            <a:endParaRPr lang="en-US" sz="4400" dirty="0">
-              <a:solidFill>
-                <a:srgbClr val="0066FF"/>
-              </a:solidFill>
-            </a:endParaRPr>
-          </a:p>
-        </p:txBody>
-      </p:sp>
-      <p:grpSp>
-        <p:nvGrpSpPr>
-          <p:cNvPr id="42" name="Group 31"/>
-          <p:cNvGrpSpPr>
-            <a:grpSpLocks/>
-          </p:cNvGrpSpPr>
-          <p:nvPr/>
-        </p:nvGrpSpPr>
-        <p:grpSpPr bwMode="auto">
-          <a:xfrm>
-            <a:off x="3498850" y="3708400"/>
-            <a:ext cx="2133600" cy="2463800"/>
-            <a:chOff x="2200" y="2530"/>
-            <a:chExt cx="1344" cy="1552"/>
-          </a:xfrm>
-        </p:grpSpPr>
-        <p:grpSp>
-          <p:nvGrpSpPr>
-            <p:cNvPr id="43" name="Group 30"/>
-            <p:cNvGrpSpPr>
-              <a:grpSpLocks/>
-            </p:cNvGrpSpPr>
-            <p:nvPr/>
-          </p:nvGrpSpPr>
-          <p:grpSpPr bwMode="auto">
-            <a:xfrm>
-              <a:off x="2200" y="2530"/>
-              <a:ext cx="1344" cy="1552"/>
-              <a:chOff x="2200" y="2530"/>
-              <a:chExt cx="1344" cy="1552"/>
-            </a:xfrm>
-          </p:grpSpPr>
-          <p:sp>
-            <p:nvSpPr>
-              <p:cNvPr id="55" name="Oval 5"/>
-              <p:cNvSpPr>
-                <a:spLocks noChangeArrowheads="1"/>
-              </p:cNvSpPr>
-              <p:nvPr/>
-            </p:nvSpPr>
-            <p:spPr bwMode="auto">
-              <a:xfrm>
-                <a:off x="2200" y="2896"/>
-                <a:ext cx="131" cy="131"/>
-              </a:xfrm>
-              <a:prstGeom prst="ellipse">
-                <a:avLst/>
-              </a:prstGeom>
-              <a:solidFill>
-                <a:schemeClr val="bg1"/>
-              </a:solidFill>
-              <a:ln w="19050">
-                <a:solidFill>
-                  <a:schemeClr val="tx1"/>
-                </a:solidFill>
-                <a:round/>
-                <a:headEnd/>
-                <a:tailEnd type="none" w="lg" len="lg"/>
-              </a:ln>
-              <a:effectLst/>
-            </p:spPr>
-            <p:txBody>
-              <a:bodyPr wrap="none" anchor="ctr"/>
-              <a:lstStyle/>
-              <a:p>
-                <a:endParaRPr lang="en-US"/>
-              </a:p>
-            </p:txBody>
-          </p:sp>
-          <p:sp>
-            <p:nvSpPr>
-              <p:cNvPr id="56" name="Oval 6"/>
-              <p:cNvSpPr>
-                <a:spLocks noChangeArrowheads="1"/>
-              </p:cNvSpPr>
-              <p:nvPr/>
-            </p:nvSpPr>
-            <p:spPr bwMode="auto">
-              <a:xfrm>
-                <a:off x="2802" y="2530"/>
-                <a:ext cx="131" cy="131"/>
-              </a:xfrm>
-              <a:prstGeom prst="ellipse">
-                <a:avLst/>
-              </a:prstGeom>
-              <a:solidFill>
-                <a:schemeClr val="folHlink"/>
-              </a:solidFill>
-              <a:ln w="19050">
-                <a:solidFill>
-                  <a:schemeClr val="tx1"/>
-                </a:solidFill>
-                <a:round/>
-                <a:headEnd/>
-                <a:tailEnd type="none" w="lg" len="lg"/>
-              </a:ln>
-              <a:effectLst/>
-            </p:spPr>
-            <p:txBody>
-              <a:bodyPr wrap="none" anchor="ctr"/>
-              <a:lstStyle/>
-              <a:p>
-                <a:endParaRPr lang="en-US"/>
-              </a:p>
-            </p:txBody>
-          </p:sp>
-          <p:sp>
-            <p:nvSpPr>
-              <p:cNvPr id="57" name="Oval 7"/>
-              <p:cNvSpPr>
-                <a:spLocks noChangeArrowheads="1"/>
-              </p:cNvSpPr>
-              <p:nvPr/>
-            </p:nvSpPr>
-            <p:spPr bwMode="auto">
-              <a:xfrm>
-                <a:off x="3413" y="2896"/>
-                <a:ext cx="131" cy="131"/>
-              </a:xfrm>
-              <a:prstGeom prst="ellipse">
-                <a:avLst/>
-              </a:prstGeom>
-              <a:solidFill>
-                <a:schemeClr val="bg1"/>
-              </a:solidFill>
-              <a:ln w="19050">
-                <a:solidFill>
-                  <a:schemeClr val="tx1"/>
-                </a:solidFill>
-                <a:round/>
-                <a:headEnd/>
-                <a:tailEnd type="none" w="lg" len="lg"/>
-              </a:ln>
-              <a:effectLst/>
-            </p:spPr>
-            <p:txBody>
-              <a:bodyPr wrap="none" anchor="ctr"/>
-              <a:lstStyle/>
-              <a:p>
-                <a:endParaRPr lang="en-US"/>
-              </a:p>
-            </p:txBody>
-          </p:sp>
-          <p:sp>
-            <p:nvSpPr>
-              <p:cNvPr id="58" name="Oval 8"/>
-              <p:cNvSpPr>
-                <a:spLocks noChangeArrowheads="1"/>
-              </p:cNvSpPr>
-              <p:nvPr/>
-            </p:nvSpPr>
-            <p:spPr bwMode="auto">
-              <a:xfrm>
-                <a:off x="2200" y="3552"/>
-                <a:ext cx="131" cy="131"/>
-              </a:xfrm>
-              <a:prstGeom prst="ellipse">
-                <a:avLst/>
-              </a:prstGeom>
-              <a:solidFill>
-                <a:schemeClr val="bg1"/>
-              </a:solidFill>
-              <a:ln w="19050">
-                <a:solidFill>
-                  <a:schemeClr val="tx1"/>
-                </a:solidFill>
-                <a:round/>
-                <a:headEnd/>
-                <a:tailEnd type="none" w="lg" len="lg"/>
-              </a:ln>
-              <a:effectLst/>
-            </p:spPr>
-            <p:txBody>
-              <a:bodyPr wrap="none" anchor="ctr"/>
-              <a:lstStyle/>
-              <a:p>
-                <a:endParaRPr lang="en-US"/>
-              </a:p>
-            </p:txBody>
-          </p:sp>
-          <p:sp>
-            <p:nvSpPr>
-              <p:cNvPr id="59" name="Oval 9"/>
-              <p:cNvSpPr>
-                <a:spLocks noChangeArrowheads="1"/>
-              </p:cNvSpPr>
-              <p:nvPr/>
-            </p:nvSpPr>
-            <p:spPr bwMode="auto">
-              <a:xfrm>
-                <a:off x="3413" y="3552"/>
-                <a:ext cx="131" cy="131"/>
-              </a:xfrm>
-              <a:prstGeom prst="ellipse">
-                <a:avLst/>
-              </a:prstGeom>
-              <a:solidFill>
-                <a:schemeClr val="bg1"/>
-              </a:solidFill>
-              <a:ln w="19050">
-                <a:solidFill>
-                  <a:schemeClr val="tx1"/>
-                </a:solidFill>
-                <a:round/>
-                <a:headEnd/>
-                <a:tailEnd type="none" w="lg" len="lg"/>
-              </a:ln>
-              <a:effectLst/>
-            </p:spPr>
-            <p:txBody>
-              <a:bodyPr wrap="none" anchor="ctr"/>
-              <a:lstStyle/>
-              <a:p>
-                <a:endParaRPr lang="en-US"/>
-              </a:p>
-            </p:txBody>
-          </p:sp>
-          <p:sp>
-            <p:nvSpPr>
-              <p:cNvPr id="60" name="Oval 10"/>
-              <p:cNvSpPr>
-                <a:spLocks noChangeArrowheads="1"/>
-              </p:cNvSpPr>
-              <p:nvPr/>
-            </p:nvSpPr>
-            <p:spPr bwMode="auto">
-              <a:xfrm>
-                <a:off x="2802" y="3951"/>
-                <a:ext cx="131" cy="131"/>
-              </a:xfrm>
-              <a:prstGeom prst="ellipse">
-                <a:avLst/>
-              </a:prstGeom>
-              <a:solidFill>
-                <a:schemeClr val="bg1"/>
-              </a:solidFill>
-              <a:ln w="19050">
-                <a:solidFill>
-                  <a:schemeClr val="tx1"/>
-                </a:solidFill>
-                <a:round/>
-                <a:headEnd/>
-                <a:tailEnd type="none" w="lg" len="lg"/>
-              </a:ln>
-              <a:effectLst/>
-            </p:spPr>
-            <p:txBody>
-              <a:bodyPr wrap="none" anchor="ctr"/>
-              <a:lstStyle/>
-              <a:p>
-                <a:endParaRPr lang="en-US"/>
-              </a:p>
-            </p:txBody>
-          </p:sp>
-          <p:cxnSp>
-            <p:nvCxnSpPr>
-              <p:cNvPr id="61" name="AutoShape 11"/>
-              <p:cNvCxnSpPr>
-                <a:cxnSpLocks noChangeShapeType="1"/>
-                <a:stCxn id="55" idx="7"/>
-                <a:endCxn id="56" idx="2"/>
-              </p:cNvCxnSpPr>
-              <p:nvPr/>
-            </p:nvCxnSpPr>
-            <p:spPr bwMode="auto">
-              <a:xfrm flipV="1">
-                <a:off x="2312" y="2596"/>
-                <a:ext cx="478" cy="319"/>
-              </a:xfrm>
-              <a:prstGeom prst="straightConnector1">
-                <a:avLst/>
-              </a:prstGeom>
-              <a:noFill/>
-              <a:ln w="19050">
-                <a:solidFill>
-                  <a:schemeClr val="tx1"/>
-                </a:solidFill>
-                <a:round/>
-                <a:headEnd/>
-                <a:tailEnd type="none" w="lg" len="lg"/>
-              </a:ln>
-              <a:effectLst/>
-            </p:spPr>
-          </p:cxnSp>
-          <p:cxnSp>
-            <p:nvCxnSpPr>
-              <p:cNvPr id="62" name="AutoShape 12"/>
-              <p:cNvCxnSpPr>
-                <a:cxnSpLocks noChangeShapeType="1"/>
-                <a:stCxn id="56" idx="6"/>
-                <a:endCxn id="57" idx="1"/>
-              </p:cNvCxnSpPr>
-              <p:nvPr/>
-            </p:nvCxnSpPr>
-            <p:spPr bwMode="auto">
-              <a:xfrm>
-                <a:off x="2946" y="2596"/>
-                <a:ext cx="486" cy="319"/>
-              </a:xfrm>
-              <a:prstGeom prst="straightConnector1">
-                <a:avLst/>
-              </a:prstGeom>
-              <a:noFill/>
-              <a:ln w="19050">
-                <a:solidFill>
-                  <a:schemeClr val="tx1"/>
-                </a:solidFill>
-                <a:round/>
-                <a:headEnd/>
-                <a:tailEnd type="none" w="lg" len="lg"/>
-              </a:ln>
-              <a:effectLst/>
-            </p:spPr>
-          </p:cxnSp>
-          <p:cxnSp>
-            <p:nvCxnSpPr>
-              <p:cNvPr id="63" name="AutoShape 13"/>
-              <p:cNvCxnSpPr>
-                <a:cxnSpLocks noChangeShapeType="1"/>
-                <a:stCxn id="60" idx="0"/>
-                <a:endCxn id="56" idx="4"/>
-              </p:cNvCxnSpPr>
-              <p:nvPr/>
-            </p:nvCxnSpPr>
-            <p:spPr bwMode="auto">
-              <a:xfrm flipV="1">
-                <a:off x="2868" y="2673"/>
-                <a:ext cx="0" cy="1278"/>
-              </a:xfrm>
-              <a:prstGeom prst="straightConnector1">
-                <a:avLst/>
-              </a:prstGeom>
-              <a:noFill/>
-              <a:ln w="19050">
-                <a:solidFill>
-                  <a:schemeClr val="tx1"/>
-                </a:solidFill>
-                <a:round/>
-                <a:headEnd/>
-                <a:tailEnd type="none" w="lg" len="lg"/>
-              </a:ln>
-              <a:effectLst/>
-            </p:spPr>
-          </p:cxnSp>
-          <p:cxnSp>
-            <p:nvCxnSpPr>
-              <p:cNvPr id="64" name="AutoShape 14"/>
-              <p:cNvCxnSpPr>
-                <a:cxnSpLocks noChangeShapeType="1"/>
-                <a:stCxn id="56" idx="3"/>
-                <a:endCxn id="58" idx="7"/>
-              </p:cNvCxnSpPr>
-              <p:nvPr/>
-            </p:nvCxnSpPr>
-            <p:spPr bwMode="auto">
-              <a:xfrm flipH="1">
-                <a:off x="2312" y="2654"/>
-                <a:ext cx="509" cy="917"/>
-              </a:xfrm>
-              <a:prstGeom prst="straightConnector1">
-                <a:avLst/>
-              </a:prstGeom>
-              <a:noFill/>
-              <a:ln w="19050">
-                <a:solidFill>
-                  <a:schemeClr val="tx1"/>
-                </a:solidFill>
-                <a:round/>
-                <a:headEnd/>
-                <a:tailEnd type="none" w="lg" len="lg"/>
-              </a:ln>
-              <a:effectLst/>
-            </p:spPr>
-          </p:cxnSp>
-          <p:cxnSp>
-            <p:nvCxnSpPr>
-              <p:cNvPr id="65" name="AutoShape 15"/>
-              <p:cNvCxnSpPr>
-                <a:cxnSpLocks noChangeShapeType="1"/>
-                <a:stCxn id="56" idx="5"/>
-                <a:endCxn id="59" idx="1"/>
-              </p:cNvCxnSpPr>
-              <p:nvPr/>
-            </p:nvCxnSpPr>
-            <p:spPr bwMode="auto">
-              <a:xfrm>
-                <a:off x="2914" y="2654"/>
-                <a:ext cx="518" cy="917"/>
-              </a:xfrm>
-              <a:prstGeom prst="straightConnector1">
-                <a:avLst/>
-              </a:prstGeom>
-              <a:noFill/>
-              <a:ln w="19050">
-                <a:solidFill>
-                  <a:schemeClr val="tx1"/>
-                </a:solidFill>
-                <a:round/>
-                <a:headEnd/>
-                <a:tailEnd type="none" w="lg" len="lg"/>
-              </a:ln>
-              <a:effectLst/>
-            </p:spPr>
-          </p:cxnSp>
-        </p:grpSp>
-        <p:sp>
-          <p:nvSpPr>
-            <p:cNvPr id="44" name="Oval 18"/>
-            <p:cNvSpPr>
-              <a:spLocks noChangeArrowheads="1"/>
-            </p:cNvSpPr>
-            <p:nvPr/>
-          </p:nvSpPr>
-          <p:spPr bwMode="auto">
-            <a:xfrm>
-              <a:off x="2200" y="2896"/>
-              <a:ext cx="131" cy="131"/>
-            </a:xfrm>
-            <a:prstGeom prst="ellipse">
-              <a:avLst/>
-            </a:prstGeom>
-            <a:solidFill>
-              <a:schemeClr val="bg1"/>
-            </a:solidFill>
-            <a:ln w="19050">
-              <a:solidFill>
-                <a:schemeClr val="tx1"/>
-              </a:solidFill>
-              <a:round/>
-              <a:headEnd/>
-              <a:tailEnd type="none" w="lg" len="lg"/>
-            </a:ln>
-            <a:effectLst/>
-          </p:spPr>
-          <p:txBody>
-            <a:bodyPr wrap="none" anchor="ctr"/>
-            <a:lstStyle/>
-            <a:p>
-              <a:endParaRPr lang="en-US"/>
-            </a:p>
-          </p:txBody>
-        </p:sp>
-        <p:sp>
-          <p:nvSpPr>
-            <p:cNvPr id="45" name="Oval 19"/>
-            <p:cNvSpPr>
-              <a:spLocks noChangeArrowheads="1"/>
-            </p:cNvSpPr>
-            <p:nvPr/>
-          </p:nvSpPr>
-          <p:spPr bwMode="auto">
-            <a:xfrm>
-              <a:off x="2802" y="2530"/>
-              <a:ext cx="131" cy="131"/>
-            </a:xfrm>
-            <a:prstGeom prst="ellipse">
-              <a:avLst/>
-            </a:prstGeom>
-            <a:solidFill>
-              <a:schemeClr val="folHlink"/>
-            </a:solidFill>
-            <a:ln w="19050">
-              <a:solidFill>
-                <a:schemeClr val="tx1"/>
-              </a:solidFill>
-              <a:round/>
-              <a:headEnd/>
-              <a:tailEnd type="none" w="lg" len="lg"/>
-            </a:ln>
-            <a:effectLst/>
-          </p:spPr>
-          <p:txBody>
-            <a:bodyPr wrap="none" anchor="ctr"/>
-            <a:lstStyle/>
-            <a:p>
-              <a:endParaRPr lang="en-US"/>
-            </a:p>
-          </p:txBody>
-        </p:sp>
-        <p:sp>
-          <p:nvSpPr>
-            <p:cNvPr id="46" name="Oval 20"/>
-            <p:cNvSpPr>
-              <a:spLocks noChangeArrowheads="1"/>
-            </p:cNvSpPr>
-            <p:nvPr/>
-          </p:nvSpPr>
-          <p:spPr bwMode="auto">
-            <a:xfrm>
-              <a:off x="3413" y="2896"/>
-              <a:ext cx="131" cy="131"/>
-            </a:xfrm>
-            <a:prstGeom prst="ellipse">
-              <a:avLst/>
-            </a:prstGeom>
-            <a:solidFill>
-              <a:schemeClr val="bg1"/>
-            </a:solidFill>
-            <a:ln w="19050">
-              <a:solidFill>
-                <a:schemeClr val="tx1"/>
-              </a:solidFill>
-              <a:round/>
-              <a:headEnd/>
-              <a:tailEnd type="none" w="lg" len="lg"/>
-            </a:ln>
-            <a:effectLst/>
-          </p:spPr>
-          <p:txBody>
-            <a:bodyPr wrap="none" anchor="ctr"/>
-            <a:lstStyle/>
-            <a:p>
-              <a:endParaRPr lang="en-US"/>
-            </a:p>
-          </p:txBody>
-        </p:sp>
-        <p:sp>
-          <p:nvSpPr>
-            <p:cNvPr id="47" name="Oval 21"/>
-            <p:cNvSpPr>
-              <a:spLocks noChangeArrowheads="1"/>
-            </p:cNvSpPr>
-            <p:nvPr/>
-          </p:nvSpPr>
-          <p:spPr bwMode="auto">
-            <a:xfrm>
-              <a:off x="2200" y="3552"/>
-              <a:ext cx="131" cy="131"/>
-            </a:xfrm>
-            <a:prstGeom prst="ellipse">
-              <a:avLst/>
-            </a:prstGeom>
-            <a:solidFill>
-              <a:schemeClr val="bg1"/>
-            </a:solidFill>
-            <a:ln w="19050">
-              <a:solidFill>
-                <a:schemeClr val="tx1"/>
-              </a:solidFill>
-              <a:round/>
-              <a:headEnd/>
-              <a:tailEnd type="none" w="lg" len="lg"/>
-            </a:ln>
-            <a:effectLst/>
-          </p:spPr>
-          <p:txBody>
-            <a:bodyPr wrap="none" anchor="ctr"/>
-            <a:lstStyle/>
-            <a:p>
-              <a:endParaRPr lang="en-US"/>
-            </a:p>
-          </p:txBody>
-        </p:sp>
-        <p:sp>
-          <p:nvSpPr>
-            <p:cNvPr id="48" name="Oval 22"/>
-            <p:cNvSpPr>
-              <a:spLocks noChangeArrowheads="1"/>
-            </p:cNvSpPr>
-            <p:nvPr/>
-          </p:nvSpPr>
-          <p:spPr bwMode="auto">
-            <a:xfrm>
-              <a:off x="3413" y="3552"/>
-              <a:ext cx="131" cy="131"/>
-            </a:xfrm>
-            <a:prstGeom prst="ellipse">
-              <a:avLst/>
-            </a:prstGeom>
-            <a:solidFill>
-              <a:schemeClr val="bg1"/>
-            </a:solidFill>
-            <a:ln w="19050">
-              <a:solidFill>
-                <a:schemeClr val="tx1"/>
-              </a:solidFill>
-              <a:round/>
-              <a:headEnd/>
-              <a:tailEnd type="none" w="lg" len="lg"/>
-            </a:ln>
-            <a:effectLst/>
-          </p:spPr>
-          <p:txBody>
-            <a:bodyPr wrap="none" anchor="ctr"/>
-            <a:lstStyle/>
-            <a:p>
-              <a:endParaRPr lang="en-US"/>
-            </a:p>
-          </p:txBody>
-        </p:sp>
-        <p:sp>
-          <p:nvSpPr>
-            <p:cNvPr id="49" name="Oval 23"/>
-            <p:cNvSpPr>
-              <a:spLocks noChangeArrowheads="1"/>
-            </p:cNvSpPr>
-            <p:nvPr/>
-          </p:nvSpPr>
-          <p:spPr bwMode="auto">
-            <a:xfrm>
-              <a:off x="2802" y="3951"/>
-              <a:ext cx="131" cy="131"/>
-            </a:xfrm>
-            <a:prstGeom prst="ellipse">
-              <a:avLst/>
-            </a:prstGeom>
-            <a:solidFill>
-              <a:schemeClr val="bg1"/>
-            </a:solidFill>
-            <a:ln w="19050">
-              <a:solidFill>
-                <a:schemeClr val="tx1"/>
-              </a:solidFill>
-              <a:round/>
-              <a:headEnd/>
-              <a:tailEnd type="none" w="lg" len="lg"/>
-            </a:ln>
-            <a:effectLst/>
-          </p:spPr>
-          <p:txBody>
-            <a:bodyPr wrap="none" anchor="ctr"/>
-            <a:lstStyle/>
-            <a:p>
-              <a:endParaRPr lang="en-US"/>
-            </a:p>
-          </p:txBody>
-        </p:sp>
-        <p:cxnSp>
-          <p:nvCxnSpPr>
-            <p:cNvPr id="50" name="AutoShape 24"/>
-            <p:cNvCxnSpPr>
-              <a:cxnSpLocks noChangeShapeType="1"/>
-              <a:stCxn id="44" idx="7"/>
-              <a:endCxn id="45" idx="2"/>
-            </p:cNvCxnSpPr>
-            <p:nvPr/>
-          </p:nvCxnSpPr>
-          <p:spPr bwMode="auto">
-            <a:xfrm flipV="1">
-              <a:off x="2312" y="2596"/>
-              <a:ext cx="478" cy="319"/>
-            </a:xfrm>
-            <a:prstGeom prst="straightConnector1">
-              <a:avLst/>
-            </a:prstGeom>
-            <a:noFill/>
-            <a:ln w="28575">
-              <a:solidFill>
-                <a:srgbClr val="0066FF"/>
-              </a:solidFill>
-              <a:round/>
-              <a:headEnd/>
-              <a:tailEnd type="none" w="lg" len="lg"/>
-            </a:ln>
-            <a:effectLst/>
-          </p:spPr>
-        </p:cxnSp>
-        <p:cxnSp>
-          <p:nvCxnSpPr>
-            <p:cNvPr id="51" name="AutoShape 25"/>
-            <p:cNvCxnSpPr>
-              <a:cxnSpLocks noChangeShapeType="1"/>
-              <a:stCxn id="45" idx="6"/>
-              <a:endCxn id="46" idx="1"/>
-            </p:cNvCxnSpPr>
-            <p:nvPr/>
-          </p:nvCxnSpPr>
-          <p:spPr bwMode="auto">
-            <a:xfrm>
-              <a:off x="2946" y="2596"/>
-              <a:ext cx="486" cy="319"/>
-            </a:xfrm>
-            <a:prstGeom prst="straightConnector1">
-              <a:avLst/>
-            </a:prstGeom>
-            <a:noFill/>
-            <a:ln w="28575">
-              <a:solidFill>
-                <a:schemeClr val="accent2"/>
-              </a:solidFill>
-              <a:round/>
-              <a:headEnd/>
-              <a:tailEnd type="none" w="lg" len="lg"/>
-            </a:ln>
-            <a:effectLst/>
-          </p:spPr>
-        </p:cxnSp>
-        <p:cxnSp>
-          <p:nvCxnSpPr>
-            <p:cNvPr id="52" name="AutoShape 26"/>
-            <p:cNvCxnSpPr>
-              <a:cxnSpLocks noChangeShapeType="1"/>
-              <a:stCxn id="49" idx="0"/>
-              <a:endCxn id="45" idx="4"/>
-            </p:cNvCxnSpPr>
-            <p:nvPr/>
-          </p:nvCxnSpPr>
-          <p:spPr bwMode="auto">
-            <a:xfrm flipV="1">
-              <a:off x="2868" y="2673"/>
-              <a:ext cx="0" cy="1278"/>
-            </a:xfrm>
-            <a:prstGeom prst="straightConnector1">
-              <a:avLst/>
-            </a:prstGeom>
-            <a:noFill/>
-            <a:ln w="28575">
-              <a:solidFill>
-                <a:schemeClr val="accent2"/>
-              </a:solidFill>
-              <a:round/>
-              <a:headEnd/>
-              <a:tailEnd type="none" w="lg" len="lg"/>
-            </a:ln>
-            <a:effectLst/>
-          </p:spPr>
-        </p:cxnSp>
-        <p:cxnSp>
-          <p:nvCxnSpPr>
-            <p:cNvPr id="53" name="AutoShape 27"/>
-            <p:cNvCxnSpPr>
-              <a:cxnSpLocks noChangeShapeType="1"/>
-              <a:stCxn id="45" idx="3"/>
-              <a:endCxn id="47" idx="7"/>
-            </p:cNvCxnSpPr>
-            <p:nvPr/>
-          </p:nvCxnSpPr>
-          <p:spPr bwMode="auto">
-            <a:xfrm flipH="1">
-              <a:off x="2312" y="2654"/>
-              <a:ext cx="509" cy="917"/>
-            </a:xfrm>
-            <a:prstGeom prst="straightConnector1">
-              <a:avLst/>
-            </a:prstGeom>
-            <a:noFill/>
-            <a:ln w="28575">
-              <a:solidFill>
-                <a:schemeClr val="accent2"/>
-              </a:solidFill>
-              <a:round/>
-              <a:headEnd/>
-              <a:tailEnd type="none" w="lg" len="lg"/>
-            </a:ln>
-            <a:effectLst/>
-          </p:spPr>
-        </p:cxnSp>
-        <p:cxnSp>
-          <p:nvCxnSpPr>
-            <p:cNvPr id="54" name="AutoShape 28"/>
-            <p:cNvCxnSpPr>
-              <a:cxnSpLocks noChangeShapeType="1"/>
-              <a:stCxn id="45" idx="5"/>
-              <a:endCxn id="48" idx="1"/>
-            </p:cNvCxnSpPr>
-            <p:nvPr/>
-          </p:nvCxnSpPr>
-          <p:spPr bwMode="auto">
-            <a:xfrm>
-              <a:off x="2914" y="2654"/>
-              <a:ext cx="518" cy="917"/>
-            </a:xfrm>
-            <a:prstGeom prst="straightConnector1">
-              <a:avLst/>
-            </a:prstGeom>
-            <a:noFill/>
-            <a:ln w="28575">
-              <a:solidFill>
-                <a:srgbClr val="0066FF"/>
-              </a:solidFill>
-              <a:round/>
-              <a:headEnd/>
-              <a:tailEnd type="none" w="lg" len="lg"/>
-            </a:ln>
-            <a:effectLst/>
-          </p:spPr>
-        </p:cxnSp>
-      </p:grpSp>
-    </p:spTree>
-  </p:cSld>
-  <p:clrMapOvr>
-    <a:masterClrMapping/>
-  </p:clrMapOvr>
-  <p:transition xmlns:p14="http://schemas.microsoft.com/office/powerpoint/2010/main"/>
-  <p:timing>
-    <p:tnLst>
-      <p:par>
-        <p:cTn xmlns:p14="http://schemas.microsoft.com/office/powerpoint/2010/main" id="1" dur="indefinite" restart="never" nodeType="tmRoot">
-          <p:childTnLst>
-            <p:seq concurrent="1" nextAc="seek">
-              <p:cTn id="2" dur="indefinite" nodeType="mainSeq">
-                <p:childTnLst>
-                  <p:par>
-                    <p:cTn id="3" fill="hold">
-                      <p:stCondLst>
-                        <p:cond delay="indefinite"/>
-                      </p:stCondLst>
-                      <p:childTnLst>
-                        <p:par>
-                          <p:cTn id="4" fill="hold">
-                            <p:stCondLst>
-                              <p:cond delay="0"/>
-                            </p:stCondLst>
-                            <p:childTnLst>
-                              <p:par>
-                                <p:cTn id="5" presetID="1" presetClass="entr" presetSubtype="0" fill="hold" nodeType="clickEffect">
-                                  <p:stCondLst>
-                                    <p:cond delay="0"/>
-                                  </p:stCondLst>
-                                  <p:childTnLst>
-                                    <p:set>
-                                      <p:cBhvr>
-                                        <p:cTn id="6" dur="1" fill="hold">
-                                          <p:stCondLst>
-                                            <p:cond delay="0"/>
-                                          </p:stCondLst>
-                                        </p:cTn>
-                                        <p:tgtEl>
-                                          <p:spTgt spid="377859">
-                                            <p:txEl>
-                                              <p:pRg st="2" end="2"/>
-                                            </p:txEl>
-                                          </p:spTgt>
-                                        </p:tgtEl>
-                                        <p:attrNameLst>
-                                          <p:attrName>style.visibility</p:attrName>
-                                        </p:attrNameLst>
-                                      </p:cBhvr>
-                                      <p:to>
-                                        <p:strVal val="visible"/>
-                                      </p:to>
-                                    </p:set>
-                                  </p:childTnLst>
-                                </p:cTn>
-                              </p:par>
-                            </p:childTnLst>
-                          </p:cTn>
-                        </p:par>
-                        <p:par>
-                          <p:cTn id="7" fill="hold">
-                            <p:stCondLst>
-                              <p:cond delay="0"/>
-                            </p:stCondLst>
-                            <p:childTnLst>
-                              <p:par>
-                                <p:cTn id="8" presetID="1" presetClass="entr" presetSubtype="0" fill="hold" nodeType="afterEffect">
-                                  <p:stCondLst>
-                                    <p:cond delay="500"/>
-                                  </p:stCondLst>
-                                  <p:childTnLst>
-                                    <p:set>
-                                      <p:cBhvr>
-                                        <p:cTn id="9" dur="1" fill="hold">
-                                          <p:stCondLst>
-                                            <p:cond delay="0"/>
-                                          </p:stCondLst>
-                                        </p:cTn>
-                                        <p:tgtEl>
-                                          <p:spTgt spid="42"/>
-                                        </p:tgtEl>
-                                        <p:attrNameLst>
-                                          <p:attrName>style.visibility</p:attrName>
-                                        </p:attrNameLst>
-                                      </p:cBhvr>
-                                      <p:to>
-                                        <p:strVal val="visible"/>
-                                      </p:to>
-                                    </p:set>
-                                  </p:childTnLst>
-                                </p:cTn>
-                              </p:par>
-                            </p:childTnLst>
-                          </p:cTn>
-                        </p:par>
-                      </p:childTnLst>
-                    </p:cTn>
-                  </p:par>
-                </p:childTnLst>
-              </p:cTn>
-              <p:prevCondLst>
-                <p:cond evt="onPrev" delay="0">
-                  <p:tgtEl>
-                    <p:sldTgt/>
-                  </p:tgtEl>
-                </p:cond>
-              </p:prevCondLst>
-              <p:nextCondLst>
-                <p:cond evt="onNext" delay="0">
-                  <p:tgtEl>
-                    <p:sldTgt/>
-                  </p:tgtEl>
-                </p:cond>
-              </p:nextCondLst>
-            </p:seq>
-          </p:childTnLst>
-        </p:cTn>
-      </p:par>
-    </p:tnLst>
-  </p:timing>
-</p:sld>
-</file>
-
-<file path=ppt/slides/slide33.xml><?xml version="1.0" encoding="utf-8"?>
-<p:sld xmlns:a="http://schemas.openxmlformats.org/drawingml/2006/main" xmlns:r="http://schemas.openxmlformats.org/officeDocument/2006/relationships" xmlns:p="http://schemas.openxmlformats.org/presentationml/2006/main" show="0">
-  <p:cSld>
-    <p:spTree>
-      <p:nvGrpSpPr>
-        <p:cNvPr id="1" name=""/>
-        <p:cNvGrpSpPr/>
-        <p:nvPr/>
-      </p:nvGrpSpPr>
-      <p:grpSpPr>
-        <a:xfrm>
-          <a:off x="0" y="0"/>
-          <a:ext cx="0" cy="0"/>
-          <a:chOff x="0" y="0"/>
-          <a:chExt cx="0" cy="0"/>
-        </a:xfrm>
-      </p:grpSpPr>
-      <p:sp>
-        <p:nvSpPr>
-          <p:cNvPr id="5" name="Slide Number Placeholder 3"/>
-          <p:cNvSpPr>
-            <a:spLocks noGrp="1"/>
-          </p:cNvSpPr>
-          <p:nvPr>
-            <p:ph type="sldNum" sz="quarter" idx="10"/>
-          </p:nvPr>
-        </p:nvSpPr>
-        <p:spPr/>
-        <p:txBody>
-          <a:bodyPr/>
-          <a:lstStyle/>
-          <a:p>
-            <a:r>
-              <a:rPr lang="en-US" dirty="0" err="1" smtClean="0"/>
-              <a:t>lec</a:t>
-            </a:r>
-            <a:r>
-              <a:rPr lang="en-US" dirty="0" smtClean="0"/>
-              <a:t> </a:t>
-            </a:r>
-            <a:r>
-              <a:rPr lang="en-US" dirty="0" smtClean="0"/>
-              <a:t>10W.</a:t>
-            </a:r>
-            <a:fld id="{FFB56D1A-619E-4CBF-8825-888C645FEF12}" type="slidenum">
-              <a:rPr lang="en-US" smtClean="0"/>
-              <a:pPr/>
-              <a:t>33</a:t>
-            </a:fld>
-            <a:endParaRPr lang="en-US" dirty="0"/>
-          </a:p>
-        </p:txBody>
-      </p:sp>
-      <p:sp>
-        <p:nvSpPr>
-          <p:cNvPr id="371714" name="Rectangle 2"/>
-          <p:cNvSpPr>
-            <a:spLocks noGrp="1" noChangeArrowheads="1"/>
-          </p:cNvSpPr>
-          <p:nvPr>
-            <p:ph type="title"/>
-          </p:nvPr>
-        </p:nvSpPr>
-        <p:spPr/>
-        <p:txBody>
-          <a:bodyPr/>
-          <a:lstStyle/>
-          <a:p>
-            <a:r>
-              <a:rPr lang="en-US" sz="4400" i="1" dirty="0" smtClean="0"/>
-              <a:t>example</a:t>
-            </a:r>
-            <a:r>
-              <a:rPr lang="en-US" sz="4400" i="1" dirty="0"/>
-              <a:t>: </a:t>
-            </a:r>
-            <a:r>
-              <a:rPr lang="en-US" sz="4800" dirty="0"/>
-              <a:t>5 Card Draw</a:t>
-            </a:r>
-          </a:p>
-        </p:txBody>
-      </p:sp>
-      <p:sp>
-        <p:nvSpPr>
-          <p:cNvPr id="371715" name="Rectangle 3"/>
-          <p:cNvSpPr>
-            <a:spLocks noGrp="1" noChangeArrowheads="1"/>
-          </p:cNvSpPr>
-          <p:nvPr>
-            <p:ph type="body" idx="1"/>
-          </p:nvPr>
-        </p:nvSpPr>
-        <p:spPr>
-          <a:xfrm>
-            <a:off x="393700" y="2209800"/>
-            <a:ext cx="7226300" cy="3352800"/>
-          </a:xfrm>
-        </p:spPr>
-        <p:txBody>
-          <a:bodyPr/>
-          <a:lstStyle/>
-          <a:p>
-            <a:pPr>
-              <a:buFontTx/>
-              <a:buNone/>
-            </a:pPr>
-            <a:r>
-              <a:rPr lang="en-US" sz="5400" dirty="0" smtClean="0"/>
-              <a:t>set </a:t>
-            </a:r>
-            <a:r>
-              <a:rPr lang="en-US" sz="5400" dirty="0"/>
-              <a:t>of 5 cards:</a:t>
-            </a:r>
-          </a:p>
-          <a:p>
-            <a:r>
-              <a:rPr lang="en-US" sz="5400" dirty="0"/>
-              <a:t>must have</a:t>
-            </a:r>
-            <a:r>
-              <a:rPr lang="en-US" sz="5400" dirty="0" smtClean="0"/>
-              <a:t> </a:t>
-            </a:r>
-            <a:r>
-              <a:rPr lang="en-US" sz="5400" b="1" dirty="0" smtClean="0">
-                <a:solidFill>
-                  <a:srgbClr val="3333CC"/>
-                </a:solidFill>
-                <a:latin typeface="cmsy10" pitchFamily="34" charset="0"/>
-              </a:rPr>
-              <a:t> </a:t>
-            </a:r>
-            <a:r>
-              <a:rPr lang="en-US" sz="5400" dirty="0">
-                <a:solidFill>
-                  <a:srgbClr val="3333CC"/>
-                </a:solidFill>
-              </a:rPr>
-              <a:t>2</a:t>
-            </a:r>
-          </a:p>
-          <a:p>
-            <a:pPr>
-              <a:buFontTx/>
-              <a:buNone/>
-            </a:pPr>
-            <a:r>
-              <a:rPr lang="en-US" sz="5400" dirty="0"/>
-              <a:t>with the </a:t>
-            </a:r>
-            <a:r>
-              <a:rPr lang="en-US" sz="6000" dirty="0">
-                <a:solidFill>
-                  <a:srgbClr val="3333CC"/>
-                </a:solidFill>
-              </a:rPr>
-              <a:t>same suit</a:t>
-            </a:r>
-            <a:r>
-              <a:rPr lang="en-US" sz="6000" dirty="0"/>
-              <a:t>.</a:t>
-            </a:r>
-          </a:p>
-        </p:txBody>
-      </p:sp>
-      <p:pic>
-        <p:nvPicPr>
-          <p:cNvPr id="371716" name="Picture 4" descr="sl12212"/>
-          <p:cNvPicPr>
-            <a:picLocks noChangeAspect="1" noChangeArrowheads="1"/>
-          </p:cNvPicPr>
-          <p:nvPr/>
-        </p:nvPicPr>
-        <p:blipFill>
-          <a:blip r:embed="rId3"/>
-          <a:srcRect/>
-          <a:stretch>
-            <a:fillRect/>
-          </a:stretch>
-        </p:blipFill>
-        <p:spPr bwMode="auto">
-          <a:xfrm>
-            <a:off x="6559550" y="1447800"/>
-            <a:ext cx="2136775" cy="2709863"/>
-          </a:xfrm>
-          <a:prstGeom prst="rect">
-            <a:avLst/>
-          </a:prstGeom>
-          <a:noFill/>
-        </p:spPr>
-      </p:pic>
-    </p:spTree>
-  </p:cSld>
-  <p:clrMapOvr>
-    <a:masterClrMapping/>
-  </p:clrMapOvr>
-  <p:transition xmlns:p14="http://schemas.microsoft.com/office/powerpoint/2010/main"/>
-  <p:timing>
-    <p:tnLst>
-      <p:par>
-        <p:cTn xmlns:p14="http://schemas.microsoft.com/office/powerpoint/2010/main" id="1" dur="indefinite" restart="never" nodeType="tmRoot">
-          <p:childTnLst>
-            <p:seq concurrent="1" nextAc="seek">
-              <p:cTn id="2" dur="indefinite" nodeType="mainSeq">
-                <p:childTnLst>
-                  <p:par>
-                    <p:cTn id="3" fill="hold">
-                      <p:stCondLst>
-                        <p:cond delay="indefinite"/>
-                      </p:stCondLst>
-                      <p:childTnLst>
-                        <p:par>
-                          <p:cTn id="4" fill="hold">
-                            <p:stCondLst>
-                              <p:cond delay="0"/>
-                            </p:stCondLst>
-                            <p:childTnLst>
-                              <p:par>
-                                <p:cTn id="5" presetID="1" presetClass="entr" presetSubtype="0" fill="hold" nodeType="clickEffect">
-                                  <p:stCondLst>
-                                    <p:cond delay="0"/>
-                                  </p:stCondLst>
-                                  <p:childTnLst>
-                                    <p:set>
-                                      <p:cBhvr>
-                                        <p:cTn id="6" dur="1" fill="hold">
-                                          <p:stCondLst>
-                                            <p:cond delay="0"/>
-                                          </p:stCondLst>
-                                        </p:cTn>
-                                        <p:tgtEl>
-                                          <p:spTgt spid="371715">
-                                            <p:txEl>
-                                              <p:pRg st="1" end="1"/>
-                                            </p:txEl>
-                                          </p:spTgt>
-                                        </p:tgtEl>
-                                        <p:attrNameLst>
-                                          <p:attrName>style.visibility</p:attrName>
-                                        </p:attrNameLst>
-                                      </p:cBhvr>
-                                      <p:to>
-                                        <p:strVal val="visible"/>
-                                      </p:to>
-                                    </p:set>
-                                  </p:childTnLst>
-                                </p:cTn>
-                              </p:par>
-                              <p:par>
-                                <p:cTn id="7" presetID="1" presetClass="entr" presetSubtype="0" fill="hold" nodeType="withEffect">
-                                  <p:stCondLst>
-                                    <p:cond delay="0"/>
-                                  </p:stCondLst>
-                                  <p:childTnLst>
-                                    <p:set>
-                                      <p:cBhvr>
-                                        <p:cTn id="8" dur="1" fill="hold">
-                                          <p:stCondLst>
-                                            <p:cond delay="0"/>
-                                          </p:stCondLst>
-                                        </p:cTn>
-                                        <p:tgtEl>
-                                          <p:spTgt spid="371715">
-                                            <p:txEl>
-                                              <p:pRg st="2" end="2"/>
-                                            </p:txEl>
-                                          </p:spTgt>
-                                        </p:tgtEl>
-                                        <p:attrNameLst>
-                                          <p:attrName>style.visibility</p:attrName>
-                                        </p:attrNameLst>
-                                      </p:cBhvr>
-                                      <p:to>
-                                        <p:strVal val="visible"/>
-                                      </p:to>
-                                    </p:set>
-                                  </p:childTnLst>
-                                </p:cTn>
-                              </p:par>
-                            </p:childTnLst>
-                          </p:cTn>
-                        </p:par>
-                      </p:childTnLst>
-                    </p:cTn>
-                  </p:par>
-                </p:childTnLst>
-              </p:cTn>
-              <p:prevCondLst>
-                <p:cond evt="onPrev" delay="0">
-                  <p:tgtEl>
-                    <p:sldTgt/>
-                  </p:tgtEl>
-                </p:cond>
-              </p:prevCondLst>
-              <p:nextCondLst>
-                <p:cond evt="onNext" delay="0">
-                  <p:tgtEl>
-                    <p:sldTgt/>
-                  </p:tgtEl>
-                </p:cond>
-              </p:nextCondLst>
-            </p:seq>
-          </p:childTnLst>
-        </p:cTn>
-      </p:par>
-    </p:tnLst>
-  </p:timing>
-</p:sld>
-</file>
-
-<file path=ppt/slides/slide34.xml><?xml version="1.0" encoding="utf-8"?>
-<p:sld xmlns:a="http://schemas.openxmlformats.org/drawingml/2006/main" xmlns:r="http://schemas.openxmlformats.org/officeDocument/2006/relationships" xmlns:p="http://schemas.openxmlformats.org/presentationml/2006/main" show="0">
-  <p:cSld>
-    <p:spTree>
-      <p:nvGrpSpPr>
-        <p:cNvPr id="1" name=""/>
-        <p:cNvGrpSpPr/>
-        <p:nvPr/>
-      </p:nvGrpSpPr>
-      <p:grpSpPr>
-        <a:xfrm>
-          <a:off x="0" y="0"/>
-          <a:ext cx="0" cy="0"/>
-          <a:chOff x="0" y="0"/>
-          <a:chExt cx="0" cy="0"/>
-        </a:xfrm>
-      </p:grpSpPr>
-      <p:sp>
-        <p:nvSpPr>
-          <p:cNvPr id="34" name="Slide Number Placeholder 2"/>
-          <p:cNvSpPr>
-            <a:spLocks noGrp="1"/>
-          </p:cNvSpPr>
-          <p:nvPr>
-            <p:ph type="sldNum" sz="quarter" idx="10"/>
-          </p:nvPr>
-        </p:nvSpPr>
-        <p:spPr/>
-        <p:txBody>
-          <a:bodyPr/>
-          <a:lstStyle/>
-          <a:p>
-            <a:r>
-              <a:rPr lang="en-US" dirty="0" err="1" smtClean="0"/>
-              <a:t>lec</a:t>
-            </a:r>
-            <a:r>
-              <a:rPr lang="en-US" dirty="0" smtClean="0"/>
-              <a:t> </a:t>
-            </a:r>
-            <a:r>
-              <a:rPr lang="en-US" dirty="0" smtClean="0"/>
-              <a:t>10W.</a:t>
-            </a:r>
-            <a:fld id="{26C4B2EC-EBDF-4F84-A6B8-96296CC9F715}" type="slidenum">
-              <a:rPr lang="en-US" smtClean="0"/>
-              <a:pPr/>
-              <a:t>34</a:t>
-            </a:fld>
-            <a:endParaRPr lang="en-US" dirty="0"/>
-          </a:p>
-        </p:txBody>
-      </p:sp>
-      <p:sp>
-        <p:nvSpPr>
-          <p:cNvPr id="372738" name="Rectangle 2"/>
-          <p:cNvSpPr>
-            <a:spLocks noGrp="1" noChangeArrowheads="1"/>
-          </p:cNvSpPr>
-          <p:nvPr>
-            <p:ph type="title"/>
-          </p:nvPr>
-        </p:nvSpPr>
-        <p:spPr/>
-        <p:txBody>
-          <a:bodyPr/>
-          <a:lstStyle/>
-          <a:p>
-            <a:r>
-              <a:rPr lang="en-US" sz="4800"/>
-              <a:t>5 Card Draw</a:t>
-            </a:r>
-          </a:p>
-        </p:txBody>
-      </p:sp>
-      <p:grpSp>
-        <p:nvGrpSpPr>
-          <p:cNvPr id="2" name="Group 3"/>
-          <p:cNvGrpSpPr>
-            <a:grpSpLocks/>
-          </p:cNvGrpSpPr>
-          <p:nvPr/>
-        </p:nvGrpSpPr>
-        <p:grpSpPr bwMode="auto">
-          <a:xfrm>
-            <a:off x="2654300" y="2171700"/>
-            <a:ext cx="5537200" cy="1028700"/>
-            <a:chOff x="1672" y="1368"/>
-            <a:chExt cx="3488" cy="648"/>
-          </a:xfrm>
-        </p:grpSpPr>
-        <p:sp>
-          <p:nvSpPr>
-            <p:cNvPr id="372740" name="Rectangle 4" descr="Zig zag"/>
-            <p:cNvSpPr>
-              <a:spLocks noChangeArrowheads="1"/>
-            </p:cNvSpPr>
-            <p:nvPr/>
-          </p:nvSpPr>
-          <p:spPr bwMode="auto">
-            <a:xfrm>
-              <a:off x="1672" y="1368"/>
-              <a:ext cx="472" cy="632"/>
-            </a:xfrm>
-            <a:prstGeom prst="rect">
-              <a:avLst/>
-            </a:prstGeom>
-            <a:pattFill prst="zigZag">
-              <a:fgClr>
-                <a:srgbClr val="0066FF"/>
-              </a:fgClr>
-              <a:bgClr>
-                <a:schemeClr val="bg1"/>
-              </a:bgClr>
-            </a:pattFill>
-            <a:ln w="9525">
-              <a:solidFill>
-                <a:srgbClr val="0066FF"/>
-              </a:solidFill>
-              <a:miter lim="800000"/>
-              <a:headEnd/>
-              <a:tailEnd type="none" w="lg" len="lg"/>
-            </a:ln>
-            <a:effectLst/>
-          </p:spPr>
-          <p:txBody>
-            <a:bodyPr wrap="none" anchor="ctr"/>
-            <a:lstStyle/>
-            <a:p>
-              <a:endParaRPr lang="en-US"/>
-            </a:p>
-          </p:txBody>
-        </p:sp>
-        <p:sp>
-          <p:nvSpPr>
-            <p:cNvPr id="372741" name="Rectangle 5" descr="Zig zag"/>
-            <p:cNvSpPr>
-              <a:spLocks noChangeArrowheads="1"/>
-            </p:cNvSpPr>
-            <p:nvPr/>
-          </p:nvSpPr>
-          <p:spPr bwMode="auto">
-            <a:xfrm>
-              <a:off x="3176" y="1368"/>
-              <a:ext cx="472" cy="632"/>
-            </a:xfrm>
-            <a:prstGeom prst="rect">
-              <a:avLst/>
-            </a:prstGeom>
-            <a:pattFill prst="zigZag">
-              <a:fgClr>
-                <a:srgbClr val="0066FF"/>
-              </a:fgClr>
-              <a:bgClr>
-                <a:schemeClr val="bg1"/>
-              </a:bgClr>
-            </a:pattFill>
-            <a:ln w="9525">
-              <a:solidFill>
-                <a:srgbClr val="0066FF"/>
-              </a:solidFill>
-              <a:miter lim="800000"/>
-              <a:headEnd/>
-              <a:tailEnd type="none" w="lg" len="lg"/>
-            </a:ln>
-            <a:effectLst/>
-          </p:spPr>
-          <p:txBody>
-            <a:bodyPr wrap="none" anchor="ctr"/>
-            <a:lstStyle/>
-            <a:p>
-              <a:endParaRPr lang="en-US"/>
-            </a:p>
-          </p:txBody>
-        </p:sp>
-        <p:sp>
-          <p:nvSpPr>
-            <p:cNvPr id="372742" name="Rectangle 6" descr="Zig zag"/>
-            <p:cNvSpPr>
-              <a:spLocks noChangeArrowheads="1"/>
-            </p:cNvSpPr>
-            <p:nvPr/>
-          </p:nvSpPr>
-          <p:spPr bwMode="auto">
-            <a:xfrm>
-              <a:off x="2400" y="1384"/>
-              <a:ext cx="472" cy="632"/>
-            </a:xfrm>
-            <a:prstGeom prst="rect">
-              <a:avLst/>
-            </a:prstGeom>
-            <a:pattFill prst="zigZag">
-              <a:fgClr>
-                <a:srgbClr val="0066FF"/>
-              </a:fgClr>
-              <a:bgClr>
-                <a:schemeClr val="bg1"/>
-              </a:bgClr>
-            </a:pattFill>
-            <a:ln w="9525">
-              <a:solidFill>
-                <a:srgbClr val="0066FF"/>
-              </a:solidFill>
-              <a:miter lim="800000"/>
-              <a:headEnd/>
-              <a:tailEnd type="none" w="lg" len="lg"/>
-            </a:ln>
-            <a:effectLst/>
-          </p:spPr>
-          <p:txBody>
-            <a:bodyPr wrap="none" anchor="ctr"/>
-            <a:lstStyle/>
-            <a:p>
-              <a:endParaRPr lang="en-US"/>
-            </a:p>
-          </p:txBody>
-        </p:sp>
-        <p:sp>
-          <p:nvSpPr>
-            <p:cNvPr id="372743" name="Rectangle 7" descr="Zig zag"/>
-            <p:cNvSpPr>
-              <a:spLocks noChangeArrowheads="1"/>
-            </p:cNvSpPr>
-            <p:nvPr/>
-          </p:nvSpPr>
-          <p:spPr bwMode="auto">
-            <a:xfrm>
-              <a:off x="4688" y="1376"/>
-              <a:ext cx="472" cy="632"/>
-            </a:xfrm>
-            <a:prstGeom prst="rect">
-              <a:avLst/>
-            </a:prstGeom>
-            <a:pattFill prst="zigZag">
-              <a:fgClr>
-                <a:srgbClr val="0066FF"/>
-              </a:fgClr>
-              <a:bgClr>
-                <a:schemeClr val="bg1"/>
-              </a:bgClr>
-            </a:pattFill>
-            <a:ln w="9525">
-              <a:solidFill>
-                <a:srgbClr val="0066FF"/>
-              </a:solidFill>
-              <a:miter lim="800000"/>
-              <a:headEnd/>
-              <a:tailEnd type="none" w="lg" len="lg"/>
-            </a:ln>
-            <a:effectLst/>
-          </p:spPr>
-          <p:txBody>
-            <a:bodyPr wrap="none" anchor="ctr"/>
-            <a:lstStyle/>
-            <a:p>
-              <a:endParaRPr lang="en-US"/>
-            </a:p>
-          </p:txBody>
-        </p:sp>
-        <p:sp>
-          <p:nvSpPr>
-            <p:cNvPr id="372744" name="Rectangle 8" descr="Zig zag"/>
-            <p:cNvSpPr>
-              <a:spLocks noChangeArrowheads="1"/>
-            </p:cNvSpPr>
-            <p:nvPr/>
-          </p:nvSpPr>
-          <p:spPr bwMode="auto">
-            <a:xfrm>
-              <a:off x="3920" y="1384"/>
-              <a:ext cx="472" cy="632"/>
-            </a:xfrm>
-            <a:prstGeom prst="rect">
-              <a:avLst/>
-            </a:prstGeom>
-            <a:pattFill prst="zigZag">
-              <a:fgClr>
-                <a:srgbClr val="0066FF"/>
-              </a:fgClr>
-              <a:bgClr>
-                <a:schemeClr val="bg1"/>
-              </a:bgClr>
-            </a:pattFill>
-            <a:ln w="9525">
-              <a:solidFill>
-                <a:srgbClr val="0066FF"/>
-              </a:solidFill>
-              <a:miter lim="800000"/>
-              <a:headEnd/>
-              <a:tailEnd type="none" w="lg" len="lg"/>
-            </a:ln>
-            <a:effectLst/>
-          </p:spPr>
-          <p:txBody>
-            <a:bodyPr wrap="none" anchor="ctr"/>
-            <a:lstStyle/>
-            <a:p>
-              <a:endParaRPr lang="en-US"/>
-            </a:p>
-          </p:txBody>
-        </p:sp>
-      </p:grpSp>
-      <p:grpSp>
-        <p:nvGrpSpPr>
-          <p:cNvPr id="3" name="Group 9"/>
-          <p:cNvGrpSpPr>
-            <a:grpSpLocks/>
-          </p:cNvGrpSpPr>
-          <p:nvPr/>
-        </p:nvGrpSpPr>
-        <p:grpSpPr bwMode="auto">
-          <a:xfrm>
-            <a:off x="3048000" y="4178300"/>
-            <a:ext cx="4949825" cy="1635125"/>
-            <a:chOff x="1968" y="2568"/>
-            <a:chExt cx="3118" cy="1030"/>
-          </a:xfrm>
-        </p:grpSpPr>
-        <p:grpSp>
-          <p:nvGrpSpPr>
-            <p:cNvPr id="4" name="Group 10"/>
-            <p:cNvGrpSpPr>
-              <a:grpSpLocks/>
-            </p:cNvGrpSpPr>
-            <p:nvPr/>
-          </p:nvGrpSpPr>
-          <p:grpSpPr bwMode="auto">
-            <a:xfrm>
-              <a:off x="1968" y="2568"/>
-              <a:ext cx="528" cy="520"/>
-              <a:chOff x="768" y="3328"/>
-              <a:chExt cx="504" cy="496"/>
-            </a:xfrm>
-          </p:grpSpPr>
-          <p:sp>
-            <p:nvSpPr>
-              <p:cNvPr id="372747" name="Line 11"/>
-              <p:cNvSpPr>
-                <a:spLocks noChangeShapeType="1"/>
-              </p:cNvSpPr>
-              <p:nvPr/>
-            </p:nvSpPr>
-            <p:spPr bwMode="auto">
-              <a:xfrm>
-                <a:off x="768" y="3336"/>
-                <a:ext cx="0" cy="464"/>
-              </a:xfrm>
-              <a:prstGeom prst="line">
-                <a:avLst/>
-              </a:prstGeom>
-              <a:noFill/>
-              <a:ln w="76200">
-                <a:solidFill>
-                  <a:srgbClr val="0066FF"/>
-                </a:solidFill>
-                <a:round/>
-                <a:headEnd/>
-                <a:tailEnd type="none" w="lg" len="lg"/>
-              </a:ln>
-              <a:effectLst/>
-            </p:spPr>
-            <p:txBody>
-              <a:bodyPr/>
-              <a:lstStyle/>
-              <a:p>
-                <a:endParaRPr lang="en-US"/>
-              </a:p>
-            </p:txBody>
-          </p:sp>
-          <p:sp>
-            <p:nvSpPr>
-              <p:cNvPr id="372748" name="Line 12"/>
-              <p:cNvSpPr>
-                <a:spLocks noChangeShapeType="1"/>
-              </p:cNvSpPr>
-              <p:nvPr/>
-            </p:nvSpPr>
-            <p:spPr bwMode="auto">
-              <a:xfrm>
-                <a:off x="1272" y="3328"/>
-                <a:ext cx="0" cy="464"/>
-              </a:xfrm>
-              <a:prstGeom prst="line">
-                <a:avLst/>
-              </a:prstGeom>
-              <a:noFill/>
-              <a:ln w="76200">
-                <a:solidFill>
-                  <a:srgbClr val="0066FF"/>
-                </a:solidFill>
-                <a:round/>
-                <a:headEnd/>
-                <a:tailEnd type="none" w="lg" len="lg"/>
-              </a:ln>
-              <a:effectLst/>
-            </p:spPr>
-            <p:txBody>
-              <a:bodyPr/>
-              <a:lstStyle/>
-              <a:p>
-                <a:endParaRPr lang="en-US"/>
-              </a:p>
-            </p:txBody>
-          </p:sp>
-          <p:cxnSp>
-            <p:nvCxnSpPr>
-              <p:cNvPr id="372749" name="AutoShape 13"/>
-              <p:cNvCxnSpPr>
-                <a:cxnSpLocks noChangeShapeType="1"/>
-                <a:stCxn id="372747" idx="1"/>
-                <a:endCxn id="372748" idx="1"/>
-              </p:cNvCxnSpPr>
-              <p:nvPr/>
-            </p:nvCxnSpPr>
-            <p:spPr bwMode="auto">
-              <a:xfrm flipV="1">
-                <a:off x="768" y="3816"/>
-                <a:ext cx="504" cy="8"/>
-              </a:xfrm>
-              <a:prstGeom prst="straightConnector1">
-                <a:avLst/>
-              </a:prstGeom>
-              <a:noFill/>
-              <a:ln w="76200">
-                <a:solidFill>
-                  <a:srgbClr val="0066FF"/>
-                </a:solidFill>
-                <a:round/>
-                <a:headEnd/>
-                <a:tailEnd type="none" w="lg" len="lg"/>
-              </a:ln>
-              <a:effectLst/>
-            </p:spPr>
-          </p:cxnSp>
-        </p:grpSp>
-        <p:grpSp>
-          <p:nvGrpSpPr>
-            <p:cNvPr id="5" name="Group 14"/>
-            <p:cNvGrpSpPr>
-              <a:grpSpLocks/>
-            </p:cNvGrpSpPr>
-            <p:nvPr/>
-          </p:nvGrpSpPr>
-          <p:grpSpPr bwMode="auto">
-            <a:xfrm>
-              <a:off x="2808" y="2576"/>
-              <a:ext cx="528" cy="520"/>
-              <a:chOff x="768" y="3328"/>
-              <a:chExt cx="504" cy="496"/>
-            </a:xfrm>
-          </p:grpSpPr>
-          <p:sp>
-            <p:nvSpPr>
-              <p:cNvPr id="372751" name="Line 15"/>
-              <p:cNvSpPr>
-                <a:spLocks noChangeShapeType="1"/>
-              </p:cNvSpPr>
-              <p:nvPr/>
-            </p:nvSpPr>
-            <p:spPr bwMode="auto">
-              <a:xfrm>
-                <a:off x="768" y="3336"/>
-                <a:ext cx="0" cy="464"/>
-              </a:xfrm>
-              <a:prstGeom prst="line">
-                <a:avLst/>
-              </a:prstGeom>
-              <a:noFill/>
-              <a:ln w="76200">
-                <a:solidFill>
-                  <a:srgbClr val="0066FF"/>
-                </a:solidFill>
-                <a:round/>
-                <a:headEnd/>
-                <a:tailEnd type="none" w="lg" len="lg"/>
-              </a:ln>
-              <a:effectLst/>
-            </p:spPr>
-            <p:txBody>
-              <a:bodyPr/>
-              <a:lstStyle/>
-              <a:p>
-                <a:endParaRPr lang="en-US"/>
-              </a:p>
-            </p:txBody>
-          </p:sp>
-          <p:sp>
-            <p:nvSpPr>
-              <p:cNvPr id="372752" name="Line 16"/>
-              <p:cNvSpPr>
-                <a:spLocks noChangeShapeType="1"/>
-              </p:cNvSpPr>
-              <p:nvPr/>
-            </p:nvSpPr>
-            <p:spPr bwMode="auto">
-              <a:xfrm>
-                <a:off x="1272" y="3328"/>
-                <a:ext cx="0" cy="464"/>
-              </a:xfrm>
-              <a:prstGeom prst="line">
-                <a:avLst/>
-              </a:prstGeom>
-              <a:noFill/>
-              <a:ln w="76200">
-                <a:solidFill>
-                  <a:srgbClr val="0066FF"/>
-                </a:solidFill>
-                <a:round/>
-                <a:headEnd/>
-                <a:tailEnd type="none" w="lg" len="lg"/>
-              </a:ln>
-              <a:effectLst/>
-            </p:spPr>
-            <p:txBody>
-              <a:bodyPr/>
-              <a:lstStyle/>
-              <a:p>
-                <a:endParaRPr lang="en-US"/>
-              </a:p>
-            </p:txBody>
-          </p:sp>
-          <p:cxnSp>
-            <p:nvCxnSpPr>
-              <p:cNvPr id="372753" name="AutoShape 17"/>
-              <p:cNvCxnSpPr>
-                <a:cxnSpLocks noChangeShapeType="1"/>
-                <a:stCxn id="372751" idx="1"/>
-                <a:endCxn id="372752" idx="1"/>
-              </p:cNvCxnSpPr>
-              <p:nvPr/>
-            </p:nvCxnSpPr>
-            <p:spPr bwMode="auto">
-              <a:xfrm flipV="1">
-                <a:off x="768" y="3816"/>
-                <a:ext cx="504" cy="8"/>
-              </a:xfrm>
-              <a:prstGeom prst="straightConnector1">
-                <a:avLst/>
-              </a:prstGeom>
-              <a:noFill/>
-              <a:ln w="76200">
-                <a:solidFill>
-                  <a:srgbClr val="0066FF"/>
-                </a:solidFill>
-                <a:round/>
-                <a:headEnd/>
-                <a:tailEnd type="none" w="lg" len="lg"/>
-              </a:ln>
-              <a:effectLst/>
-            </p:spPr>
-          </p:cxnSp>
-        </p:grpSp>
-        <p:grpSp>
-          <p:nvGrpSpPr>
-            <p:cNvPr id="6" name="Group 18"/>
-            <p:cNvGrpSpPr>
-              <a:grpSpLocks/>
-            </p:cNvGrpSpPr>
-            <p:nvPr/>
-          </p:nvGrpSpPr>
-          <p:grpSpPr bwMode="auto">
-            <a:xfrm>
-              <a:off x="3624" y="2568"/>
-              <a:ext cx="528" cy="520"/>
-              <a:chOff x="768" y="3328"/>
-              <a:chExt cx="504" cy="496"/>
-            </a:xfrm>
-          </p:grpSpPr>
-          <p:sp>
-            <p:nvSpPr>
-              <p:cNvPr id="372755" name="Line 19"/>
-              <p:cNvSpPr>
-                <a:spLocks noChangeShapeType="1"/>
-              </p:cNvSpPr>
-              <p:nvPr/>
-            </p:nvSpPr>
-            <p:spPr bwMode="auto">
-              <a:xfrm>
-                <a:off x="768" y="3336"/>
-                <a:ext cx="0" cy="464"/>
-              </a:xfrm>
-              <a:prstGeom prst="line">
-                <a:avLst/>
-              </a:prstGeom>
-              <a:noFill/>
-              <a:ln w="76200">
-                <a:solidFill>
-                  <a:srgbClr val="0066FF"/>
-                </a:solidFill>
-                <a:round/>
-                <a:headEnd/>
-                <a:tailEnd type="none" w="lg" len="lg"/>
-              </a:ln>
-              <a:effectLst/>
-            </p:spPr>
-            <p:txBody>
-              <a:bodyPr/>
-              <a:lstStyle/>
-              <a:p>
-                <a:endParaRPr lang="en-US"/>
-              </a:p>
-            </p:txBody>
-          </p:sp>
-          <p:sp>
-            <p:nvSpPr>
-              <p:cNvPr id="372756" name="Line 20"/>
-              <p:cNvSpPr>
-                <a:spLocks noChangeShapeType="1"/>
-              </p:cNvSpPr>
-              <p:nvPr/>
-            </p:nvSpPr>
-            <p:spPr bwMode="auto">
-              <a:xfrm>
-                <a:off x="1272" y="3328"/>
-                <a:ext cx="0" cy="464"/>
-              </a:xfrm>
-              <a:prstGeom prst="line">
-                <a:avLst/>
-              </a:prstGeom>
-              <a:noFill/>
-              <a:ln w="76200">
-                <a:solidFill>
-                  <a:srgbClr val="0066FF"/>
-                </a:solidFill>
-                <a:round/>
-                <a:headEnd/>
-                <a:tailEnd type="none" w="lg" len="lg"/>
-              </a:ln>
-              <a:effectLst/>
-            </p:spPr>
-            <p:txBody>
-              <a:bodyPr/>
-              <a:lstStyle/>
-              <a:p>
-                <a:endParaRPr lang="en-US"/>
-              </a:p>
-            </p:txBody>
-          </p:sp>
-          <p:cxnSp>
-            <p:nvCxnSpPr>
-              <p:cNvPr id="372757" name="AutoShape 21"/>
-              <p:cNvCxnSpPr>
-                <a:cxnSpLocks noChangeShapeType="1"/>
-                <a:stCxn id="372755" idx="1"/>
-                <a:endCxn id="372756" idx="1"/>
-              </p:cNvCxnSpPr>
-              <p:nvPr/>
-            </p:nvCxnSpPr>
-            <p:spPr bwMode="auto">
-              <a:xfrm flipV="1">
-                <a:off x="768" y="3816"/>
-                <a:ext cx="504" cy="8"/>
-              </a:xfrm>
-              <a:prstGeom prst="straightConnector1">
-                <a:avLst/>
-              </a:prstGeom>
-              <a:noFill/>
-              <a:ln w="76200">
-                <a:solidFill>
-                  <a:srgbClr val="0066FF"/>
-                </a:solidFill>
-                <a:round/>
-                <a:headEnd/>
-                <a:tailEnd type="none" w="lg" len="lg"/>
-              </a:ln>
-              <a:effectLst/>
-            </p:spPr>
-          </p:cxnSp>
-        </p:grpSp>
-        <p:grpSp>
-          <p:nvGrpSpPr>
-            <p:cNvPr id="7" name="Group 22"/>
-            <p:cNvGrpSpPr>
-              <a:grpSpLocks/>
-            </p:cNvGrpSpPr>
-            <p:nvPr/>
-          </p:nvGrpSpPr>
-          <p:grpSpPr bwMode="auto">
-            <a:xfrm>
-              <a:off x="4392" y="2568"/>
-              <a:ext cx="528" cy="520"/>
-              <a:chOff x="768" y="3328"/>
-              <a:chExt cx="504" cy="496"/>
-            </a:xfrm>
-          </p:grpSpPr>
-          <p:sp>
-            <p:nvSpPr>
-              <p:cNvPr id="372759" name="Line 23"/>
-              <p:cNvSpPr>
-                <a:spLocks noChangeShapeType="1"/>
-              </p:cNvSpPr>
-              <p:nvPr/>
-            </p:nvSpPr>
-            <p:spPr bwMode="auto">
-              <a:xfrm>
-                <a:off x="768" y="3336"/>
-                <a:ext cx="0" cy="464"/>
-              </a:xfrm>
-              <a:prstGeom prst="line">
-                <a:avLst/>
-              </a:prstGeom>
-              <a:noFill/>
-              <a:ln w="76200">
-                <a:solidFill>
-                  <a:srgbClr val="0066FF"/>
-                </a:solidFill>
-                <a:round/>
-                <a:headEnd/>
-                <a:tailEnd type="none" w="lg" len="lg"/>
-              </a:ln>
-              <a:effectLst/>
-            </p:spPr>
-            <p:txBody>
-              <a:bodyPr/>
-              <a:lstStyle/>
-              <a:p>
-                <a:endParaRPr lang="en-US"/>
-              </a:p>
-            </p:txBody>
-          </p:sp>
-          <p:sp>
-            <p:nvSpPr>
-              <p:cNvPr id="372760" name="Line 24"/>
-              <p:cNvSpPr>
-                <a:spLocks noChangeShapeType="1"/>
-              </p:cNvSpPr>
-              <p:nvPr/>
-            </p:nvSpPr>
-            <p:spPr bwMode="auto">
-              <a:xfrm>
-                <a:off x="1272" y="3328"/>
-                <a:ext cx="0" cy="464"/>
-              </a:xfrm>
-              <a:prstGeom prst="line">
-                <a:avLst/>
-              </a:prstGeom>
-              <a:noFill/>
-              <a:ln w="76200">
-                <a:solidFill>
-                  <a:srgbClr val="0066FF"/>
-                </a:solidFill>
-                <a:round/>
-                <a:headEnd/>
-                <a:tailEnd type="none" w="lg" len="lg"/>
-              </a:ln>
-              <a:effectLst/>
-            </p:spPr>
-            <p:txBody>
-              <a:bodyPr/>
-              <a:lstStyle/>
-              <a:p>
-                <a:endParaRPr lang="en-US"/>
-              </a:p>
-            </p:txBody>
-          </p:sp>
-          <p:cxnSp>
-            <p:nvCxnSpPr>
-              <p:cNvPr id="372761" name="AutoShape 25"/>
-              <p:cNvCxnSpPr>
-                <a:cxnSpLocks noChangeShapeType="1"/>
-                <a:stCxn id="372759" idx="1"/>
-                <a:endCxn id="372760" idx="1"/>
-              </p:cNvCxnSpPr>
-              <p:nvPr/>
-            </p:nvCxnSpPr>
-            <p:spPr bwMode="auto">
-              <a:xfrm flipV="1">
-                <a:off x="768" y="3816"/>
-                <a:ext cx="504" cy="8"/>
-              </a:xfrm>
-              <a:prstGeom prst="straightConnector1">
-                <a:avLst/>
-              </a:prstGeom>
-              <a:noFill/>
-              <a:ln w="76200">
-                <a:solidFill>
-                  <a:srgbClr val="0066FF"/>
-                </a:solidFill>
-                <a:round/>
-                <a:headEnd/>
-                <a:tailEnd type="none" w="lg" len="lg"/>
-              </a:ln>
-              <a:effectLst/>
-            </p:spPr>
-          </p:cxnSp>
-        </p:grpSp>
-        <p:sp>
-          <p:nvSpPr>
-            <p:cNvPr id="372762" name="Text Box 26"/>
-            <p:cNvSpPr txBox="1">
-              <a:spLocks noChangeArrowheads="1"/>
-            </p:cNvSpPr>
-            <p:nvPr/>
-          </p:nvSpPr>
-          <p:spPr bwMode="auto">
-            <a:xfrm>
-              <a:off x="2054" y="2964"/>
-              <a:ext cx="3032" cy="634"/>
-            </a:xfrm>
-            <a:prstGeom prst="rect">
-              <a:avLst/>
-            </a:prstGeom>
-            <a:noFill/>
-            <a:ln w="9525">
-              <a:noFill/>
-              <a:miter lim="800000"/>
-              <a:headEnd/>
-              <a:tailEnd type="none" w="lg" len="lg"/>
-            </a:ln>
-            <a:effectLst/>
-          </p:spPr>
-          <p:txBody>
-            <a:bodyPr>
-              <a:spAutoFit/>
-            </a:bodyPr>
-            <a:lstStyle/>
-            <a:p>
-              <a:pPr>
-                <a:spcBef>
-                  <a:spcPct val="0"/>
-                </a:spcBef>
-              </a:pPr>
-              <a:r>
-                <a:rPr lang="en-US" sz="6000">
-                  <a:cs typeface="Times New Roman" pitchFamily="18" charset="0"/>
-                </a:rPr>
-                <a:t>♠     </a:t>
-              </a:r>
-              <a:r>
-                <a:rPr lang="en-US" sz="6000">
-                  <a:solidFill>
-                    <a:schemeClr val="accent2"/>
-                  </a:solidFill>
-                </a:rPr>
-                <a:t>♥</a:t>
-              </a:r>
-              <a:r>
-                <a:rPr lang="en-US" sz="3600"/>
-                <a:t>       </a:t>
-              </a:r>
-              <a:r>
-                <a:rPr lang="en-US" sz="6000">
-                  <a:cs typeface="Times New Roman" pitchFamily="18" charset="0"/>
-                </a:rPr>
-                <a:t>♣    </a:t>
-              </a:r>
-              <a:r>
-                <a:rPr lang="en-US" sz="6000">
-                  <a:solidFill>
-                    <a:schemeClr val="accent2"/>
-                  </a:solidFill>
-                  <a:cs typeface="Times New Roman" pitchFamily="18" charset="0"/>
-                </a:rPr>
-                <a:t>♦</a:t>
-              </a:r>
-            </a:p>
-          </p:txBody>
-        </p:sp>
-      </p:grpSp>
-      <p:sp>
-        <p:nvSpPr>
-          <p:cNvPr id="372763" name="Text Box 27"/>
-          <p:cNvSpPr txBox="1">
-            <a:spLocks noChangeArrowheads="1"/>
-          </p:cNvSpPr>
-          <p:nvPr/>
-        </p:nvSpPr>
-        <p:spPr bwMode="auto">
-          <a:xfrm>
-            <a:off x="441325" y="2139950"/>
-            <a:ext cx="2105063" cy="3416320"/>
-          </a:xfrm>
-          <a:prstGeom prst="rect">
-            <a:avLst/>
-          </a:prstGeom>
-          <a:noFill/>
-          <a:ln w="9525">
-            <a:noFill/>
-            <a:miter lim="800000"/>
-            <a:headEnd/>
-            <a:tailEnd type="none" w="lg" len="lg"/>
-          </a:ln>
-          <a:effectLst/>
-        </p:spPr>
-        <p:txBody>
-          <a:bodyPr wrap="none">
-            <a:spAutoFit/>
-          </a:bodyPr>
-          <a:lstStyle/>
-          <a:p>
-            <a:pPr>
-              <a:spcBef>
-                <a:spcPct val="0"/>
-              </a:spcBef>
-            </a:pPr>
-            <a:r>
-              <a:rPr lang="en-US" sz="3600" dirty="0">
-                <a:latin typeface="Comic Sans MS" pitchFamily="66" charset="0"/>
-              </a:rPr>
-              <a:t>5 cards</a:t>
-            </a:r>
-          </a:p>
-          <a:p>
-            <a:pPr>
-              <a:spcBef>
-                <a:spcPct val="0"/>
-              </a:spcBef>
-            </a:pPr>
-            <a:r>
-              <a:rPr lang="en-US" sz="3600" dirty="0">
-                <a:latin typeface="Comic Sans MS" pitchFamily="66" charset="0"/>
-              </a:rPr>
-              <a:t>(pigeons)</a:t>
-            </a:r>
-          </a:p>
-          <a:p>
-            <a:pPr>
-              <a:spcBef>
-                <a:spcPct val="0"/>
-              </a:spcBef>
-            </a:pPr>
-            <a:endParaRPr lang="en-US" sz="3600" dirty="0">
-              <a:latin typeface="Comic Sans MS" pitchFamily="66" charset="0"/>
-            </a:endParaRPr>
-          </a:p>
-          <a:p>
-            <a:pPr>
-              <a:spcBef>
-                <a:spcPct val="0"/>
-              </a:spcBef>
-            </a:pPr>
-            <a:endParaRPr lang="en-US" sz="3600" dirty="0">
-              <a:latin typeface="Comic Sans MS" pitchFamily="66" charset="0"/>
-            </a:endParaRPr>
-          </a:p>
-          <a:p>
-            <a:pPr>
-              <a:spcBef>
-                <a:spcPct val="0"/>
-              </a:spcBef>
-            </a:pPr>
-            <a:r>
-              <a:rPr lang="en-US" sz="3600" dirty="0">
-                <a:latin typeface="Comic Sans MS" pitchFamily="66" charset="0"/>
-              </a:rPr>
-              <a:t>4 suits</a:t>
-            </a:r>
-          </a:p>
-          <a:p>
-            <a:pPr>
-              <a:spcBef>
-                <a:spcPct val="0"/>
-              </a:spcBef>
-            </a:pPr>
-            <a:r>
-              <a:rPr lang="en-US" sz="3600" dirty="0">
-                <a:latin typeface="Comic Sans MS" pitchFamily="66" charset="0"/>
-              </a:rPr>
-              <a:t>(holes)</a:t>
-            </a:r>
-          </a:p>
-        </p:txBody>
-      </p:sp>
-      <p:grpSp>
-        <p:nvGrpSpPr>
-          <p:cNvPr id="8" name="Group 28"/>
-          <p:cNvGrpSpPr>
-            <a:grpSpLocks/>
-          </p:cNvGrpSpPr>
-          <p:nvPr/>
-        </p:nvGrpSpPr>
-        <p:grpSpPr bwMode="auto">
-          <a:xfrm>
-            <a:off x="3073400" y="3238500"/>
-            <a:ext cx="4584700" cy="965200"/>
-            <a:chOff x="1936" y="2040"/>
-            <a:chExt cx="2888" cy="608"/>
-          </a:xfrm>
-        </p:grpSpPr>
-        <p:sp>
-          <p:nvSpPr>
-            <p:cNvPr id="372765" name="Line 29"/>
-            <p:cNvSpPr>
-              <a:spLocks noChangeShapeType="1"/>
-            </p:cNvSpPr>
-            <p:nvPr/>
-          </p:nvSpPr>
-          <p:spPr bwMode="auto">
-            <a:xfrm>
-              <a:off x="1936" y="2040"/>
-              <a:ext cx="224" cy="560"/>
-            </a:xfrm>
-            <a:prstGeom prst="line">
-              <a:avLst/>
-            </a:prstGeom>
-            <a:noFill/>
-            <a:ln w="38100">
-              <a:solidFill>
-                <a:schemeClr val="tx1"/>
-              </a:solidFill>
-              <a:round/>
-              <a:headEnd/>
-              <a:tailEnd type="arrow" w="lg" len="lg"/>
-            </a:ln>
-            <a:effectLst/>
-          </p:spPr>
-          <p:txBody>
-            <a:bodyPr/>
-            <a:lstStyle/>
-            <a:p>
-              <a:endParaRPr lang="en-US"/>
-            </a:p>
-          </p:txBody>
-        </p:sp>
-        <p:sp>
-          <p:nvSpPr>
-            <p:cNvPr id="372766" name="Line 30"/>
-            <p:cNvSpPr>
-              <a:spLocks noChangeShapeType="1"/>
-            </p:cNvSpPr>
-            <p:nvPr/>
-          </p:nvSpPr>
-          <p:spPr bwMode="auto">
-            <a:xfrm>
-              <a:off x="2632" y="2096"/>
-              <a:ext cx="360" cy="552"/>
-            </a:xfrm>
-            <a:prstGeom prst="line">
-              <a:avLst/>
-            </a:prstGeom>
-            <a:noFill/>
-            <a:ln w="38100">
-              <a:solidFill>
-                <a:schemeClr val="tx1"/>
-              </a:solidFill>
-              <a:round/>
-              <a:headEnd/>
-              <a:tailEnd type="arrow" w="lg" len="lg"/>
-            </a:ln>
-            <a:effectLst/>
-          </p:spPr>
-          <p:txBody>
-            <a:bodyPr/>
-            <a:lstStyle/>
-            <a:p>
-              <a:endParaRPr lang="en-US"/>
-            </a:p>
-          </p:txBody>
-        </p:sp>
-        <p:sp>
-          <p:nvSpPr>
-            <p:cNvPr id="372767" name="Line 31"/>
-            <p:cNvSpPr>
-              <a:spLocks noChangeShapeType="1"/>
-            </p:cNvSpPr>
-            <p:nvPr/>
-          </p:nvSpPr>
-          <p:spPr bwMode="auto">
-            <a:xfrm flipH="1">
-              <a:off x="4704" y="2088"/>
-              <a:ext cx="120" cy="552"/>
-            </a:xfrm>
-            <a:prstGeom prst="line">
-              <a:avLst/>
-            </a:prstGeom>
-            <a:noFill/>
-            <a:ln w="38100">
-              <a:solidFill>
-                <a:schemeClr val="tx1"/>
-              </a:solidFill>
-              <a:round/>
-              <a:headEnd/>
-              <a:tailEnd type="arrow" w="lg" len="lg"/>
-            </a:ln>
-            <a:effectLst/>
-          </p:spPr>
-          <p:txBody>
-            <a:bodyPr/>
-            <a:lstStyle/>
-            <a:p>
-              <a:endParaRPr lang="en-US"/>
-            </a:p>
-          </p:txBody>
-        </p:sp>
-        <p:sp>
-          <p:nvSpPr>
-            <p:cNvPr id="372768" name="Line 32"/>
-            <p:cNvSpPr>
-              <a:spLocks noChangeShapeType="1"/>
-            </p:cNvSpPr>
-            <p:nvPr/>
-          </p:nvSpPr>
-          <p:spPr bwMode="auto">
-            <a:xfrm flipH="1">
-              <a:off x="3864" y="2088"/>
-              <a:ext cx="256" cy="472"/>
-            </a:xfrm>
-            <a:prstGeom prst="line">
-              <a:avLst/>
-            </a:prstGeom>
-            <a:noFill/>
-            <a:ln w="38100">
-              <a:solidFill>
-                <a:schemeClr val="tx1"/>
-              </a:solidFill>
-              <a:round/>
-              <a:headEnd/>
-              <a:tailEnd type="arrow" w="lg" len="lg"/>
-            </a:ln>
-            <a:effectLst/>
-          </p:spPr>
-          <p:txBody>
-            <a:bodyPr/>
-            <a:lstStyle/>
-            <a:p>
-              <a:endParaRPr lang="en-US"/>
-            </a:p>
-          </p:txBody>
-        </p:sp>
-        <p:sp>
-          <p:nvSpPr>
-            <p:cNvPr id="372769" name="Line 33"/>
-            <p:cNvSpPr>
-              <a:spLocks noChangeShapeType="1"/>
-            </p:cNvSpPr>
-            <p:nvPr/>
-          </p:nvSpPr>
-          <p:spPr bwMode="auto">
-            <a:xfrm flipH="1">
-              <a:off x="3064" y="2080"/>
-              <a:ext cx="256" cy="568"/>
-            </a:xfrm>
-            <a:prstGeom prst="line">
-              <a:avLst/>
-            </a:prstGeom>
-            <a:noFill/>
-            <a:ln w="38100">
-              <a:solidFill>
-                <a:schemeClr val="tx1"/>
-              </a:solidFill>
-              <a:round/>
-              <a:headEnd/>
-              <a:tailEnd type="arrow" w="lg" len="lg"/>
-            </a:ln>
-            <a:effectLst/>
-          </p:spPr>
-          <p:txBody>
-            <a:bodyPr/>
-            <a:lstStyle/>
-            <a:p>
-              <a:endParaRPr lang="en-US"/>
-            </a:p>
-          </p:txBody>
-        </p:sp>
-      </p:grpSp>
-    </p:spTree>
-  </p:cSld>
-  <p:clrMapOvr>
-    <a:masterClrMapping/>
-  </p:clrMapOvr>
-  <p:transition xmlns:p14="http://schemas.microsoft.com/office/powerpoint/2010/main"/>
-  <p:timing>
-    <p:tnLst>
-      <p:par>
-        <p:cTn xmlns:p14="http://schemas.microsoft.com/office/powerpoint/2010/main" id="1" dur="indefinite" restart="never" nodeType="tmRoot">
-          <p:childTnLst>
-            <p:seq concurrent="1" nextAc="seek">
-              <p:cTn id="2" dur="indefinite" nodeType="mainSeq">
-                <p:childTnLst>
-                  <p:par>
-                    <p:cTn id="3" fill="hold">
-                      <p:stCondLst>
-                        <p:cond delay="indefinite"/>
-                      </p:stCondLst>
-                      <p:childTnLst>
-                        <p:par>
-                          <p:cTn id="4" fill="hold">
-                            <p:stCondLst>
-                              <p:cond delay="0"/>
-                            </p:stCondLst>
-                            <p:childTnLst>
-                              <p:par>
-                                <p:cTn id="5" presetID="22" presetClass="entr" presetSubtype="1" fill="hold" nodeType="clickEffect">
-                                  <p:stCondLst>
-                                    <p:cond delay="0"/>
-                                  </p:stCondLst>
-                                  <p:childTnLst>
-                                    <p:set>
-                                      <p:cBhvr>
-                                        <p:cTn id="6" dur="1" fill="hold">
-                                          <p:stCondLst>
-                                            <p:cond delay="0"/>
-                                          </p:stCondLst>
-                                        </p:cTn>
-                                        <p:tgtEl>
-                                          <p:spTgt spid="8"/>
-                                        </p:tgtEl>
-                                        <p:attrNameLst>
-                                          <p:attrName>style.visibility</p:attrName>
-                                        </p:attrNameLst>
-                                      </p:cBhvr>
-                                      <p:to>
-                                        <p:strVal val="visible"/>
-                                      </p:to>
-                                    </p:set>
-                                    <p:animEffect transition="in" filter="wipe(up)">
-                                      <p:cBhvr>
-                                        <p:cTn id="7" dur="500"/>
-                                        <p:tgtEl>
-                                          <p:spTgt spid="8"/>
-                                        </p:tgtEl>
-                                      </p:cBhvr>
-                                    </p:animEffect>
-                                  </p:childTnLst>
-                                </p:cTn>
-                              </p:par>
-                            </p:childTnLst>
-                          </p:cTn>
-                        </p:par>
-                      </p:childTnLst>
-                    </p:cTn>
-                  </p:par>
-                </p:childTnLst>
-              </p:cTn>
-              <p:prevCondLst>
-                <p:cond evt="onPrev" delay="0">
-                  <p:tgtEl>
-                    <p:sldTgt/>
-                  </p:tgtEl>
-                </p:cond>
-              </p:prevCondLst>
-              <p:nextCondLst>
-                <p:cond evt="onNext" delay="0">
-                  <p:tgtEl>
-                    <p:sldTgt/>
-                  </p:tgtEl>
-                </p:cond>
-              </p:nextCondLst>
-            </p:seq>
-          </p:childTnLst>
-        </p:cTn>
-      </p:par>
-    </p:tnLst>
-  </p:timing>
-</p:sld>
-</file>
-
-<file path=ppt/slides/slide35.xml><?xml version="1.0" encoding="utf-8"?>
-<p:sld xmlns:a="http://schemas.openxmlformats.org/drawingml/2006/main" xmlns:r="http://schemas.openxmlformats.org/officeDocument/2006/relationships" xmlns:p="http://schemas.openxmlformats.org/presentationml/2006/main" show="0">
-  <p:cSld>
-    <p:spTree>
-      <p:nvGrpSpPr>
-        <p:cNvPr id="1" name=""/>
-        <p:cNvGrpSpPr/>
-        <p:nvPr/>
-      </p:nvGrpSpPr>
-      <p:grpSpPr>
-        <a:xfrm>
-          <a:off x="0" y="0"/>
-          <a:ext cx="0" cy="0"/>
-          <a:chOff x="0" y="0"/>
-          <a:chExt cx="0" cy="0"/>
-        </a:xfrm>
-      </p:grpSpPr>
-      <p:sp>
-        <p:nvSpPr>
-          <p:cNvPr id="4" name="Slide Number Placeholder 3"/>
-          <p:cNvSpPr>
-            <a:spLocks noGrp="1"/>
-          </p:cNvSpPr>
-          <p:nvPr>
-            <p:ph type="sldNum" sz="quarter" idx="10"/>
-          </p:nvPr>
-        </p:nvSpPr>
-        <p:spPr/>
-        <p:txBody>
-          <a:bodyPr/>
-          <a:lstStyle/>
-          <a:p>
-            <a:r>
-              <a:rPr lang="en-US" dirty="0" err="1" smtClean="0"/>
-              <a:t>lec</a:t>
-            </a:r>
-            <a:r>
-              <a:rPr lang="en-US" dirty="0" smtClean="0"/>
-              <a:t> </a:t>
-            </a:r>
-            <a:r>
-              <a:rPr lang="en-US" dirty="0" smtClean="0"/>
-              <a:t>10W.</a:t>
-            </a:r>
-            <a:fld id="{2047D62D-029E-4D15-8766-64706C394813}" type="slidenum">
-              <a:rPr lang="en-US" smtClean="0"/>
-              <a:pPr/>
-              <a:t>35</a:t>
-            </a:fld>
-            <a:endParaRPr lang="en-US" dirty="0"/>
-          </a:p>
-        </p:txBody>
-      </p:sp>
-      <p:sp>
-        <p:nvSpPr>
-          <p:cNvPr id="373762" name="Rectangle 2"/>
-          <p:cNvSpPr>
-            <a:spLocks noGrp="1" noChangeArrowheads="1"/>
-          </p:cNvSpPr>
-          <p:nvPr>
-            <p:ph type="title"/>
-          </p:nvPr>
-        </p:nvSpPr>
-        <p:spPr/>
-        <p:txBody>
-          <a:bodyPr/>
-          <a:lstStyle/>
-          <a:p>
-            <a:r>
-              <a:rPr lang="en-US" sz="4800">
-                <a:solidFill>
-                  <a:schemeClr val="tx1"/>
-                </a:solidFill>
-              </a:rPr>
-              <a:t>10 </a:t>
-            </a:r>
-            <a:r>
-              <a:rPr lang="en-US" sz="4800"/>
-              <a:t>Card Draw</a:t>
-            </a:r>
-          </a:p>
-        </p:txBody>
-      </p:sp>
-      <p:sp>
-        <p:nvSpPr>
-          <p:cNvPr id="373763" name="Rectangle 3"/>
-          <p:cNvSpPr>
-            <a:spLocks noGrp="1" noChangeArrowheads="1"/>
-          </p:cNvSpPr>
-          <p:nvPr>
-            <p:ph type="body" idx="1"/>
-          </p:nvPr>
-        </p:nvSpPr>
-        <p:spPr>
-          <a:xfrm>
-            <a:off x="533400" y="2286000"/>
-            <a:ext cx="8013700" cy="2298700"/>
-          </a:xfrm>
-        </p:spPr>
-        <p:txBody>
-          <a:bodyPr/>
-          <a:lstStyle/>
-          <a:p>
-            <a:pPr>
-              <a:buFontTx/>
-              <a:buNone/>
-            </a:pPr>
-            <a:r>
-              <a:rPr lang="en-US" sz="5400">
-                <a:solidFill>
-                  <a:srgbClr val="3333CC"/>
-                </a:solidFill>
-              </a:rPr>
-              <a:t>10 </a:t>
-            </a:r>
-            <a:r>
-              <a:rPr lang="en-US" sz="5400"/>
-              <a:t>cards: how many have </a:t>
-            </a:r>
-          </a:p>
-          <a:p>
-            <a:pPr>
-              <a:buFontTx/>
-              <a:buNone/>
-            </a:pPr>
-            <a:r>
-              <a:rPr lang="en-US" sz="5400"/>
-              <a:t> the same suit?</a:t>
-            </a:r>
-          </a:p>
-        </p:txBody>
-      </p:sp>
-    </p:spTree>
-  </p:cSld>
-  <p:clrMapOvr>
-    <a:masterClrMapping/>
-  </p:clrMapOvr>
-  <p:transition xmlns:p14="http://schemas.microsoft.com/office/powerpoint/2010/main"/>
-  <p:timing>
-    <p:tnLst>
-      <p:par>
-        <p:cTn xmlns:p14="http://schemas.microsoft.com/office/powerpoint/2010/main" id="1" dur="indefinite" restart="never" nodeType="tmRoot"/>
-      </p:par>
-    </p:tnLst>
-  </p:timing>
-</p:sld>
-</file>
-
-<file path=ppt/slides/slide36.xml><?xml version="1.0" encoding="utf-8"?>
-<p:sld xmlns:a="http://schemas.openxmlformats.org/drawingml/2006/main" xmlns:r="http://schemas.openxmlformats.org/officeDocument/2006/relationships" xmlns:p="http://schemas.openxmlformats.org/presentationml/2006/main" show="0">
-  <p:cSld>
-    <p:spTree>
-      <p:nvGrpSpPr>
-        <p:cNvPr id="1" name=""/>
-        <p:cNvGrpSpPr/>
-        <p:nvPr/>
-      </p:nvGrpSpPr>
-      <p:grpSpPr>
-        <a:xfrm>
-          <a:off x="0" y="0"/>
-          <a:ext cx="0" cy="0"/>
-          <a:chOff x="0" y="0"/>
-          <a:chExt cx="0" cy="0"/>
-        </a:xfrm>
-      </p:grpSpPr>
-      <p:sp>
-        <p:nvSpPr>
-          <p:cNvPr id="35" name="Slide Number Placeholder 2"/>
-          <p:cNvSpPr>
-            <a:spLocks noGrp="1"/>
-          </p:cNvSpPr>
-          <p:nvPr>
-            <p:ph type="sldNum" sz="quarter" idx="10"/>
-          </p:nvPr>
-        </p:nvSpPr>
-        <p:spPr/>
-        <p:txBody>
-          <a:bodyPr/>
-          <a:lstStyle/>
-          <a:p>
-            <a:r>
-              <a:rPr lang="en-US" dirty="0" err="1" smtClean="0"/>
-              <a:t>lec</a:t>
-            </a:r>
-            <a:r>
-              <a:rPr lang="en-US" dirty="0" smtClean="0"/>
-              <a:t> </a:t>
-            </a:r>
-            <a:r>
-              <a:rPr lang="en-US" dirty="0" smtClean="0"/>
-              <a:t>10W.</a:t>
-            </a:r>
-            <a:fld id="{5CD33F37-20A9-45F8-AF45-45B40495E381}" type="slidenum">
-              <a:rPr lang="en-US" smtClean="0"/>
-              <a:pPr/>
-              <a:t>36</a:t>
-            </a:fld>
-            <a:endParaRPr lang="en-US" dirty="0"/>
-          </a:p>
-        </p:txBody>
-      </p:sp>
-      <p:sp>
-        <p:nvSpPr>
-          <p:cNvPr id="374786" name="Rectangle 2"/>
-          <p:cNvSpPr>
-            <a:spLocks noGrp="1" noChangeArrowheads="1"/>
-          </p:cNvSpPr>
-          <p:nvPr>
-            <p:ph type="title"/>
-          </p:nvPr>
-        </p:nvSpPr>
-        <p:spPr/>
-        <p:txBody>
-          <a:bodyPr/>
-          <a:lstStyle/>
-          <a:p>
-            <a:r>
-              <a:rPr lang="en-US" sz="4800"/>
-              <a:t>10 Card Draw</a:t>
-            </a:r>
-          </a:p>
-        </p:txBody>
-      </p:sp>
-      <p:sp>
-        <p:nvSpPr>
-          <p:cNvPr id="374814" name="Text Box 30"/>
-          <p:cNvSpPr txBox="1">
-            <a:spLocks noChangeArrowheads="1"/>
-          </p:cNvSpPr>
-          <p:nvPr/>
-        </p:nvSpPr>
-        <p:spPr bwMode="auto">
-          <a:xfrm>
-            <a:off x="609600" y="4648200"/>
-            <a:ext cx="7924800" cy="1754326"/>
-          </a:xfrm>
-          <a:prstGeom prst="rect">
-            <a:avLst/>
-          </a:prstGeom>
-          <a:noFill/>
-          <a:ln w="9525">
-            <a:noFill/>
-            <a:miter lim="800000"/>
-            <a:headEnd/>
-            <a:tailEnd type="none" w="lg" len="lg"/>
-          </a:ln>
-          <a:effectLst/>
-        </p:spPr>
-        <p:txBody>
-          <a:bodyPr wrap="square">
-            <a:spAutoFit/>
-          </a:bodyPr>
-          <a:lstStyle/>
-          <a:p>
-            <a:pPr>
-              <a:spcBef>
-                <a:spcPct val="0"/>
-              </a:spcBef>
-            </a:pPr>
-            <a:r>
-              <a:rPr lang="en-US" sz="5400" b="1" dirty="0" smtClean="0">
-                <a:solidFill>
-                  <a:schemeClr val="accent2"/>
-                </a:solidFill>
-                <a:latin typeface="+mj-lt"/>
-                <a:cs typeface="Times New Roman" pitchFamily="18" charset="0"/>
-              </a:rPr>
-              <a:t>&lt;</a:t>
-            </a:r>
-            <a:r>
-              <a:rPr lang="en-US" sz="5400" dirty="0" smtClean="0">
-                <a:solidFill>
-                  <a:schemeClr val="accent2"/>
-                </a:solidFill>
-                <a:latin typeface="Comic Sans MS" pitchFamily="66" charset="0"/>
-                <a:cs typeface="Times New Roman" pitchFamily="18" charset="0"/>
-              </a:rPr>
-              <a:t> </a:t>
-            </a:r>
-            <a:r>
-              <a:rPr lang="en-US" sz="5400" dirty="0">
-                <a:solidFill>
-                  <a:schemeClr val="accent2"/>
-                </a:solidFill>
-                <a:latin typeface="Comic Sans MS" pitchFamily="66" charset="0"/>
-                <a:cs typeface="Times New Roman" pitchFamily="18" charset="0"/>
-              </a:rPr>
-              <a:t>3 </a:t>
-            </a:r>
-            <a:r>
-              <a:rPr lang="en-US" sz="5400" dirty="0">
-                <a:latin typeface="Comic Sans MS" pitchFamily="66" charset="0"/>
-              </a:rPr>
-              <a:t>cards in every </a:t>
-            </a:r>
-            <a:r>
-              <a:rPr lang="en-US" sz="5400" dirty="0" smtClean="0">
-                <a:latin typeface="Comic Sans MS" pitchFamily="66" charset="0"/>
-              </a:rPr>
-              <a:t>hole?</a:t>
-            </a:r>
-          </a:p>
-          <a:p>
-            <a:pPr algn="ctr">
-              <a:spcBef>
-                <a:spcPct val="0"/>
-              </a:spcBef>
-            </a:pPr>
-            <a:r>
-              <a:rPr lang="en-US" sz="5400" dirty="0" smtClean="0">
-                <a:solidFill>
-                  <a:srgbClr val="FF0000"/>
-                </a:solidFill>
-                <a:latin typeface="Comic Sans MS" pitchFamily="66" charset="0"/>
-              </a:rPr>
-              <a:t>NO!</a:t>
-            </a:r>
-            <a:endParaRPr lang="en-US" sz="5400" dirty="0">
-              <a:solidFill>
-                <a:srgbClr val="FF0000"/>
-              </a:solidFill>
-              <a:latin typeface="Comic Sans MS" pitchFamily="66" charset="0"/>
-            </a:endParaRPr>
-          </a:p>
-        </p:txBody>
-      </p:sp>
-      <p:grpSp>
-        <p:nvGrpSpPr>
-          <p:cNvPr id="3" name="Group 3"/>
-          <p:cNvGrpSpPr>
-            <a:grpSpLocks/>
-          </p:cNvGrpSpPr>
-          <p:nvPr/>
-        </p:nvGrpSpPr>
-        <p:grpSpPr bwMode="auto">
-          <a:xfrm>
-            <a:off x="1316038" y="2971800"/>
-            <a:ext cx="4949825" cy="1635125"/>
-            <a:chOff x="1968" y="2568"/>
-            <a:chExt cx="3118" cy="1030"/>
-          </a:xfrm>
-        </p:grpSpPr>
-        <p:grpSp>
-          <p:nvGrpSpPr>
-            <p:cNvPr id="4" name="Group 4"/>
-            <p:cNvGrpSpPr>
-              <a:grpSpLocks/>
-            </p:cNvGrpSpPr>
-            <p:nvPr/>
-          </p:nvGrpSpPr>
-          <p:grpSpPr bwMode="auto">
-            <a:xfrm>
-              <a:off x="1968" y="2568"/>
-              <a:ext cx="528" cy="520"/>
-              <a:chOff x="768" y="3328"/>
-              <a:chExt cx="504" cy="496"/>
-            </a:xfrm>
-          </p:grpSpPr>
-          <p:sp>
-            <p:nvSpPr>
-              <p:cNvPr id="374789" name="Line 5"/>
-              <p:cNvSpPr>
-                <a:spLocks noChangeShapeType="1"/>
-              </p:cNvSpPr>
-              <p:nvPr/>
-            </p:nvSpPr>
-            <p:spPr bwMode="auto">
-              <a:xfrm>
-                <a:off x="768" y="3336"/>
-                <a:ext cx="0" cy="464"/>
-              </a:xfrm>
-              <a:prstGeom prst="line">
-                <a:avLst/>
-              </a:prstGeom>
-              <a:noFill/>
-              <a:ln w="76200">
-                <a:solidFill>
-                  <a:srgbClr val="0066FF"/>
-                </a:solidFill>
-                <a:round/>
-                <a:headEnd/>
-                <a:tailEnd type="none" w="lg" len="lg"/>
-              </a:ln>
-              <a:effectLst/>
-            </p:spPr>
-            <p:txBody>
-              <a:bodyPr/>
-              <a:lstStyle/>
-              <a:p>
-                <a:endParaRPr lang="en-US"/>
-              </a:p>
-            </p:txBody>
-          </p:sp>
-          <p:sp>
-            <p:nvSpPr>
-              <p:cNvPr id="374790" name="Line 6"/>
-              <p:cNvSpPr>
-                <a:spLocks noChangeShapeType="1"/>
-              </p:cNvSpPr>
-              <p:nvPr/>
-            </p:nvSpPr>
-            <p:spPr bwMode="auto">
-              <a:xfrm>
-                <a:off x="1272" y="3328"/>
-                <a:ext cx="0" cy="464"/>
-              </a:xfrm>
-              <a:prstGeom prst="line">
-                <a:avLst/>
-              </a:prstGeom>
-              <a:noFill/>
-              <a:ln w="76200">
-                <a:solidFill>
-                  <a:srgbClr val="0066FF"/>
-                </a:solidFill>
-                <a:round/>
-                <a:headEnd/>
-                <a:tailEnd type="none" w="lg" len="lg"/>
-              </a:ln>
-              <a:effectLst/>
-            </p:spPr>
-            <p:txBody>
-              <a:bodyPr/>
-              <a:lstStyle/>
-              <a:p>
-                <a:endParaRPr lang="en-US"/>
-              </a:p>
-            </p:txBody>
-          </p:sp>
-          <p:cxnSp>
-            <p:nvCxnSpPr>
-              <p:cNvPr id="374791" name="AutoShape 7"/>
-              <p:cNvCxnSpPr>
-                <a:cxnSpLocks noChangeShapeType="1"/>
-                <a:stCxn id="374789" idx="1"/>
-                <a:endCxn id="374790" idx="1"/>
-              </p:cNvCxnSpPr>
-              <p:nvPr/>
-            </p:nvCxnSpPr>
-            <p:spPr bwMode="auto">
-              <a:xfrm flipV="1">
-                <a:off x="768" y="3816"/>
-                <a:ext cx="504" cy="8"/>
-              </a:xfrm>
-              <a:prstGeom prst="straightConnector1">
-                <a:avLst/>
-              </a:prstGeom>
-              <a:noFill/>
-              <a:ln w="76200">
-                <a:solidFill>
-                  <a:srgbClr val="0066FF"/>
-                </a:solidFill>
-                <a:round/>
-                <a:headEnd/>
-                <a:tailEnd type="none" w="lg" len="lg"/>
-              </a:ln>
-              <a:effectLst/>
-            </p:spPr>
-          </p:cxnSp>
-        </p:grpSp>
-        <p:grpSp>
-          <p:nvGrpSpPr>
-            <p:cNvPr id="5" name="Group 8"/>
-            <p:cNvGrpSpPr>
-              <a:grpSpLocks/>
-            </p:cNvGrpSpPr>
-            <p:nvPr/>
-          </p:nvGrpSpPr>
-          <p:grpSpPr bwMode="auto">
-            <a:xfrm>
-              <a:off x="2808" y="2576"/>
-              <a:ext cx="528" cy="520"/>
-              <a:chOff x="768" y="3328"/>
-              <a:chExt cx="504" cy="496"/>
-            </a:xfrm>
-          </p:grpSpPr>
-          <p:sp>
-            <p:nvSpPr>
-              <p:cNvPr id="374793" name="Line 9"/>
-              <p:cNvSpPr>
-                <a:spLocks noChangeShapeType="1"/>
-              </p:cNvSpPr>
-              <p:nvPr/>
-            </p:nvSpPr>
-            <p:spPr bwMode="auto">
-              <a:xfrm>
-                <a:off x="768" y="3336"/>
-                <a:ext cx="0" cy="464"/>
-              </a:xfrm>
-              <a:prstGeom prst="line">
-                <a:avLst/>
-              </a:prstGeom>
-              <a:noFill/>
-              <a:ln w="76200">
-                <a:solidFill>
-                  <a:srgbClr val="0066FF"/>
-                </a:solidFill>
-                <a:round/>
-                <a:headEnd/>
-                <a:tailEnd type="none" w="lg" len="lg"/>
-              </a:ln>
-              <a:effectLst/>
-            </p:spPr>
-            <p:txBody>
-              <a:bodyPr/>
-              <a:lstStyle/>
-              <a:p>
-                <a:endParaRPr lang="en-US"/>
-              </a:p>
-            </p:txBody>
-          </p:sp>
-          <p:sp>
-            <p:nvSpPr>
-              <p:cNvPr id="374794" name="Line 10"/>
-              <p:cNvSpPr>
-                <a:spLocks noChangeShapeType="1"/>
-              </p:cNvSpPr>
-              <p:nvPr/>
-            </p:nvSpPr>
-            <p:spPr bwMode="auto">
-              <a:xfrm>
-                <a:off x="1272" y="3328"/>
-                <a:ext cx="0" cy="464"/>
-              </a:xfrm>
-              <a:prstGeom prst="line">
-                <a:avLst/>
-              </a:prstGeom>
-              <a:noFill/>
-              <a:ln w="76200">
-                <a:solidFill>
-                  <a:srgbClr val="0066FF"/>
-                </a:solidFill>
-                <a:round/>
-                <a:headEnd/>
-                <a:tailEnd type="none" w="lg" len="lg"/>
-              </a:ln>
-              <a:effectLst/>
-            </p:spPr>
-            <p:txBody>
-              <a:bodyPr/>
-              <a:lstStyle/>
-              <a:p>
-                <a:endParaRPr lang="en-US"/>
-              </a:p>
-            </p:txBody>
-          </p:sp>
-          <p:cxnSp>
-            <p:nvCxnSpPr>
-              <p:cNvPr id="374795" name="AutoShape 11"/>
-              <p:cNvCxnSpPr>
-                <a:cxnSpLocks noChangeShapeType="1"/>
-                <a:stCxn id="374793" idx="1"/>
-                <a:endCxn id="374794" idx="1"/>
-              </p:cNvCxnSpPr>
-              <p:nvPr/>
-            </p:nvCxnSpPr>
-            <p:spPr bwMode="auto">
-              <a:xfrm flipV="1">
-                <a:off x="768" y="3816"/>
-                <a:ext cx="504" cy="8"/>
-              </a:xfrm>
-              <a:prstGeom prst="straightConnector1">
-                <a:avLst/>
-              </a:prstGeom>
-              <a:noFill/>
-              <a:ln w="76200">
-                <a:solidFill>
-                  <a:srgbClr val="0066FF"/>
-                </a:solidFill>
-                <a:round/>
-                <a:headEnd/>
-                <a:tailEnd type="none" w="lg" len="lg"/>
-              </a:ln>
-              <a:effectLst/>
-            </p:spPr>
-          </p:cxnSp>
-        </p:grpSp>
-        <p:grpSp>
-          <p:nvGrpSpPr>
-            <p:cNvPr id="6" name="Group 12"/>
-            <p:cNvGrpSpPr>
-              <a:grpSpLocks/>
-            </p:cNvGrpSpPr>
-            <p:nvPr/>
-          </p:nvGrpSpPr>
-          <p:grpSpPr bwMode="auto">
-            <a:xfrm>
-              <a:off x="3624" y="2568"/>
-              <a:ext cx="528" cy="520"/>
-              <a:chOff x="768" y="3328"/>
-              <a:chExt cx="504" cy="496"/>
-            </a:xfrm>
-          </p:grpSpPr>
-          <p:sp>
-            <p:nvSpPr>
-              <p:cNvPr id="374797" name="Line 13"/>
-              <p:cNvSpPr>
-                <a:spLocks noChangeShapeType="1"/>
-              </p:cNvSpPr>
-              <p:nvPr/>
-            </p:nvSpPr>
-            <p:spPr bwMode="auto">
-              <a:xfrm>
-                <a:off x="768" y="3336"/>
-                <a:ext cx="0" cy="464"/>
-              </a:xfrm>
-              <a:prstGeom prst="line">
-                <a:avLst/>
-              </a:prstGeom>
-              <a:noFill/>
-              <a:ln w="76200">
-                <a:solidFill>
-                  <a:srgbClr val="0066FF"/>
-                </a:solidFill>
-                <a:round/>
-                <a:headEnd/>
-                <a:tailEnd type="none" w="lg" len="lg"/>
-              </a:ln>
-              <a:effectLst/>
-            </p:spPr>
-            <p:txBody>
-              <a:bodyPr/>
-              <a:lstStyle/>
-              <a:p>
-                <a:endParaRPr lang="en-US"/>
-              </a:p>
-            </p:txBody>
-          </p:sp>
-          <p:sp>
-            <p:nvSpPr>
-              <p:cNvPr id="374798" name="Line 14"/>
-              <p:cNvSpPr>
-                <a:spLocks noChangeShapeType="1"/>
-              </p:cNvSpPr>
-              <p:nvPr/>
-            </p:nvSpPr>
-            <p:spPr bwMode="auto">
-              <a:xfrm>
-                <a:off x="1272" y="3328"/>
-                <a:ext cx="0" cy="464"/>
-              </a:xfrm>
-              <a:prstGeom prst="line">
-                <a:avLst/>
-              </a:prstGeom>
-              <a:noFill/>
-              <a:ln w="76200">
-                <a:solidFill>
-                  <a:srgbClr val="0066FF"/>
-                </a:solidFill>
-                <a:round/>
-                <a:headEnd/>
-                <a:tailEnd type="none" w="lg" len="lg"/>
-              </a:ln>
-              <a:effectLst/>
-            </p:spPr>
-            <p:txBody>
-              <a:bodyPr/>
-              <a:lstStyle/>
-              <a:p>
-                <a:endParaRPr lang="en-US"/>
-              </a:p>
-            </p:txBody>
-          </p:sp>
-          <p:cxnSp>
-            <p:nvCxnSpPr>
-              <p:cNvPr id="374799" name="AutoShape 15"/>
-              <p:cNvCxnSpPr>
-                <a:cxnSpLocks noChangeShapeType="1"/>
-                <a:stCxn id="374797" idx="1"/>
-                <a:endCxn id="374798" idx="1"/>
-              </p:cNvCxnSpPr>
-              <p:nvPr/>
-            </p:nvCxnSpPr>
-            <p:spPr bwMode="auto">
-              <a:xfrm flipV="1">
-                <a:off x="768" y="3816"/>
-                <a:ext cx="504" cy="8"/>
-              </a:xfrm>
-              <a:prstGeom prst="straightConnector1">
-                <a:avLst/>
-              </a:prstGeom>
-              <a:noFill/>
-              <a:ln w="76200">
-                <a:solidFill>
-                  <a:srgbClr val="0066FF"/>
-                </a:solidFill>
-                <a:round/>
-                <a:headEnd/>
-                <a:tailEnd type="none" w="lg" len="lg"/>
-              </a:ln>
-              <a:effectLst/>
-            </p:spPr>
-          </p:cxnSp>
-        </p:grpSp>
-        <p:grpSp>
-          <p:nvGrpSpPr>
-            <p:cNvPr id="7" name="Group 16"/>
-            <p:cNvGrpSpPr>
-              <a:grpSpLocks/>
-            </p:cNvGrpSpPr>
-            <p:nvPr/>
-          </p:nvGrpSpPr>
-          <p:grpSpPr bwMode="auto">
-            <a:xfrm>
-              <a:off x="4392" y="2568"/>
-              <a:ext cx="528" cy="520"/>
-              <a:chOff x="768" y="3328"/>
-              <a:chExt cx="504" cy="496"/>
-            </a:xfrm>
-          </p:grpSpPr>
-          <p:sp>
-            <p:nvSpPr>
-              <p:cNvPr id="374801" name="Line 17"/>
-              <p:cNvSpPr>
-                <a:spLocks noChangeShapeType="1"/>
-              </p:cNvSpPr>
-              <p:nvPr/>
-            </p:nvSpPr>
-            <p:spPr bwMode="auto">
-              <a:xfrm>
-                <a:off x="768" y="3336"/>
-                <a:ext cx="0" cy="464"/>
-              </a:xfrm>
-              <a:prstGeom prst="line">
-                <a:avLst/>
-              </a:prstGeom>
-              <a:noFill/>
-              <a:ln w="76200">
-                <a:solidFill>
-                  <a:srgbClr val="0066FF"/>
-                </a:solidFill>
-                <a:round/>
-                <a:headEnd/>
-                <a:tailEnd type="none" w="lg" len="lg"/>
-              </a:ln>
-              <a:effectLst/>
-            </p:spPr>
-            <p:txBody>
-              <a:bodyPr/>
-              <a:lstStyle/>
-              <a:p>
-                <a:endParaRPr lang="en-US"/>
-              </a:p>
-            </p:txBody>
-          </p:sp>
-          <p:sp>
-            <p:nvSpPr>
-              <p:cNvPr id="374802" name="Line 18"/>
-              <p:cNvSpPr>
-                <a:spLocks noChangeShapeType="1"/>
-              </p:cNvSpPr>
-              <p:nvPr/>
-            </p:nvSpPr>
-            <p:spPr bwMode="auto">
-              <a:xfrm>
-                <a:off x="1272" y="3328"/>
-                <a:ext cx="0" cy="464"/>
-              </a:xfrm>
-              <a:prstGeom prst="line">
-                <a:avLst/>
-              </a:prstGeom>
-              <a:noFill/>
-              <a:ln w="76200">
-                <a:solidFill>
-                  <a:srgbClr val="0066FF"/>
-                </a:solidFill>
-                <a:round/>
-                <a:headEnd/>
-                <a:tailEnd type="none" w="lg" len="lg"/>
-              </a:ln>
-              <a:effectLst/>
-            </p:spPr>
-            <p:txBody>
-              <a:bodyPr/>
-              <a:lstStyle/>
-              <a:p>
-                <a:endParaRPr lang="en-US"/>
-              </a:p>
-            </p:txBody>
-          </p:sp>
-          <p:cxnSp>
-            <p:nvCxnSpPr>
-              <p:cNvPr id="374803" name="AutoShape 19"/>
-              <p:cNvCxnSpPr>
-                <a:cxnSpLocks noChangeShapeType="1"/>
-                <a:stCxn id="374801" idx="1"/>
-                <a:endCxn id="374802" idx="1"/>
-              </p:cNvCxnSpPr>
-              <p:nvPr/>
-            </p:nvCxnSpPr>
-            <p:spPr bwMode="auto">
-              <a:xfrm flipV="1">
-                <a:off x="768" y="3816"/>
-                <a:ext cx="504" cy="8"/>
-              </a:xfrm>
-              <a:prstGeom prst="straightConnector1">
-                <a:avLst/>
-              </a:prstGeom>
-              <a:noFill/>
-              <a:ln w="76200">
-                <a:solidFill>
-                  <a:srgbClr val="0066FF"/>
-                </a:solidFill>
-                <a:round/>
-                <a:headEnd/>
-                <a:tailEnd type="none" w="lg" len="lg"/>
-              </a:ln>
-              <a:effectLst/>
-            </p:spPr>
-          </p:cxnSp>
-        </p:grpSp>
-        <p:sp>
-          <p:nvSpPr>
-            <p:cNvPr id="374804" name="Text Box 20"/>
-            <p:cNvSpPr txBox="1">
-              <a:spLocks noChangeArrowheads="1"/>
-            </p:cNvSpPr>
-            <p:nvPr/>
-          </p:nvSpPr>
-          <p:spPr bwMode="auto">
-            <a:xfrm>
-              <a:off x="2054" y="2964"/>
-              <a:ext cx="3032" cy="634"/>
-            </a:xfrm>
-            <a:prstGeom prst="rect">
-              <a:avLst/>
-            </a:prstGeom>
-            <a:noFill/>
-            <a:ln w="9525">
-              <a:noFill/>
-              <a:miter lim="800000"/>
-              <a:headEnd/>
-              <a:tailEnd type="none" w="lg" len="lg"/>
-            </a:ln>
-            <a:effectLst/>
-          </p:spPr>
-          <p:txBody>
-            <a:bodyPr>
-              <a:spAutoFit/>
-            </a:bodyPr>
-            <a:lstStyle/>
-            <a:p>
-              <a:pPr>
-                <a:spcBef>
-                  <a:spcPct val="0"/>
-                </a:spcBef>
-              </a:pPr>
-              <a:r>
-                <a:rPr lang="en-US" sz="6000">
-                  <a:cs typeface="Times New Roman" pitchFamily="18" charset="0"/>
-                </a:rPr>
-                <a:t>♠     </a:t>
-              </a:r>
-              <a:r>
-                <a:rPr lang="en-US" sz="6000">
-                  <a:solidFill>
-                    <a:schemeClr val="accent2"/>
-                  </a:solidFill>
-                </a:rPr>
-                <a:t>♥</a:t>
-              </a:r>
-              <a:r>
-                <a:rPr lang="en-US" sz="3600"/>
-                <a:t>       </a:t>
-              </a:r>
-              <a:r>
-                <a:rPr lang="en-US" sz="6000">
-                  <a:cs typeface="Times New Roman" pitchFamily="18" charset="0"/>
-                </a:rPr>
-                <a:t>♣    </a:t>
-              </a:r>
-              <a:r>
-                <a:rPr lang="en-US" sz="6000">
-                  <a:solidFill>
-                    <a:schemeClr val="accent2"/>
-                  </a:solidFill>
-                  <a:cs typeface="Times New Roman" pitchFamily="18" charset="0"/>
-                </a:rPr>
-                <a:t>♦</a:t>
-              </a:r>
-            </a:p>
-          </p:txBody>
-        </p:sp>
-      </p:grpSp>
-      <p:grpSp>
-        <p:nvGrpSpPr>
-          <p:cNvPr id="8" name="Group 21"/>
-          <p:cNvGrpSpPr>
-            <a:grpSpLocks/>
-          </p:cNvGrpSpPr>
-          <p:nvPr/>
-        </p:nvGrpSpPr>
-        <p:grpSpPr bwMode="auto">
-          <a:xfrm>
-            <a:off x="1481138" y="2108200"/>
-            <a:ext cx="4373562" cy="1506538"/>
-            <a:chOff x="1448" y="1328"/>
-            <a:chExt cx="2755" cy="949"/>
-          </a:xfrm>
-        </p:grpSpPr>
-        <p:sp>
-          <p:nvSpPr>
-            <p:cNvPr id="374806" name="Rectangle 22" descr="Zig zag"/>
-            <p:cNvSpPr>
-              <a:spLocks noChangeArrowheads="1"/>
-            </p:cNvSpPr>
-            <p:nvPr/>
-          </p:nvSpPr>
-          <p:spPr bwMode="auto">
-            <a:xfrm>
-              <a:off x="1456" y="1856"/>
-              <a:ext cx="332" cy="421"/>
-            </a:xfrm>
-            <a:prstGeom prst="rect">
-              <a:avLst/>
-            </a:prstGeom>
-            <a:pattFill prst="zigZag">
-              <a:fgClr>
-                <a:srgbClr val="0066FF"/>
-              </a:fgClr>
-              <a:bgClr>
-                <a:schemeClr val="bg1"/>
-              </a:bgClr>
-            </a:pattFill>
-            <a:ln w="9525">
-              <a:solidFill>
-                <a:srgbClr val="0066FF"/>
-              </a:solidFill>
-              <a:miter lim="800000"/>
-              <a:headEnd/>
-              <a:tailEnd type="none" w="lg" len="lg"/>
-            </a:ln>
-            <a:effectLst/>
-          </p:spPr>
-          <p:txBody>
-            <a:bodyPr wrap="none" anchor="ctr"/>
-            <a:lstStyle/>
-            <a:p>
-              <a:endParaRPr lang="en-US"/>
-            </a:p>
-          </p:txBody>
-        </p:sp>
-        <p:sp>
-          <p:nvSpPr>
-            <p:cNvPr id="374807" name="Rectangle 23" descr="Zig zag"/>
-            <p:cNvSpPr>
-              <a:spLocks noChangeArrowheads="1"/>
-            </p:cNvSpPr>
-            <p:nvPr/>
-          </p:nvSpPr>
-          <p:spPr bwMode="auto">
-            <a:xfrm>
-              <a:off x="3099" y="1816"/>
-              <a:ext cx="332" cy="421"/>
-            </a:xfrm>
-            <a:prstGeom prst="rect">
-              <a:avLst/>
-            </a:prstGeom>
-            <a:pattFill prst="zigZag">
-              <a:fgClr>
-                <a:srgbClr val="0066FF"/>
-              </a:fgClr>
-              <a:bgClr>
-                <a:schemeClr val="bg1"/>
-              </a:bgClr>
-            </a:pattFill>
-            <a:ln w="9525">
-              <a:solidFill>
-                <a:srgbClr val="0066FF"/>
-              </a:solidFill>
-              <a:miter lim="800000"/>
-              <a:headEnd/>
-              <a:tailEnd type="none" w="lg" len="lg"/>
-            </a:ln>
-            <a:effectLst/>
-          </p:spPr>
-          <p:txBody>
-            <a:bodyPr wrap="none" anchor="ctr"/>
-            <a:lstStyle/>
-            <a:p>
-              <a:endParaRPr lang="en-US"/>
-            </a:p>
-          </p:txBody>
-        </p:sp>
-        <p:sp>
-          <p:nvSpPr>
-            <p:cNvPr id="374808" name="Rectangle 24" descr="Zig zag"/>
-            <p:cNvSpPr>
-              <a:spLocks noChangeArrowheads="1"/>
-            </p:cNvSpPr>
-            <p:nvPr/>
-          </p:nvSpPr>
-          <p:spPr bwMode="auto">
-            <a:xfrm>
-              <a:off x="2265" y="1835"/>
-              <a:ext cx="332" cy="421"/>
-            </a:xfrm>
-            <a:prstGeom prst="rect">
-              <a:avLst/>
-            </a:prstGeom>
-            <a:pattFill prst="zigZag">
-              <a:fgClr>
-                <a:srgbClr val="0066FF"/>
-              </a:fgClr>
-              <a:bgClr>
-                <a:schemeClr val="bg1"/>
-              </a:bgClr>
-            </a:pattFill>
-            <a:ln w="9525">
-              <a:solidFill>
-                <a:srgbClr val="0066FF"/>
-              </a:solidFill>
-              <a:miter lim="800000"/>
-              <a:headEnd/>
-              <a:tailEnd type="none" w="lg" len="lg"/>
-            </a:ln>
-            <a:effectLst/>
-          </p:spPr>
-          <p:txBody>
-            <a:bodyPr wrap="none" anchor="ctr"/>
-            <a:lstStyle/>
-            <a:p>
-              <a:endParaRPr lang="en-US"/>
-            </a:p>
-          </p:txBody>
-        </p:sp>
-        <p:sp>
-          <p:nvSpPr>
-            <p:cNvPr id="374809" name="Rectangle 25" descr="Zig zag"/>
-            <p:cNvSpPr>
-              <a:spLocks noChangeArrowheads="1"/>
-            </p:cNvSpPr>
-            <p:nvPr/>
-          </p:nvSpPr>
-          <p:spPr bwMode="auto">
-            <a:xfrm>
-              <a:off x="3871" y="1819"/>
-              <a:ext cx="332" cy="421"/>
-            </a:xfrm>
-            <a:prstGeom prst="rect">
-              <a:avLst/>
-            </a:prstGeom>
-            <a:pattFill prst="zigZag">
-              <a:fgClr>
-                <a:srgbClr val="0066FF"/>
-              </a:fgClr>
-              <a:bgClr>
-                <a:schemeClr val="bg1"/>
-              </a:bgClr>
-            </a:pattFill>
-            <a:ln w="9525">
-              <a:solidFill>
-                <a:srgbClr val="0066FF"/>
-              </a:solidFill>
-              <a:miter lim="800000"/>
-              <a:headEnd/>
-              <a:tailEnd type="none" w="lg" len="lg"/>
-            </a:ln>
-            <a:effectLst/>
-          </p:spPr>
-          <p:txBody>
-            <a:bodyPr wrap="none" anchor="ctr"/>
-            <a:lstStyle/>
-            <a:p>
-              <a:endParaRPr lang="en-US"/>
-            </a:p>
-          </p:txBody>
-        </p:sp>
-        <p:sp>
-          <p:nvSpPr>
-            <p:cNvPr id="374810" name="Rectangle 26" descr="Zig zag"/>
-            <p:cNvSpPr>
-              <a:spLocks noChangeArrowheads="1"/>
-            </p:cNvSpPr>
-            <p:nvPr/>
-          </p:nvSpPr>
-          <p:spPr bwMode="auto">
-            <a:xfrm>
-              <a:off x="1448" y="1368"/>
-              <a:ext cx="332" cy="421"/>
-            </a:xfrm>
-            <a:prstGeom prst="rect">
-              <a:avLst/>
-            </a:prstGeom>
-            <a:pattFill prst="zigZag">
-              <a:fgClr>
-                <a:srgbClr val="0066FF"/>
-              </a:fgClr>
-              <a:bgClr>
-                <a:schemeClr val="bg1"/>
-              </a:bgClr>
-            </a:pattFill>
-            <a:ln w="9525">
-              <a:solidFill>
-                <a:srgbClr val="0066FF"/>
-              </a:solidFill>
-              <a:miter lim="800000"/>
-              <a:headEnd/>
-              <a:tailEnd type="none" w="lg" len="lg"/>
-            </a:ln>
-            <a:effectLst/>
-          </p:spPr>
-          <p:txBody>
-            <a:bodyPr wrap="none" anchor="ctr"/>
-            <a:lstStyle/>
-            <a:p>
-              <a:endParaRPr lang="en-US"/>
-            </a:p>
-          </p:txBody>
-        </p:sp>
-        <p:sp>
-          <p:nvSpPr>
-            <p:cNvPr id="374811" name="Rectangle 27" descr="Zig zag"/>
-            <p:cNvSpPr>
-              <a:spLocks noChangeArrowheads="1"/>
-            </p:cNvSpPr>
-            <p:nvPr/>
-          </p:nvSpPr>
-          <p:spPr bwMode="auto">
-            <a:xfrm>
-              <a:off x="3091" y="1328"/>
-              <a:ext cx="332" cy="421"/>
-            </a:xfrm>
-            <a:prstGeom prst="rect">
-              <a:avLst/>
-            </a:prstGeom>
-            <a:pattFill prst="zigZag">
-              <a:fgClr>
-                <a:srgbClr val="0066FF"/>
-              </a:fgClr>
-              <a:bgClr>
-                <a:schemeClr val="bg1"/>
-              </a:bgClr>
-            </a:pattFill>
-            <a:ln w="9525">
-              <a:solidFill>
-                <a:srgbClr val="0066FF"/>
-              </a:solidFill>
-              <a:miter lim="800000"/>
-              <a:headEnd/>
-              <a:tailEnd type="none" w="lg" len="lg"/>
-            </a:ln>
-            <a:effectLst/>
-          </p:spPr>
-          <p:txBody>
-            <a:bodyPr wrap="none" anchor="ctr"/>
-            <a:lstStyle/>
-            <a:p>
-              <a:endParaRPr lang="en-US"/>
-            </a:p>
-          </p:txBody>
-        </p:sp>
-        <p:sp>
-          <p:nvSpPr>
-            <p:cNvPr id="374812" name="Rectangle 28" descr="Zig zag"/>
-            <p:cNvSpPr>
-              <a:spLocks noChangeArrowheads="1"/>
-            </p:cNvSpPr>
-            <p:nvPr/>
-          </p:nvSpPr>
-          <p:spPr bwMode="auto">
-            <a:xfrm>
-              <a:off x="2257" y="1347"/>
-              <a:ext cx="332" cy="421"/>
-            </a:xfrm>
-            <a:prstGeom prst="rect">
-              <a:avLst/>
-            </a:prstGeom>
-            <a:pattFill prst="zigZag">
-              <a:fgClr>
-                <a:srgbClr val="0066FF"/>
-              </a:fgClr>
-              <a:bgClr>
-                <a:schemeClr val="bg1"/>
-              </a:bgClr>
-            </a:pattFill>
-            <a:ln w="9525">
-              <a:solidFill>
-                <a:srgbClr val="0066FF"/>
-              </a:solidFill>
-              <a:miter lim="800000"/>
-              <a:headEnd/>
-              <a:tailEnd type="none" w="lg" len="lg"/>
-            </a:ln>
-            <a:effectLst/>
-          </p:spPr>
-          <p:txBody>
-            <a:bodyPr wrap="none" anchor="ctr"/>
-            <a:lstStyle/>
-            <a:p>
-              <a:endParaRPr lang="en-US"/>
-            </a:p>
-          </p:txBody>
-        </p:sp>
-        <p:sp>
-          <p:nvSpPr>
-            <p:cNvPr id="374813" name="Rectangle 29" descr="Zig zag"/>
-            <p:cNvSpPr>
-              <a:spLocks noChangeArrowheads="1"/>
-            </p:cNvSpPr>
-            <p:nvPr/>
-          </p:nvSpPr>
-          <p:spPr bwMode="auto">
-            <a:xfrm>
-              <a:off x="3863" y="1331"/>
-              <a:ext cx="332" cy="421"/>
-            </a:xfrm>
-            <a:prstGeom prst="rect">
-              <a:avLst/>
-            </a:prstGeom>
-            <a:pattFill prst="zigZag">
-              <a:fgClr>
-                <a:srgbClr val="0066FF"/>
-              </a:fgClr>
-              <a:bgClr>
-                <a:schemeClr val="bg1"/>
-              </a:bgClr>
-            </a:pattFill>
-            <a:ln w="9525">
-              <a:solidFill>
-                <a:srgbClr val="0066FF"/>
-              </a:solidFill>
-              <a:miter lim="800000"/>
-              <a:headEnd/>
-              <a:tailEnd type="none" w="lg" len="lg"/>
-            </a:ln>
-            <a:effectLst/>
-          </p:spPr>
-          <p:txBody>
-            <a:bodyPr wrap="none" anchor="ctr"/>
-            <a:lstStyle/>
-            <a:p>
-              <a:endParaRPr lang="en-US"/>
-            </a:p>
-          </p:txBody>
-        </p:sp>
-      </p:grpSp>
-      <p:grpSp>
-        <p:nvGrpSpPr>
-          <p:cNvPr id="9" name="Group 31"/>
-          <p:cNvGrpSpPr>
-            <a:grpSpLocks/>
-          </p:cNvGrpSpPr>
-          <p:nvPr/>
-        </p:nvGrpSpPr>
-        <p:grpSpPr bwMode="auto">
-          <a:xfrm>
-            <a:off x="6927850" y="2722563"/>
-            <a:ext cx="844550" cy="1049338"/>
-            <a:chOff x="4879" y="1715"/>
-            <a:chExt cx="532" cy="661"/>
-          </a:xfrm>
-          <a:effectLst>
-            <a:outerShdw blurRad="50800" dist="50800" dir="5400000" algn="ctr" rotWithShape="0">
-              <a:srgbClr val="FF0000"/>
-            </a:outerShdw>
-          </a:effectLst>
-        </p:grpSpPr>
-        <p:sp>
-          <p:nvSpPr>
-            <p:cNvPr id="374816" name="Rectangle 32" descr="Zig zag"/>
-            <p:cNvSpPr>
-              <a:spLocks noChangeArrowheads="1"/>
-            </p:cNvSpPr>
-            <p:nvPr/>
-          </p:nvSpPr>
-          <p:spPr bwMode="auto">
-            <a:xfrm>
-              <a:off x="4879" y="1715"/>
-              <a:ext cx="332" cy="421"/>
-            </a:xfrm>
-            <a:prstGeom prst="rect">
-              <a:avLst/>
-            </a:prstGeom>
-            <a:pattFill prst="zigZag">
-              <a:fgClr>
-                <a:srgbClr val="0066FF"/>
-              </a:fgClr>
-              <a:bgClr>
-                <a:schemeClr val="bg1"/>
-              </a:bgClr>
-            </a:pattFill>
-            <a:ln w="9525">
-              <a:solidFill>
-                <a:srgbClr val="0066FF"/>
-              </a:solidFill>
-              <a:miter lim="800000"/>
-              <a:headEnd/>
-              <a:tailEnd type="none" w="lg" len="lg"/>
-            </a:ln>
-            <a:effectLst/>
-          </p:spPr>
-          <p:txBody>
-            <a:bodyPr wrap="none" anchor="ctr"/>
-            <a:lstStyle/>
-            <a:p>
-              <a:endParaRPr lang="en-US"/>
-            </a:p>
-          </p:txBody>
-        </p:sp>
-        <p:sp>
-          <p:nvSpPr>
-            <p:cNvPr id="374817" name="Rectangle 33" descr="Zig zag"/>
-            <p:cNvSpPr>
-              <a:spLocks noChangeArrowheads="1"/>
-            </p:cNvSpPr>
-            <p:nvPr/>
-          </p:nvSpPr>
-          <p:spPr bwMode="auto">
-            <a:xfrm>
-              <a:off x="5079" y="1955"/>
-              <a:ext cx="332" cy="421"/>
-            </a:xfrm>
-            <a:prstGeom prst="rect">
-              <a:avLst/>
-            </a:prstGeom>
-            <a:pattFill prst="zigZag">
-              <a:fgClr>
-                <a:srgbClr val="0066FF"/>
-              </a:fgClr>
-              <a:bgClr>
-                <a:schemeClr val="bg1"/>
-              </a:bgClr>
-            </a:pattFill>
-            <a:ln w="9525">
-              <a:solidFill>
-                <a:srgbClr val="0066FF"/>
-              </a:solidFill>
-              <a:miter lim="800000"/>
-              <a:headEnd/>
-              <a:tailEnd type="none" w="lg" len="lg"/>
-            </a:ln>
-            <a:effectLst/>
-          </p:spPr>
-          <p:txBody>
-            <a:bodyPr wrap="none" anchor="ctr"/>
-            <a:lstStyle/>
-            <a:p>
-              <a:endParaRPr lang="en-US"/>
-            </a:p>
-          </p:txBody>
-        </p:sp>
-      </p:grpSp>
-    </p:spTree>
-  </p:cSld>
-  <p:clrMapOvr>
-    <a:masterClrMapping/>
-  </p:clrMapOvr>
-  <p:transition xmlns:p14="http://schemas.microsoft.com/office/powerpoint/2010/main"/>
-  <p:timing>
-    <p:tnLst>
-      <p:par>
-        <p:cTn xmlns:p14="http://schemas.microsoft.com/office/powerpoint/2010/main" id="1" dur="indefinite" restart="never" nodeType="tmRoot">
-          <p:childTnLst>
-            <p:seq concurrent="1" nextAc="seek">
-              <p:cTn id="2" dur="indefinite" nodeType="mainSeq">
-                <p:childTnLst>
-                  <p:par>
-                    <p:cTn id="3" fill="hold">
-                      <p:stCondLst>
-                        <p:cond delay="indefinite"/>
-                      </p:stCondLst>
-                      <p:childTnLst>
-                        <p:par>
-                          <p:cTn id="4" fill="hold">
-                            <p:stCondLst>
-                              <p:cond delay="0"/>
-                            </p:stCondLst>
-                            <p:childTnLst>
-                              <p:par>
-                                <p:cTn id="5" presetID="1" presetClass="entr" presetSubtype="0" fill="hold" grpId="0" nodeType="clickEffect">
-                                  <p:stCondLst>
-                                    <p:cond delay="500"/>
-                                  </p:stCondLst>
-                                  <p:childTnLst>
-                                    <p:set>
-                                      <p:cBhvr>
-                                        <p:cTn id="6" dur="1" fill="hold">
-                                          <p:stCondLst>
-                                            <p:cond delay="0"/>
-                                          </p:stCondLst>
-                                        </p:cTn>
-                                        <p:tgtEl>
-                                          <p:spTgt spid="374814">
-                                            <p:txEl>
-                                              <p:pRg st="0" end="0"/>
-                                            </p:txEl>
-                                          </p:spTgt>
-                                        </p:tgtEl>
-                                        <p:attrNameLst>
-                                          <p:attrName>style.visibility</p:attrName>
-                                        </p:attrNameLst>
-                                      </p:cBhvr>
-                                      <p:to>
-                                        <p:strVal val="visible"/>
-                                      </p:to>
-                                    </p:set>
-                                  </p:childTnLst>
-                                </p:cTn>
-                              </p:par>
-                            </p:childTnLst>
-                          </p:cTn>
-                        </p:par>
-                      </p:childTnLst>
-                    </p:cTn>
-                  </p:par>
-                  <p:par>
-                    <p:cTn id="7" fill="hold">
-                      <p:stCondLst>
-                        <p:cond delay="indefinite"/>
-                      </p:stCondLst>
-                      <p:childTnLst>
-                        <p:par>
-                          <p:cTn id="8" fill="hold">
-                            <p:stCondLst>
-                              <p:cond delay="0"/>
-                            </p:stCondLst>
-                            <p:childTnLst>
-                              <p:par>
-                                <p:cTn id="9" presetID="2" presetClass="entr" presetSubtype="1" fill="hold" nodeType="clickEffect">
-                                  <p:stCondLst>
-                                    <p:cond delay="0"/>
-                                  </p:stCondLst>
-                                  <p:childTnLst>
-                                    <p:set>
-                                      <p:cBhvr>
-                                        <p:cTn id="10" dur="1" fill="hold">
-                                          <p:stCondLst>
-                                            <p:cond delay="0"/>
-                                          </p:stCondLst>
-                                        </p:cTn>
-                                        <p:tgtEl>
-                                          <p:spTgt spid="8"/>
-                                        </p:tgtEl>
-                                        <p:attrNameLst>
-                                          <p:attrName>style.visibility</p:attrName>
-                                        </p:attrNameLst>
-                                      </p:cBhvr>
-                                      <p:to>
-                                        <p:strVal val="visible"/>
-                                      </p:to>
-                                    </p:set>
-                                    <p:anim calcmode="lin" valueType="num">
-                                      <p:cBhvr additive="base">
-                                        <p:cTn id="11" dur="500" fill="hold"/>
-                                        <p:tgtEl>
-                                          <p:spTgt spid="8"/>
-                                        </p:tgtEl>
-                                        <p:attrNameLst>
-                                          <p:attrName>ppt_x</p:attrName>
-                                        </p:attrNameLst>
-                                      </p:cBhvr>
-                                      <p:tavLst>
-                                        <p:tav tm="0">
-                                          <p:val>
-                                            <p:strVal val="#ppt_x"/>
-                                          </p:val>
-                                        </p:tav>
-                                        <p:tav tm="100000">
-                                          <p:val>
-                                            <p:strVal val="#ppt_x"/>
-                                          </p:val>
-                                        </p:tav>
-                                      </p:tavLst>
-                                    </p:anim>
-                                    <p:anim calcmode="lin" valueType="num">
-                                      <p:cBhvr additive="base">
-                                        <p:cTn id="12" dur="500" fill="hold"/>
-                                        <p:tgtEl>
-                                          <p:spTgt spid="8"/>
-                                        </p:tgtEl>
-                                        <p:attrNameLst>
-                                          <p:attrName>ppt_y</p:attrName>
-                                        </p:attrNameLst>
-                                      </p:cBhvr>
-                                      <p:tavLst>
-                                        <p:tav tm="0">
-                                          <p:val>
-                                            <p:strVal val="0-#ppt_h/2"/>
-                                          </p:val>
-                                        </p:tav>
-                                        <p:tav tm="100000">
-                                          <p:val>
-                                            <p:strVal val="#ppt_y"/>
-                                          </p:val>
-                                        </p:tav>
-                                      </p:tavLst>
-                                    </p:anim>
-                                  </p:childTnLst>
-                                </p:cTn>
-                              </p:par>
-                            </p:childTnLst>
-                          </p:cTn>
-                        </p:par>
-                        <p:par>
-                          <p:cTn id="13" fill="hold">
-                            <p:stCondLst>
-                              <p:cond delay="500"/>
-                            </p:stCondLst>
-                            <p:childTnLst>
-                              <p:par>
-                                <p:cTn id="14" presetID="9" presetClass="entr" presetSubtype="0" fill="hold" nodeType="afterEffect">
-                                  <p:stCondLst>
-                                    <p:cond delay="500"/>
-                                  </p:stCondLst>
-                                  <p:childTnLst>
-                                    <p:set>
-                                      <p:cBhvr>
-                                        <p:cTn id="15" dur="1" fill="hold">
-                                          <p:stCondLst>
-                                            <p:cond delay="0"/>
-                                          </p:stCondLst>
-                                        </p:cTn>
-                                        <p:tgtEl>
-                                          <p:spTgt spid="9"/>
-                                        </p:tgtEl>
-                                        <p:attrNameLst>
-                                          <p:attrName>style.visibility</p:attrName>
-                                        </p:attrNameLst>
-                                      </p:cBhvr>
-                                      <p:to>
-                                        <p:strVal val="visible"/>
-                                      </p:to>
-                                    </p:set>
-                                    <p:animEffect transition="in" filter="dissolve">
-                                      <p:cBhvr>
-                                        <p:cTn id="16" dur="500"/>
-                                        <p:tgtEl>
-                                          <p:spTgt spid="9"/>
-                                        </p:tgtEl>
-                                      </p:cBhvr>
-                                    </p:animEffect>
-                                  </p:childTnLst>
-                                </p:cTn>
-                              </p:par>
-                            </p:childTnLst>
-                          </p:cTn>
-                        </p:par>
-                        <p:par>
-                          <p:cTn id="17" fill="hold">
-                            <p:stCondLst>
-                              <p:cond delay="1500"/>
-                            </p:stCondLst>
-                            <p:childTnLst>
-                              <p:par>
-                                <p:cTn id="18" presetID="1" presetClass="entr" presetSubtype="0" fill="hold" grpId="0" nodeType="afterEffect">
-                                  <p:stCondLst>
-                                    <p:cond delay="500"/>
-                                  </p:stCondLst>
-                                  <p:childTnLst>
-                                    <p:set>
-                                      <p:cBhvr>
-                                        <p:cTn id="19" dur="1" fill="hold">
-                                          <p:stCondLst>
-                                            <p:cond delay="0"/>
-                                          </p:stCondLst>
-                                        </p:cTn>
-                                        <p:tgtEl>
-                                          <p:spTgt spid="374814">
-                                            <p:txEl>
-                                              <p:pRg st="1" end="1"/>
-                                            </p:txEl>
-                                          </p:spTgt>
-                                        </p:tgtEl>
-                                        <p:attrNameLst>
-                                          <p:attrName>style.visibility</p:attrName>
-                                        </p:attrNameLst>
-                                      </p:cBhvr>
-                                      <p:to>
-                                        <p:strVal val="visible"/>
-                                      </p:to>
-                                    </p:set>
-                                  </p:childTnLst>
-                                </p:cTn>
-                              </p:par>
-                            </p:childTnLst>
-                          </p:cTn>
-                        </p:par>
-                      </p:childTnLst>
-                    </p:cTn>
-                  </p:par>
-                </p:childTnLst>
-              </p:cTn>
-              <p:prevCondLst>
-                <p:cond evt="onPrev" delay="0">
-                  <p:tgtEl>
-                    <p:sldTgt/>
-                  </p:tgtEl>
-                </p:cond>
-              </p:prevCondLst>
-              <p:nextCondLst>
-                <p:cond evt="onNext" delay="0">
-                  <p:tgtEl>
-                    <p:sldTgt/>
-                  </p:tgtEl>
-                </p:cond>
-              </p:nextCondLst>
-            </p:seq>
-          </p:childTnLst>
-        </p:cTn>
-      </p:par>
-    </p:tnLst>
-    <p:bldLst>
-      <p:bldP spid="374814" grpId="0" uiExpand="1" build="allAtOnce"/>
-    </p:bldLst>
-  </p:timing>
-</p:sld>
-</file>
-
-<file path=ppt/slides/slide37.xml><?xml version="1.0" encoding="utf-8"?>
-<p:sld xmlns:a="http://schemas.openxmlformats.org/drawingml/2006/main" xmlns:r="http://schemas.openxmlformats.org/officeDocument/2006/relationships" xmlns:p="http://schemas.openxmlformats.org/presentationml/2006/main" show="0">
-  <p:cSld>
-    <p:spTree>
-      <p:nvGrpSpPr>
-        <p:cNvPr id="1" name=""/>
-        <p:cNvGrpSpPr/>
-        <p:nvPr/>
-      </p:nvGrpSpPr>
-      <p:grpSpPr>
-        <a:xfrm>
-          <a:off x="0" y="0"/>
-          <a:ext cx="0" cy="0"/>
-          <a:chOff x="0" y="0"/>
-          <a:chExt cx="0" cy="0"/>
-        </a:xfrm>
-      </p:grpSpPr>
-      <p:sp>
-        <p:nvSpPr>
-          <p:cNvPr id="9" name="Slide Number Placeholder 3"/>
-          <p:cNvSpPr>
-            <a:spLocks noGrp="1"/>
-          </p:cNvSpPr>
-          <p:nvPr>
-            <p:ph type="sldNum" sz="quarter" idx="10"/>
-          </p:nvPr>
-        </p:nvSpPr>
-        <p:spPr/>
-        <p:txBody>
-          <a:bodyPr/>
-          <a:lstStyle/>
-          <a:p>
-            <a:r>
-              <a:rPr lang="en-US" dirty="0" err="1" smtClean="0"/>
-              <a:t>lec</a:t>
-            </a:r>
-            <a:r>
-              <a:rPr lang="en-US" dirty="0" smtClean="0"/>
-              <a:t> </a:t>
-            </a:r>
-            <a:r>
-              <a:rPr lang="en-US" dirty="0" smtClean="0"/>
-              <a:t>10W.</a:t>
-            </a:r>
-            <a:fld id="{D3E316F6-DF61-4693-B623-52B972212521}" type="slidenum">
-              <a:rPr lang="en-US" smtClean="0"/>
-              <a:pPr/>
-              <a:t>37</a:t>
-            </a:fld>
-            <a:endParaRPr lang="en-US" dirty="0"/>
-          </a:p>
-        </p:txBody>
-      </p:sp>
-      <p:sp>
-        <p:nvSpPr>
-          <p:cNvPr id="399362" name="Rectangle 2"/>
-          <p:cNvSpPr>
-            <a:spLocks noGrp="1" noChangeArrowheads="1"/>
-          </p:cNvSpPr>
-          <p:nvPr>
-            <p:ph type="title"/>
-          </p:nvPr>
-        </p:nvSpPr>
-        <p:spPr/>
-        <p:txBody>
-          <a:bodyPr/>
-          <a:lstStyle/>
-          <a:p>
-            <a:r>
-              <a:rPr lang="en-US" sz="4800" dirty="0">
-                <a:solidFill>
-                  <a:srgbClr val="3333CC"/>
-                </a:solidFill>
-              </a:rPr>
-              <a:t>10</a:t>
-            </a:r>
-            <a:r>
-              <a:rPr lang="en-US" sz="4800" dirty="0"/>
-              <a:t> Card Draw</a:t>
-            </a:r>
-          </a:p>
-        </p:txBody>
-      </p:sp>
-      <p:sp>
-        <p:nvSpPr>
-          <p:cNvPr id="399363" name="Rectangle 3"/>
-          <p:cNvSpPr>
-            <a:spLocks noGrp="1" noChangeArrowheads="1"/>
-          </p:cNvSpPr>
-          <p:nvPr>
-            <p:ph type="body" idx="1"/>
-          </p:nvPr>
-        </p:nvSpPr>
-        <p:spPr>
-          <a:xfrm>
-            <a:off x="525463" y="1447800"/>
-            <a:ext cx="8077200" cy="4114800"/>
-          </a:xfrm>
-        </p:spPr>
-        <p:txBody>
-          <a:bodyPr/>
-          <a:lstStyle/>
-          <a:p>
-            <a:r>
-              <a:rPr lang="en-US" sz="4800" dirty="0"/>
-              <a:t># cards with same </a:t>
-            </a:r>
-            <a:r>
-              <a:rPr lang="en-US" sz="4800" dirty="0" smtClean="0"/>
-              <a:t>suit </a:t>
-            </a:r>
-            <a:r>
-              <a:rPr lang="en-US" sz="4800" b="1" dirty="0" smtClean="0">
-                <a:solidFill>
-                  <a:schemeClr val="accent5">
-                    <a:lumMod val="50000"/>
-                  </a:schemeClr>
-                </a:solidFill>
-                <a:latin typeface="Euclid Symbol" charset="2"/>
-                <a:cs typeface="Euclid Symbol" charset="2"/>
-              </a:rPr>
-              <a:t>≥</a:t>
-            </a:r>
-            <a:endParaRPr lang="en-US" sz="4800" b="1" dirty="0">
-              <a:solidFill>
-                <a:schemeClr val="accent5">
-                  <a:lumMod val="50000"/>
-                </a:schemeClr>
-              </a:solidFill>
-              <a:sym typeface="Euclid Symbol" pitchFamily="18" charset="2"/>
-            </a:endParaRPr>
-          </a:p>
-        </p:txBody>
-      </p:sp>
-      <p:graphicFrame>
-        <p:nvGraphicFramePr>
-          <p:cNvPr id="399364" name="Object 4"/>
-          <p:cNvGraphicFramePr>
-            <a:graphicFrameLocks noChangeAspect="1"/>
-          </p:cNvGraphicFramePr>
-          <p:nvPr/>
-        </p:nvGraphicFramePr>
-        <p:xfrm>
-          <a:off x="2757488" y="2178050"/>
-          <a:ext cx="2554287" cy="2065338"/>
-        </p:xfrm>
-        <a:graphic>
-          <a:graphicData uri="http://schemas.openxmlformats.org/presentationml/2006/ole">
-            <mc:AlternateContent xmlns:mc="http://schemas.openxmlformats.org/markup-compatibility/2006">
-              <mc:Choice xmlns:v="urn:schemas-microsoft-com:vml" Requires="v">
-                <p:oleObj spid="_x0000_s71686" name="Equation" r:id="rId4" imgW="596900" imgH="482600" progId="Equation.DSMT4">
-                  <p:embed/>
-                </p:oleObj>
-              </mc:Choice>
-              <mc:Fallback>
-                <p:oleObj name="Equation" r:id="rId4" imgW="596900" imgH="482600" progId="Equation.DSMT4">
-                  <p:embed/>
-                  <p:pic>
-                    <p:nvPicPr>
-                      <p:cNvPr id="0" name="Picture 2"/>
-                      <p:cNvPicPr>
-                        <a:picLocks noChangeAspect="1" noChangeArrowheads="1"/>
-                      </p:cNvPicPr>
-                      <p:nvPr/>
-                    </p:nvPicPr>
-                    <p:blipFill>
-                      <a:blip r:embed="rId5">
-                        <a:extLst>
-                          <a:ext uri="{28A0092B-C50C-407E-A947-70E740481C1C}">
-                            <a14:useLocalDpi xmlns:a14="http://schemas.microsoft.com/office/drawing/2010/main" val="0"/>
-                          </a:ext>
-                        </a:extLst>
-                      </a:blip>
-                      <a:srcRect/>
-                      <a:stretch>
-                        <a:fillRect/>
-                      </a:stretch>
-                    </p:blipFill>
-                    <p:spPr bwMode="auto">
-                      <a:xfrm>
-                        <a:off x="2757488" y="2178050"/>
-                        <a:ext cx="2554287" cy="2065338"/>
-                      </a:xfrm>
-                      <a:prstGeom prst="rect">
-                        <a:avLst/>
-                      </a:prstGeom>
-                      <a:noFill/>
-                      <a:extLst>
-                        <a:ext uri="{909E8E84-426E-40dd-AFC4-6F175D3DCCD1}">
-                          <a14:hiddenFill xmlns:a14="http://schemas.microsoft.com/office/drawing/2010/main">
-                            <a:solidFill>
-                              <a:srgbClr val="FFFFFF"/>
-                            </a:solidFill>
-                          </a14:hiddenFill>
-                        </a:ext>
-                      </a:extLst>
-                    </p:spPr>
-                  </p:pic>
-                </p:oleObj>
-              </mc:Fallback>
-            </mc:AlternateContent>
-          </a:graphicData>
-        </a:graphic>
-      </p:graphicFrame>
-      <p:grpSp>
-        <p:nvGrpSpPr>
-          <p:cNvPr id="2" name="Group 8"/>
-          <p:cNvGrpSpPr>
-            <a:grpSpLocks/>
-          </p:cNvGrpSpPr>
-          <p:nvPr/>
-        </p:nvGrpSpPr>
-        <p:grpSpPr bwMode="auto">
-          <a:xfrm>
-            <a:off x="1851255" y="3912237"/>
-            <a:ext cx="4887913" cy="1528763"/>
-            <a:chOff x="864" y="2688"/>
-            <a:chExt cx="3079" cy="963"/>
-          </a:xfrm>
-        </p:grpSpPr>
-        <p:sp>
-          <p:nvSpPr>
-            <p:cNvPr id="399366" name="Freeform 6"/>
-            <p:cNvSpPr>
-              <a:spLocks/>
-            </p:cNvSpPr>
-            <p:nvPr/>
-          </p:nvSpPr>
-          <p:spPr bwMode="auto">
-            <a:xfrm rot="-1543620">
-              <a:off x="1680" y="2688"/>
-              <a:ext cx="464" cy="672"/>
-            </a:xfrm>
-            <a:custGeom>
-              <a:avLst/>
-              <a:gdLst/>
-              <a:ahLst/>
-              <a:cxnLst>
-                <a:cxn ang="0">
-                  <a:pos x="16" y="0"/>
-                </a:cxn>
-                <a:cxn ang="0">
-                  <a:pos x="64" y="384"/>
-                </a:cxn>
-                <a:cxn ang="0">
-                  <a:pos x="400" y="480"/>
-                </a:cxn>
-                <a:cxn ang="0">
-                  <a:pos x="448" y="672"/>
-                </a:cxn>
-              </a:cxnLst>
-              <a:rect l="0" t="0" r="r" b="b"/>
-              <a:pathLst>
-                <a:path w="464" h="672">
-                  <a:moveTo>
-                    <a:pt x="16" y="0"/>
-                  </a:moveTo>
-                  <a:cubicBezTo>
-                    <a:pt x="8" y="152"/>
-                    <a:pt x="0" y="304"/>
-                    <a:pt x="64" y="384"/>
-                  </a:cubicBezTo>
-                  <a:cubicBezTo>
-                    <a:pt x="128" y="464"/>
-                    <a:pt x="336" y="432"/>
-                    <a:pt x="400" y="480"/>
-                  </a:cubicBezTo>
-                  <a:cubicBezTo>
-                    <a:pt x="464" y="528"/>
-                    <a:pt x="456" y="600"/>
-                    <a:pt x="448" y="672"/>
-                  </a:cubicBezTo>
-                </a:path>
-              </a:pathLst>
-            </a:custGeom>
-            <a:noFill/>
-            <a:ln w="31750" cap="flat" cmpd="sng">
-              <a:solidFill>
-                <a:schemeClr val="tx1"/>
-              </a:solidFill>
-              <a:prstDash val="sysDot"/>
-              <a:round/>
-              <a:headEnd type="triangle" w="lg" len="lg"/>
-              <a:tailEnd type="none" w="med" len="med"/>
-            </a:ln>
-            <a:effectLst/>
-          </p:spPr>
-          <p:txBody>
-            <a:bodyPr>
-              <a:spAutoFit/>
-            </a:bodyPr>
-            <a:lstStyle/>
-            <a:p>
-              <a:endParaRPr lang="en-US"/>
-            </a:p>
-          </p:txBody>
-        </p:sp>
-        <p:sp>
-          <p:nvSpPr>
-            <p:cNvPr id="399367" name="Text Box 7"/>
-            <p:cNvSpPr txBox="1">
-              <a:spLocks noChangeArrowheads="1"/>
-            </p:cNvSpPr>
-            <p:nvPr/>
-          </p:nvSpPr>
-          <p:spPr bwMode="auto">
-            <a:xfrm>
-              <a:off x="864" y="3283"/>
-              <a:ext cx="3079" cy="368"/>
-            </a:xfrm>
-            <a:prstGeom prst="rect">
-              <a:avLst/>
-            </a:prstGeom>
-            <a:noFill/>
-            <a:ln w="31750">
-              <a:noFill/>
-              <a:prstDash val="sysDot"/>
-              <a:miter lim="800000"/>
-              <a:headEnd/>
-              <a:tailEnd/>
-            </a:ln>
-            <a:effectLst/>
-          </p:spPr>
-          <p:txBody>
-            <a:bodyPr wrap="none">
-              <a:spAutoFit/>
-            </a:bodyPr>
-            <a:lstStyle/>
-            <a:p>
-              <a:pPr marL="342900" indent="-342900"/>
-              <a:r>
-                <a:rPr lang="en-US" dirty="0">
-                  <a:latin typeface="Comic Sans MS" pitchFamily="66" charset="0"/>
-                </a:rPr>
-                <a:t>“ceiling,” means round up</a:t>
-              </a:r>
-            </a:p>
-          </p:txBody>
-        </p:sp>
-      </p:grpSp>
-    </p:spTree>
-  </p:cSld>
-  <p:clrMapOvr>
-    <a:masterClrMapping/>
-  </p:clrMapOvr>
-  <p:transition xmlns:p14="http://schemas.microsoft.com/office/powerpoint/2010/main"/>
-  <p:timing>
-    <p:tnLst>
-      <p:par>
-        <p:cTn xmlns:p14="http://schemas.microsoft.com/office/powerpoint/2010/main" id="1" dur="indefinite" restart="never" nodeType="tmRoot">
-          <p:childTnLst>
-            <p:seq concurrent="1" nextAc="seek">
-              <p:cTn id="2" dur="indefinite" nodeType="mainSeq">
-                <p:childTnLst>
-                  <p:par>
-                    <p:cTn id="3" fill="hold">
-                      <p:stCondLst>
-                        <p:cond delay="indefinite"/>
-                      </p:stCondLst>
-                      <p:childTnLst>
-                        <p:par>
-                          <p:cTn id="4" fill="hold">
-                            <p:stCondLst>
-                              <p:cond delay="0"/>
-                            </p:stCondLst>
-                            <p:childTnLst>
-                              <p:par>
-                                <p:cTn id="5" presetID="1" presetClass="entr" presetSubtype="0" fill="hold" nodeType="clickEffect">
-                                  <p:stCondLst>
-                                    <p:cond delay="0"/>
-                                  </p:stCondLst>
-                                  <p:childTnLst>
-                                    <p:set>
-                                      <p:cBhvr>
-                                        <p:cTn id="6" dur="1" fill="hold">
-                                          <p:stCondLst>
-                                            <p:cond delay="0"/>
-                                          </p:stCondLst>
-                                        </p:cTn>
-                                        <p:tgtEl>
-                                          <p:spTgt spid="2"/>
-                                        </p:tgtEl>
-                                        <p:attrNameLst>
-                                          <p:attrName>style.visibility</p:attrName>
-                                        </p:attrNameLst>
-                                      </p:cBhvr>
-                                      <p:to>
-                                        <p:strVal val="visible"/>
-                                      </p:to>
-                                    </p:set>
-                                  </p:childTnLst>
-                                </p:cTn>
-                              </p:par>
-                            </p:childTnLst>
-                          </p:cTn>
-                        </p:par>
-                      </p:childTnLst>
-                    </p:cTn>
-                  </p:par>
-                </p:childTnLst>
-              </p:cTn>
-              <p:prevCondLst>
-                <p:cond evt="onPrev" delay="0">
-                  <p:tgtEl>
-                    <p:sldTgt/>
-                  </p:tgtEl>
-                </p:cond>
-              </p:prevCondLst>
-              <p:nextCondLst>
-                <p:cond evt="onNext" delay="0">
-                  <p:tgtEl>
-                    <p:sldTgt/>
-                  </p:tgtEl>
-                </p:cond>
-              </p:nextCondLst>
-            </p:seq>
-          </p:childTnLst>
-        </p:cTn>
-      </p:par>
-    </p:tnLst>
-  </p:timing>
-</p:sld>
-</file>
-
-<file path=ppt/slides/slide38.xml><?xml version="1.0" encoding="utf-8"?>
-<p:sld xmlns:a="http://schemas.openxmlformats.org/drawingml/2006/main" xmlns:r="http://schemas.openxmlformats.org/officeDocument/2006/relationships" xmlns:p="http://schemas.openxmlformats.org/presentationml/2006/main" show="0">
-  <p:cSld>
-    <p:spTree>
-      <p:nvGrpSpPr>
-        <p:cNvPr id="1" name=""/>
-        <p:cNvGrpSpPr/>
-        <p:nvPr/>
-      </p:nvGrpSpPr>
-      <p:grpSpPr>
-        <a:xfrm>
-          <a:off x="0" y="0"/>
-          <a:ext cx="0" cy="0"/>
-          <a:chOff x="0" y="0"/>
-          <a:chExt cx="0" cy="0"/>
-        </a:xfrm>
-      </p:grpSpPr>
-      <p:sp>
-        <p:nvSpPr>
-          <p:cNvPr id="6" name="Slide Number Placeholder 3"/>
-          <p:cNvSpPr>
-            <a:spLocks noGrp="1"/>
-          </p:cNvSpPr>
-          <p:nvPr>
-            <p:ph type="sldNum" sz="quarter" idx="10"/>
-          </p:nvPr>
-        </p:nvSpPr>
-        <p:spPr/>
-        <p:txBody>
-          <a:bodyPr/>
-          <a:lstStyle/>
-          <a:p>
-            <a:r>
-              <a:rPr lang="en-US" dirty="0" err="1" smtClean="0"/>
-              <a:t>lec</a:t>
-            </a:r>
-            <a:r>
-              <a:rPr lang="en-US" dirty="0" smtClean="0"/>
-              <a:t> </a:t>
-            </a:r>
-            <a:r>
-              <a:rPr lang="en-US" dirty="0" smtClean="0"/>
-              <a:t>10W.</a:t>
-            </a:r>
-            <a:fld id="{72CAA7DA-673E-4241-A128-598225151065}" type="slidenum">
-              <a:rPr lang="en-US" smtClean="0"/>
-              <a:pPr/>
-              <a:t>38</a:t>
-            </a:fld>
-            <a:endParaRPr lang="en-US" dirty="0"/>
-          </a:p>
-        </p:txBody>
-      </p:sp>
-      <p:sp>
-        <p:nvSpPr>
-          <p:cNvPr id="375810" name="Rectangle 2"/>
-          <p:cNvSpPr>
-            <a:spLocks noGrp="1" noChangeArrowheads="1"/>
-          </p:cNvSpPr>
-          <p:nvPr>
-            <p:ph type="title"/>
-          </p:nvPr>
-        </p:nvSpPr>
-        <p:spPr>
-          <a:xfrm>
-            <a:off x="1181100" y="431800"/>
-            <a:ext cx="7543800" cy="1143000"/>
-          </a:xfrm>
-        </p:spPr>
-        <p:txBody>
-          <a:bodyPr/>
-          <a:lstStyle/>
-          <a:p>
-            <a:r>
-              <a:rPr lang="en-US" sz="3600" dirty="0"/>
-              <a:t>Generalized Pigeonhole Principle</a:t>
-            </a:r>
-          </a:p>
-        </p:txBody>
-      </p:sp>
-      <p:sp>
-        <p:nvSpPr>
-          <p:cNvPr id="375811" name="Rectangle 3"/>
-          <p:cNvSpPr>
-            <a:spLocks noGrp="1" noChangeArrowheads="1"/>
-          </p:cNvSpPr>
-          <p:nvPr>
-            <p:ph type="body" idx="1"/>
-          </p:nvPr>
-        </p:nvSpPr>
-        <p:spPr>
-          <a:xfrm>
-            <a:off x="609600" y="1371600"/>
-            <a:ext cx="8001000" cy="2514600"/>
-          </a:xfrm>
-        </p:spPr>
-        <p:txBody>
-          <a:bodyPr/>
-          <a:lstStyle/>
-          <a:p>
-            <a:pPr>
-              <a:buFontTx/>
-              <a:buNone/>
-            </a:pPr>
-            <a:r>
-              <a:rPr lang="en-US" sz="5400" dirty="0"/>
-              <a:t>If </a:t>
-            </a:r>
-            <a:r>
-              <a:rPr lang="en-US" sz="5400" dirty="0">
-                <a:solidFill>
-                  <a:srgbClr val="3333CC"/>
-                </a:solidFill>
-              </a:rPr>
-              <a:t>n</a:t>
-            </a:r>
-            <a:r>
-              <a:rPr lang="en-US" sz="5400" dirty="0"/>
-              <a:t> pigeons and </a:t>
-            </a:r>
-            <a:r>
-              <a:rPr lang="en-US" sz="5400" dirty="0">
-                <a:solidFill>
-                  <a:srgbClr val="3333CC"/>
-                </a:solidFill>
-              </a:rPr>
-              <a:t>h</a:t>
-            </a:r>
-            <a:r>
-              <a:rPr lang="en-US" sz="5400" dirty="0"/>
-              <a:t> holes,</a:t>
-            </a:r>
-          </a:p>
-          <a:p>
-            <a:r>
-              <a:rPr lang="en-US" sz="5400" dirty="0"/>
-              <a:t>then some hole </a:t>
-            </a:r>
-            <a:r>
-              <a:rPr lang="en-US" sz="5400" dirty="0" smtClean="0"/>
-              <a:t>has </a:t>
-            </a:r>
-            <a:r>
-              <a:rPr lang="en-US" sz="5400" b="1" dirty="0" smtClean="0">
-                <a:solidFill>
-                  <a:srgbClr val="0000F1"/>
-                </a:solidFill>
-                <a:latin typeface="Euclid Symbol" charset="2"/>
-                <a:cs typeface="Euclid Symbol" charset="2"/>
-              </a:rPr>
-              <a:t>≥</a:t>
-            </a:r>
-            <a:endParaRPr lang="en-US" sz="5400" b="1" dirty="0">
-              <a:solidFill>
-                <a:srgbClr val="0000F1"/>
-              </a:solidFill>
-            </a:endParaRPr>
-          </a:p>
-        </p:txBody>
-      </p:sp>
-      <p:graphicFrame>
-        <p:nvGraphicFramePr>
-          <p:cNvPr id="375812" name="Object 4"/>
-          <p:cNvGraphicFramePr>
-            <a:graphicFrameLocks noChangeAspect="1"/>
-          </p:cNvGraphicFramePr>
-          <p:nvPr/>
-        </p:nvGraphicFramePr>
-        <p:xfrm>
-          <a:off x="2895600" y="3441700"/>
-          <a:ext cx="1589087" cy="2349500"/>
-        </p:xfrm>
-        <a:graphic>
-          <a:graphicData uri="http://schemas.openxmlformats.org/presentationml/2006/ole">
-            <mc:AlternateContent xmlns:mc="http://schemas.openxmlformats.org/markup-compatibility/2006">
-              <mc:Choice xmlns:v="urn:schemas-microsoft-com:vml" Requires="v">
-                <p:oleObj spid="_x0000_s72710" name="Equation" r:id="rId4" imgW="291960" imgH="431640" progId="Equation.DSMT4">
-                  <p:embed/>
-                </p:oleObj>
-              </mc:Choice>
-              <mc:Fallback>
-                <p:oleObj name="Equation" r:id="rId4" imgW="291960" imgH="431640" progId="Equation.DSMT4">
-                  <p:embed/>
-                  <p:pic>
-                    <p:nvPicPr>
-                      <p:cNvPr id="0" name="Picture 2"/>
-                      <p:cNvPicPr>
-                        <a:picLocks noChangeAspect="1" noChangeArrowheads="1"/>
-                      </p:cNvPicPr>
-                      <p:nvPr/>
-                    </p:nvPicPr>
-                    <p:blipFill>
-                      <a:blip r:embed="rId5">
-                        <a:extLst>
-                          <a:ext uri="{28A0092B-C50C-407E-A947-70E740481C1C}">
-                            <a14:useLocalDpi xmlns:a14="http://schemas.microsoft.com/office/drawing/2010/main" val="0"/>
-                          </a:ext>
-                        </a:extLst>
-                      </a:blip>
-                      <a:srcRect/>
-                      <a:stretch>
-                        <a:fillRect/>
-                      </a:stretch>
-                    </p:blipFill>
-                    <p:spPr bwMode="auto">
-                      <a:xfrm>
-                        <a:off x="2895600" y="3441700"/>
-                        <a:ext cx="1589087" cy="2349500"/>
-                      </a:xfrm>
-                      <a:prstGeom prst="rect">
-                        <a:avLst/>
-                      </a:prstGeom>
-                      <a:noFill/>
-                      <a:extLst>
-                        <a:ext uri="{909E8E84-426E-40dd-AFC4-6F175D3DCCD1}">
-                          <a14:hiddenFill xmlns:a14="http://schemas.microsoft.com/office/drawing/2010/main">
-                            <a:solidFill>
-                              <a:srgbClr val="FFFFFF"/>
-                            </a:solidFill>
-                          </a14:hiddenFill>
-                        </a:ext>
-                      </a:extLst>
-                    </p:spPr>
-                  </p:pic>
-                </p:oleObj>
-              </mc:Fallback>
-            </mc:AlternateContent>
-          </a:graphicData>
-        </a:graphic>
-      </p:graphicFrame>
-      <p:sp>
-        <p:nvSpPr>
-          <p:cNvPr id="375813" name="Text Box 5"/>
-          <p:cNvSpPr txBox="1">
-            <a:spLocks noChangeArrowheads="1"/>
-          </p:cNvSpPr>
-          <p:nvPr/>
-        </p:nvSpPr>
-        <p:spPr bwMode="auto">
-          <a:xfrm>
-            <a:off x="4648200" y="3949700"/>
-            <a:ext cx="3017173" cy="1015663"/>
-          </a:xfrm>
-          <a:prstGeom prst="rect">
-            <a:avLst/>
-          </a:prstGeom>
-          <a:noFill/>
-          <a:ln w="9525">
-            <a:noFill/>
-            <a:miter lim="800000"/>
-            <a:headEnd/>
-            <a:tailEnd type="none" w="lg" len="lg"/>
-          </a:ln>
-          <a:effectLst/>
-        </p:spPr>
-        <p:txBody>
-          <a:bodyPr wrap="none">
-            <a:spAutoFit/>
-          </a:bodyPr>
-          <a:lstStyle/>
-          <a:p>
-            <a:r>
-              <a:rPr lang="en-US" sz="6000" dirty="0">
-                <a:latin typeface="Comic Sans MS" pitchFamily="66" charset="0"/>
-              </a:rPr>
-              <a:t>pigeons.</a:t>
-            </a:r>
-          </a:p>
-        </p:txBody>
-      </p:sp>
-    </p:spTree>
-  </p:cSld>
-  <p:clrMapOvr>
-    <a:masterClrMapping/>
-  </p:clrMapOvr>
-  <p:transition xmlns:p14="http://schemas.microsoft.com/office/powerpoint/2010/main"/>
-  <p:timing>
-    <p:tnLst>
-      <p:par>
-        <p:cTn xmlns:p14="http://schemas.microsoft.com/office/powerpoint/2010/main" id="1" dur="indefinite" restart="never" nodeType="tmRoot">
-          <p:childTnLst>
-            <p:seq concurrent="1" nextAc="seek">
-              <p:cTn id="2" dur="indefinite" nodeType="mainSeq">
-                <p:childTnLst>
-                  <p:par>
-                    <p:cTn id="3" fill="hold">
-                      <p:stCondLst>
-                        <p:cond delay="indefinite"/>
-                      </p:stCondLst>
-                      <p:childTnLst>
-                        <p:par>
-                          <p:cTn id="4" fill="hold">
-                            <p:stCondLst>
-                              <p:cond delay="0"/>
-                            </p:stCondLst>
-                            <p:childTnLst>
-                              <p:par>
-                                <p:cTn id="5" presetID="9" presetClass="entr" presetSubtype="0" fill="hold" nodeType="clickEffect">
-                                  <p:stCondLst>
-                                    <p:cond delay="0"/>
-                                  </p:stCondLst>
-                                  <p:childTnLst>
-                                    <p:set>
-                                      <p:cBhvr>
-                                        <p:cTn id="6" dur="1" fill="hold">
-                                          <p:stCondLst>
-                                            <p:cond delay="0"/>
-                                          </p:stCondLst>
-                                        </p:cTn>
-                                        <p:tgtEl>
-                                          <p:spTgt spid="375812"/>
-                                        </p:tgtEl>
-                                        <p:attrNameLst>
-                                          <p:attrName>style.visibility</p:attrName>
-                                        </p:attrNameLst>
-                                      </p:cBhvr>
-                                      <p:to>
-                                        <p:strVal val="visible"/>
-                                      </p:to>
-                                    </p:set>
-                                    <p:animEffect transition="in" filter="dissolve">
-                                      <p:cBhvr>
-                                        <p:cTn id="7" dur="500"/>
-                                        <p:tgtEl>
-                                          <p:spTgt spid="375812"/>
-                                        </p:tgtEl>
-                                      </p:cBhvr>
-                                    </p:animEffect>
-                                  </p:childTnLst>
-                                </p:cTn>
-                              </p:par>
-                              <p:par>
-                                <p:cTn id="8" presetID="9" presetClass="entr" presetSubtype="0" fill="hold" grpId="0" nodeType="withEffect">
-                                  <p:stCondLst>
-                                    <p:cond delay="0"/>
-                                  </p:stCondLst>
-                                  <p:childTnLst>
-                                    <p:set>
-                                      <p:cBhvr>
-                                        <p:cTn id="9" dur="1" fill="hold">
-                                          <p:stCondLst>
-                                            <p:cond delay="0"/>
-                                          </p:stCondLst>
-                                        </p:cTn>
-                                        <p:tgtEl>
-                                          <p:spTgt spid="375813"/>
-                                        </p:tgtEl>
-                                        <p:attrNameLst>
-                                          <p:attrName>style.visibility</p:attrName>
-                                        </p:attrNameLst>
-                                      </p:cBhvr>
-                                      <p:to>
-                                        <p:strVal val="visible"/>
-                                      </p:to>
-                                    </p:set>
-                                    <p:animEffect transition="in" filter="dissolve">
-                                      <p:cBhvr>
-                                        <p:cTn id="10" dur="500"/>
-                                        <p:tgtEl>
-                                          <p:spTgt spid="375813"/>
-                                        </p:tgtEl>
-                                      </p:cBhvr>
-                                    </p:animEffect>
-                                  </p:childTnLst>
-                                </p:cTn>
-                              </p:par>
-                            </p:childTnLst>
-                          </p:cTn>
-                        </p:par>
-                      </p:childTnLst>
-                    </p:cTn>
-                  </p:par>
-                </p:childTnLst>
-              </p:cTn>
-              <p:prevCondLst>
-                <p:cond evt="onPrev" delay="0">
-                  <p:tgtEl>
-                    <p:sldTgt/>
-                  </p:tgtEl>
-                </p:cond>
-              </p:prevCondLst>
-              <p:nextCondLst>
-                <p:cond evt="onNext" delay="0">
-                  <p:tgtEl>
-                    <p:sldTgt/>
-                  </p:tgtEl>
-                </p:cond>
-              </p:nextCondLst>
-            </p:seq>
-          </p:childTnLst>
-        </p:cTn>
-      </p:par>
-    </p:tnLst>
-    <p:bldLst>
-      <p:bldP spid="375813" grpId="0"/>
-    </p:bldLst>
-  </p:timing>
-</p:sld>
-</file>
-
-<file path=ppt/slides/slide39.xml><?xml version="1.0" encoding="utf-8"?>
-<p:sld xmlns:a="http://schemas.openxmlformats.org/drawingml/2006/main" xmlns:r="http://schemas.openxmlformats.org/officeDocument/2006/relationships" xmlns:p="http://schemas.openxmlformats.org/presentationml/2006/main">
-  <p:cSld>
-    <p:spTree>
-      <p:nvGrpSpPr>
-        <p:cNvPr id="1" name=""/>
-        <p:cNvGrpSpPr/>
-        <p:nvPr/>
-      </p:nvGrpSpPr>
-      <p:grpSpPr>
-        <a:xfrm>
-          <a:off x="0" y="0"/>
-          <a:ext cx="0" cy="0"/>
-          <a:chOff x="0" y="0"/>
-          <a:chExt cx="0" cy="0"/>
-        </a:xfrm>
-      </p:grpSpPr>
-      <p:sp>
-        <p:nvSpPr>
-          <p:cNvPr id="61442" name="Rectangle 2"/>
-          <p:cNvSpPr>
-            <a:spLocks noGrp="1" noChangeArrowheads="1"/>
-          </p:cNvSpPr>
-          <p:nvPr>
-            <p:ph type="title" idx="4294967295"/>
-          </p:nvPr>
-        </p:nvSpPr>
-        <p:spPr/>
-        <p:txBody>
-          <a:bodyPr/>
-          <a:lstStyle/>
-          <a:p>
-            <a:pPr eaLnBrk="1" hangingPunct="1"/>
-            <a:r>
-              <a:rPr lang="en-US" sz="4800"/>
-              <a:t>Team Problems</a:t>
-            </a:r>
-          </a:p>
-        </p:txBody>
-      </p:sp>
-      <p:sp>
-        <p:nvSpPr>
-          <p:cNvPr id="61443" name="Rectangle 3"/>
-          <p:cNvSpPr>
-            <a:spLocks noGrp="1" noChangeArrowheads="1"/>
-          </p:cNvSpPr>
-          <p:nvPr>
-            <p:ph type="body" idx="4294967295"/>
-          </p:nvPr>
-        </p:nvSpPr>
-        <p:spPr>
-          <a:xfrm>
-            <a:off x="228600" y="1752600"/>
-            <a:ext cx="8610600" cy="4343400"/>
-          </a:xfrm>
-        </p:spPr>
-        <p:txBody>
-          <a:bodyPr/>
-          <a:lstStyle/>
-          <a:p>
-            <a:pPr algn="ctr" eaLnBrk="1" hangingPunct="1"/>
-            <a:r>
-              <a:rPr lang="en-US" sz="10600" dirty="0"/>
-              <a:t>Problems</a:t>
-            </a:r>
-          </a:p>
-          <a:p>
-            <a:pPr algn="ctr" eaLnBrk="1" hangingPunct="1"/>
-            <a:r>
-              <a:rPr lang="en-US" sz="10600" smtClean="0"/>
-              <a:t>1</a:t>
-            </a:r>
-            <a:r>
-              <a:rPr lang="en-US" sz="10600" b="1" smtClean="0">
-                <a:latin typeface="Euclid Symbol" charset="2"/>
-                <a:cs typeface="Euclid Symbol" charset="2"/>
-                <a:sym typeface="Euclid Symbol" pitchFamily="18" charset="2"/>
-              </a:rPr>
-              <a:t>−</a:t>
-            </a:r>
-            <a:r>
-              <a:rPr lang="en-US" sz="10600" smtClean="0">
-                <a:sym typeface="Euclid Symbol" pitchFamily="18" charset="2"/>
-              </a:rPr>
-              <a:t>4</a:t>
-            </a:r>
-            <a:endParaRPr lang="en-US" sz="10600" dirty="0"/>
-          </a:p>
-        </p:txBody>
-      </p:sp>
-      <p:sp>
-        <p:nvSpPr>
-          <p:cNvPr id="61444" name="Text Box 4"/>
-          <p:cNvSpPr txBox="1">
-            <a:spLocks noGrp="1"/>
-          </p:cNvSpPr>
-          <p:nvPr/>
-        </p:nvSpPr>
-        <p:spPr bwMode="auto">
-          <a:xfrm>
-            <a:off x="7772400" y="6553200"/>
-            <a:ext cx="1295400" cy="304800"/>
-          </a:xfrm>
-          <a:prstGeom prst="rect">
-            <a:avLst/>
-          </a:prstGeom>
-          <a:noFill/>
-          <a:ln w="9525">
-            <a:noFill/>
-            <a:miter lim="800000"/>
-            <a:headEnd/>
-            <a:tailEnd/>
-          </a:ln>
-        </p:spPr>
-        <p:txBody>
-          <a:bodyPr>
-            <a:spAutoFit/>
-          </a:bodyPr>
-          <a:lstStyle/>
-          <a:p>
-            <a:pPr algn="r" fontAlgn="base">
-              <a:spcBef>
-                <a:spcPct val="0"/>
-              </a:spcBef>
-              <a:spcAft>
-                <a:spcPct val="0"/>
-              </a:spcAft>
-            </a:pPr>
-            <a:r>
-              <a:rPr lang="en-US" sz="1400" dirty="0" err="1" smtClean="0">
-                <a:latin typeface="Comic Sans MS" pitchFamily="66" charset="0"/>
-              </a:rPr>
-              <a:t>lec</a:t>
-            </a:r>
-            <a:r>
-              <a:rPr lang="en-US" sz="1400" dirty="0" smtClean="0">
-                <a:latin typeface="Comic Sans MS" pitchFamily="66" charset="0"/>
-              </a:rPr>
-              <a:t> </a:t>
-            </a:r>
-            <a:r>
-              <a:rPr lang="en-US" sz="1400" dirty="0" smtClean="0">
-                <a:latin typeface="Comic Sans MS" pitchFamily="66" charset="0"/>
-              </a:rPr>
-              <a:t>10W.</a:t>
-            </a:r>
-            <a:r>
-              <a:rPr lang="en-US" sz="1200" dirty="0" smtClean="0">
-                <a:latin typeface="Comic Sans MS" pitchFamily="66" charset="0"/>
-              </a:rPr>
-              <a:t>36</a:t>
-            </a:r>
-            <a:endParaRPr lang="en-US" sz="1200" dirty="0">
-              <a:latin typeface="Comic Sans MS" pitchFamily="66" charset="0"/>
-            </a:endParaRPr>
-          </a:p>
-        </p:txBody>
-      </p:sp>
-    </p:spTree>
-  </p:cSld>
-  <p:clrMapOvr>
-    <a:masterClrMapping/>
-  </p:clrMapOvr>
-  <p:transition xmlns:p14="http://schemas.microsoft.com/office/powerpoint/2010/main"/>
-  <p:timing>
-    <p:tnLst>
-      <p:par>
-        <p:cTn xmlns:p14="http://schemas.microsoft.com/office/powerpoint/2010/main" id="1" dur="indefinite" restart="never" nodeType="tmRoot"/>
-      </p:par>
-    </p:tnLst>
-  </p:timing>
-</p:sld>
-</file>
-
 <file path=ppt/slides/slide4.xml><?xml version="1.0" encoding="utf-8"?>
 <p:sld xmlns:a="http://schemas.openxmlformats.org/drawingml/2006/main" xmlns:r="http://schemas.openxmlformats.org/officeDocument/2006/relationships" xmlns:p="http://schemas.openxmlformats.org/presentationml/2006/main" show="0">
   <p:cSld>
@@ -28133,11 +19854,7 @@
             </a:r>
             <a:r>
               <a:rPr lang="en-US" dirty="0" smtClean="0"/>
-              <a:t> </a:t>
-            </a:r>
-            <a:r>
-              <a:rPr lang="en-US" dirty="0" smtClean="0"/>
-              <a:t>10W.</a:t>
+              <a:t> 10W.</a:t>
             </a:r>
             <a:fld id="{E724F065-34A1-4E2F-BB17-E3787F8CEBB1}" type="slidenum">
               <a:rPr lang="en-US" smtClean="0"/>
@@ -28353,11 +20070,7 @@
             </a:r>
             <a:r>
               <a:rPr lang="en-US" dirty="0" smtClean="0"/>
-              <a:t> </a:t>
-            </a:r>
-            <a:r>
-              <a:rPr lang="en-US" dirty="0" smtClean="0"/>
-              <a:t>10W.</a:t>
+              <a:t> 10W.</a:t>
             </a:r>
             <a:fld id="{C38EFF70-A23C-4A5E-8861-2243249243FE}" type="slidenum">
               <a:rPr lang="en-US" smtClean="0"/>
@@ -28873,11 +20586,7 @@
             </a:r>
             <a:r>
               <a:rPr lang="en-US" dirty="0" smtClean="0"/>
-              <a:t> </a:t>
-            </a:r>
-            <a:r>
-              <a:rPr lang="en-US" dirty="0" smtClean="0"/>
-              <a:t>10W.</a:t>
+              <a:t> 10W.</a:t>
             </a:r>
             <a:fld id="{F5E7BC75-7CCD-43B9-9102-762D8D8CA728}" type="slidenum">
               <a:rPr lang="en-US" smtClean="0"/>
@@ -28893,13 +20602,13 @@
   <p:clrMapOvr>
     <a:masterClrMapping/>
   </p:clrMapOvr>
-  <mc:AlternateContent xmlns:mc="http://schemas.openxmlformats.org/markup-compatibility/2006">
-    <mc:Choice xmlns:p14="http://schemas.microsoft.com/office/powerpoint/2010/main" Requires="p14">
+  <mc:AlternateContent xmlns:mc="http://schemas.openxmlformats.org/markup-compatibility/2006" xmlns:p14="http://schemas.microsoft.com/office/powerpoint/2010/main">
+    <mc:Choice Requires="p14">
       <p:transition spd="med" p14:dur="700">
         <p:fade/>
       </p:transition>
     </mc:Choice>
-    <mc:Fallback>
+    <mc:Fallback xmlns="">
       <p:transition xmlns:p14="http://schemas.microsoft.com/office/powerpoint/2010/main" spd="med">
         <p:fade/>
       </p:transition>
@@ -28955,11 +20664,7 @@
             </a:r>
             <a:r>
               <a:rPr lang="en-US" dirty="0" smtClean="0"/>
-              <a:t> </a:t>
-            </a:r>
-            <a:r>
-              <a:rPr lang="en-US" dirty="0" smtClean="0"/>
-              <a:t>10W.</a:t>
+              <a:t> 10W.</a:t>
             </a:r>
             <a:fld id="{F5E7BC75-7CCD-43B9-9102-762D8D8CA728}" type="slidenum">
               <a:rPr lang="en-US" smtClean="0"/>
@@ -31501,11 +23206,7 @@
             </a:r>
             <a:r>
               <a:rPr lang="en-US" dirty="0" smtClean="0"/>
-              <a:t> </a:t>
-            </a:r>
-            <a:r>
-              <a:rPr lang="en-US" dirty="0" smtClean="0"/>
-              <a:t>10W.</a:t>
+              <a:t> 10W.</a:t>
             </a:r>
             <a:fld id="{51B5FB57-820D-4FCE-AE7E-3D18D1451027}" type="slidenum">
               <a:rPr lang="en-US" smtClean="0"/>
@@ -32280,11 +23981,7 @@
             </a:r>
             <a:r>
               <a:rPr lang="en-US" sz="1100" dirty="0" smtClean="0"/>
-              <a:t> </a:t>
-            </a:r>
-            <a:r>
-              <a:rPr lang="en-US" sz="1100" dirty="0" smtClean="0"/>
-              <a:t>10W.</a:t>
+              <a:t> 10W.</a:t>
             </a:r>
             <a:fld id="{8C9AB104-7168-4BC9-BC2B-31EA894A1A1E}" type="slidenum">
               <a:rPr lang="en-US" sz="1100" smtClean="0"/>
